--- a/documentation/presentation.pptx
+++ b/documentation/presentation.pptx
@@ -18,6 +18,27 @@
     <p:sldId id="268" r:id="rId12"/>
     <p:sldId id="269" r:id="rId13"/>
     <p:sldId id="270" r:id="rId14"/>
+    <p:sldId id="271" r:id="rId15"/>
+    <p:sldId id="272" r:id="rId16"/>
+    <p:sldId id="273" r:id="rId17"/>
+    <p:sldId id="274" r:id="rId18"/>
+    <p:sldId id="275" r:id="rId19"/>
+    <p:sldId id="276" r:id="rId20"/>
+    <p:sldId id="277" r:id="rId21"/>
+    <p:sldId id="278" r:id="rId22"/>
+    <p:sldId id="279" r:id="rId23"/>
+    <p:sldId id="280" r:id="rId24"/>
+    <p:sldId id="281" r:id="rId25"/>
+    <p:sldId id="282" r:id="rId26"/>
+    <p:sldId id="284" r:id="rId27"/>
+    <p:sldId id="283" r:id="rId28"/>
+    <p:sldId id="285" r:id="rId29"/>
+    <p:sldId id="286" r:id="rId30"/>
+    <p:sldId id="288" r:id="rId31"/>
+    <p:sldId id="289" r:id="rId32"/>
+    <p:sldId id="290" r:id="rId33"/>
+    <p:sldId id="291" r:id="rId34"/>
+    <p:sldId id="292" r:id="rId35"/>
   </p:sldIdLst>
   <p:sldSz cx="12192000" cy="6858000"/>
   <p:notesSz cx="6858000" cy="9144000"/>
@@ -460,7 +481,7 @@
             <a:fld id="{5923F103-BC34-4FE4-A40E-EDDEECFDA5D0}" type="datetimeFigureOut">
               <a:rPr lang="en-US" dirty="0"/>
               <a:pPr/>
-              <a:t>11/9/2021</a:t>
+              <a:t>11/14/2021</a:t>
             </a:fld>
             <a:endParaRPr lang="en-US" dirty="0"/>
           </a:p>
@@ -1544,7 +1565,7 @@
           <a:p>
             <a:fld id="{923A1CC3-2375-41D4-9E03-427CAF2A4C1A}" type="datetimeFigureOut">
               <a:rPr lang="en-US" dirty="0"/>
-              <a:t>11/9/2021</a:t>
+              <a:t>11/14/2021</a:t>
             </a:fld>
             <a:endParaRPr lang="en-US" dirty="0"/>
           </a:p>
@@ -2520,7 +2541,7 @@
           <a:p>
             <a:fld id="{AFF16868-8199-4C2C-A5B1-63AEE139F88E}" type="datetimeFigureOut">
               <a:rPr lang="en-US" dirty="0"/>
-              <a:t>11/9/2021</a:t>
+              <a:t>11/14/2021</a:t>
             </a:fld>
             <a:endParaRPr lang="en-US" dirty="0"/>
           </a:p>
@@ -3650,7 +3671,7 @@
           <a:p>
             <a:fld id="{AAD9FF7F-6988-44CC-821B-644E70CD2F73}" type="datetimeFigureOut">
               <a:rPr lang="en-US" dirty="0"/>
-              <a:t>11/9/2021</a:t>
+              <a:t>11/14/2021</a:t>
             </a:fld>
             <a:endParaRPr lang="en-US" dirty="0"/>
           </a:p>
@@ -4679,7 +4700,7 @@
           <a:p>
             <a:fld id="{5C12C299-16B2-4475-990D-751901EACC14}" type="datetimeFigureOut">
               <a:rPr lang="en-US" dirty="0"/>
-              <a:t>11/9/2021</a:t>
+              <a:t>11/14/2021</a:t>
             </a:fld>
             <a:endParaRPr lang="en-US" dirty="0"/>
           </a:p>
@@ -5335,7 +5356,7 @@
           <a:p>
             <a:fld id="{9FE86839-B9D8-4651-8783-F325ECE74E65}" type="datetimeFigureOut">
               <a:rPr lang="en-US" dirty="0"/>
-              <a:t>11/9/2021</a:t>
+              <a:t>11/14/2021</a:t>
             </a:fld>
             <a:endParaRPr lang="en-US" dirty="0"/>
           </a:p>
@@ -6192,7 +6213,7 @@
           <a:p>
             <a:fld id="{FD484F64-32F6-45C5-931F-ADC1662401D0}" type="datetimeFigureOut">
               <a:rPr lang="en-US" dirty="0"/>
-              <a:t>11/9/2021</a:t>
+              <a:t>11/14/2021</a:t>
             </a:fld>
             <a:endParaRPr lang="en-US" dirty="0"/>
           </a:p>
@@ -6378,7 +6399,7 @@
           <a:p>
             <a:fld id="{53086D93-FCAC-47E0-A2EE-787E62CA814C}" type="datetimeFigureOut">
               <a:rPr lang="en-US" dirty="0"/>
-              <a:t>11/9/2021</a:t>
+              <a:t>11/14/2021</a:t>
             </a:fld>
             <a:endParaRPr lang="en-US" dirty="0"/>
           </a:p>
@@ -7346,7 +7367,7 @@
           <a:p>
             <a:fld id="{CDA879A6-0FD0-4734-A311-86BFCA472E6E}" type="datetimeFigureOut">
               <a:rPr lang="en-US" dirty="0"/>
-              <a:t>11/9/2021</a:t>
+              <a:t>11/14/2021</a:t>
             </a:fld>
             <a:endParaRPr lang="en-US" dirty="0"/>
           </a:p>
@@ -7553,7 +7574,7 @@
           <a:p>
             <a:fld id="{19C9CA7B-DFD4-44B5-8C60-D14B8CD1FB59}" type="datetimeFigureOut">
               <a:rPr lang="en-US" dirty="0"/>
-              <a:t>11/9/2021</a:t>
+              <a:t>11/14/2021</a:t>
             </a:fld>
             <a:endParaRPr lang="en-US" dirty="0"/>
           </a:p>
@@ -8583,7 +8604,7 @@
           <a:p>
             <a:fld id="{F34E6425-0181-43F2-84FC-787E803FD2F8}" type="datetimeFigureOut">
               <a:rPr lang="en-US" dirty="0"/>
-              <a:t>11/9/2021</a:t>
+              <a:t>11/14/2021</a:t>
             </a:fld>
             <a:endParaRPr lang="en-US" dirty="0"/>
           </a:p>
@@ -8851,7 +8872,7 @@
           <a:p>
             <a:fld id="{3BDB8791-F1B0-41E7-B7FD-A781E65C4266}" type="datetimeFigureOut">
               <a:rPr lang="en-US" dirty="0"/>
-              <a:t>11/9/2021</a:t>
+              <a:t>11/14/2021</a:t>
             </a:fld>
             <a:endParaRPr lang="en-US" dirty="0"/>
           </a:p>
@@ -9257,7 +9278,7 @@
           <a:p>
             <a:fld id="{5FDD63B2-E120-4ED8-B27B-C685F510A5FE}" type="datetimeFigureOut">
               <a:rPr lang="en-US" dirty="0"/>
-              <a:t>11/9/2021</a:t>
+              <a:t>11/14/2021</a:t>
             </a:fld>
             <a:endParaRPr lang="en-US" dirty="0"/>
           </a:p>
@@ -9380,7 +9401,7 @@
           <a:p>
             <a:fld id="{7AA18ACC-A947-437B-A130-35BD54FDF1E9}" type="datetimeFigureOut">
               <a:rPr lang="en-US" dirty="0"/>
-              <a:t>11/9/2021</a:t>
+              <a:t>11/14/2021</a:t>
             </a:fld>
             <a:endParaRPr lang="en-US" dirty="0"/>
           </a:p>
@@ -9471,7 +9492,7 @@
           <a:p>
             <a:fld id="{7C8D7E02-BCB8-4D50-A234-369438C08659}" type="datetimeFigureOut">
               <a:rPr lang="en-US" dirty="0"/>
-              <a:t>11/9/2021</a:t>
+              <a:t>11/14/2021</a:t>
             </a:fld>
             <a:endParaRPr lang="en-US" dirty="0"/>
           </a:p>
@@ -10548,7 +10569,7 @@
           <a:p>
             <a:fld id="{76E86A4C-8E40-4F87-A4F0-01A0687C5742}" type="datetimeFigureOut">
               <a:rPr lang="en-US" dirty="0"/>
-              <a:t>11/9/2021</a:t>
+              <a:t>11/14/2021</a:t>
             </a:fld>
             <a:endParaRPr lang="en-US" dirty="0"/>
           </a:p>
@@ -11652,7 +11673,7 @@
           <a:p>
             <a:fld id="{35E72C73-2D91-4E12-BA25-F0AA0C03599B}" type="datetimeFigureOut">
               <a:rPr lang="en-US" dirty="0"/>
-              <a:t>11/9/2021</a:t>
+              <a:t>11/14/2021</a:t>
             </a:fld>
             <a:endParaRPr lang="en-US" dirty="0"/>
           </a:p>
@@ -12645,7 +12666,7 @@
           <a:p>
             <a:fld id="{2BE451C3-0FF4-47C4-B829-773ADF60F88C}" type="datetimeFigureOut">
               <a:rPr lang="en-US" dirty="0"/>
-              <a:t>11/9/2021</a:t>
+              <a:t>11/14/2021</a:t>
             </a:fld>
             <a:endParaRPr lang="en-US" dirty="0"/>
           </a:p>
@@ -14426,6 +14447,3708 @@
 </p:sld>
 </file>
 
+<file path=ppt/slides/slide14.xml><?xml version="1.0" encoding="utf-8"?>
+<p:sld xmlns:a="http://schemas.openxmlformats.org/drawingml/2006/main" xmlns:r="http://schemas.openxmlformats.org/officeDocument/2006/relationships" xmlns:p="http://schemas.openxmlformats.org/presentationml/2006/main">
+  <p:cSld>
+    <p:spTree>
+      <p:nvGrpSpPr>
+        <p:cNvPr id="1" name=""/>
+        <p:cNvGrpSpPr/>
+        <p:nvPr/>
+      </p:nvGrpSpPr>
+      <p:grpSpPr>
+        <a:xfrm>
+          <a:off x="0" y="0"/>
+          <a:ext cx="0" cy="0"/>
+          <a:chOff x="0" y="0"/>
+          <a:chExt cx="0" cy="0"/>
+        </a:xfrm>
+      </p:grpSpPr>
+      <p:sp>
+        <p:nvSpPr>
+          <p:cNvPr id="2" name="Titel 1">
+            <a:extLst>
+              <a:ext uri="{FF2B5EF4-FFF2-40B4-BE49-F238E27FC236}">
+                <a16:creationId xmlns:a16="http://schemas.microsoft.com/office/drawing/2014/main" id="{DB4CB577-98C3-447C-BFE2-3998CC91EDB0}"/>
+              </a:ext>
+            </a:extLst>
+          </p:cNvPr>
+          <p:cNvSpPr>
+            <a:spLocks noGrp="1"/>
+          </p:cNvSpPr>
+          <p:nvPr>
+            <p:ph type="title"/>
+          </p:nvPr>
+        </p:nvSpPr>
+        <p:spPr/>
+        <p:txBody>
+          <a:bodyPr/>
+          <a:lstStyle/>
+          <a:p>
+            <a:r>
+              <a:rPr lang="de-CH" dirty="0"/>
+              <a:t>The </a:t>
+            </a:r>
+            <a:r>
+              <a:rPr lang="de-CH" dirty="0" err="1"/>
+              <a:t>basic</a:t>
+            </a:r>
+            <a:r>
+              <a:rPr lang="de-CH" dirty="0"/>
+              <a:t> </a:t>
+            </a:r>
+            <a:r>
+              <a:rPr lang="de-CH" dirty="0" err="1"/>
+              <a:t>idea</a:t>
+            </a:r>
+            <a:endParaRPr lang="de-CH" dirty="0"/>
+          </a:p>
+        </p:txBody>
+      </p:sp>
+      <p:sp>
+        <p:nvSpPr>
+          <p:cNvPr id="3" name="Inhaltsplatzhalter 2">
+            <a:extLst>
+              <a:ext uri="{FF2B5EF4-FFF2-40B4-BE49-F238E27FC236}">
+                <a16:creationId xmlns:a16="http://schemas.microsoft.com/office/drawing/2014/main" id="{6FF25ED2-C18E-4FF5-A589-28B4C71BFF7C}"/>
+              </a:ext>
+            </a:extLst>
+          </p:cNvPr>
+          <p:cNvSpPr>
+            <a:spLocks noGrp="1"/>
+          </p:cNvSpPr>
+          <p:nvPr>
+            <p:ph idx="1"/>
+          </p:nvPr>
+        </p:nvSpPr>
+        <p:spPr>
+          <a:xfrm>
+            <a:off x="1154954" y="2603500"/>
+            <a:ext cx="8825659" cy="747407"/>
+          </a:xfrm>
+        </p:spPr>
+        <p:txBody>
+          <a:bodyPr/>
+          <a:lstStyle/>
+          <a:p>
+            <a:pPr marL="0" indent="0">
+              <a:buNone/>
+            </a:pPr>
+            <a:r>
+              <a:rPr lang="de-CH" dirty="0" err="1"/>
+              <a:t>Measuring</a:t>
+            </a:r>
+            <a:r>
+              <a:rPr lang="de-CH" dirty="0"/>
+              <a:t> a </a:t>
+            </a:r>
+            <a:r>
+              <a:rPr lang="de-CH" dirty="0" err="1"/>
+              <a:t>qubit</a:t>
+            </a:r>
+            <a:r>
+              <a:rPr lang="de-CH" dirty="0"/>
+              <a:t> </a:t>
+            </a:r>
+            <a:r>
+              <a:rPr lang="de-CH" dirty="0" err="1"/>
+              <a:t>collapses</a:t>
+            </a:r>
+            <a:r>
+              <a:rPr lang="de-CH" dirty="0"/>
+              <a:t> </a:t>
+            </a:r>
+            <a:r>
+              <a:rPr lang="de-CH" dirty="0" err="1"/>
+              <a:t>the</a:t>
+            </a:r>
+            <a:r>
+              <a:rPr lang="de-CH" dirty="0"/>
+              <a:t> </a:t>
+            </a:r>
+            <a:r>
+              <a:rPr lang="de-CH" dirty="0" err="1"/>
+              <a:t>current</a:t>
+            </a:r>
+            <a:r>
+              <a:rPr lang="de-CH" dirty="0"/>
+              <a:t> </a:t>
+            </a:r>
+            <a:r>
+              <a:rPr lang="de-CH" dirty="0" err="1"/>
+              <a:t>state</a:t>
+            </a:r>
+            <a:r>
+              <a:rPr lang="de-CH" dirty="0"/>
+              <a:t> </a:t>
+            </a:r>
+            <a:r>
+              <a:rPr lang="de-CH" dirty="0" err="1"/>
+              <a:t>onto</a:t>
+            </a:r>
+            <a:r>
+              <a:rPr lang="de-CH" dirty="0"/>
+              <a:t> </a:t>
+            </a:r>
+            <a:r>
+              <a:rPr lang="de-CH" dirty="0" err="1"/>
+              <a:t>the</a:t>
+            </a:r>
+            <a:r>
+              <a:rPr lang="de-CH" dirty="0"/>
+              <a:t> z </a:t>
+            </a:r>
+            <a:r>
+              <a:rPr lang="de-CH" dirty="0" err="1"/>
+              <a:t>pane</a:t>
+            </a:r>
+            <a:r>
+              <a:rPr lang="de-CH" dirty="0"/>
+              <a:t> </a:t>
+            </a:r>
+            <a:r>
+              <a:rPr lang="de-CH" dirty="0" err="1"/>
+              <a:t>with</a:t>
+            </a:r>
+            <a:r>
+              <a:rPr lang="de-CH" dirty="0"/>
+              <a:t> a </a:t>
+            </a:r>
+            <a:r>
+              <a:rPr lang="de-CH" dirty="0" err="1"/>
+              <a:t>given</a:t>
+            </a:r>
+            <a:r>
+              <a:rPr lang="de-CH" dirty="0"/>
+              <a:t> </a:t>
+            </a:r>
+            <a:r>
+              <a:rPr lang="de-CH" dirty="0" err="1"/>
+              <a:t>probability</a:t>
+            </a:r>
+            <a:endParaRPr lang="de-CH" dirty="0"/>
+          </a:p>
+        </p:txBody>
+      </p:sp>
+      <p:cxnSp>
+        <p:nvCxnSpPr>
+          <p:cNvPr id="5" name="Gerader Verbinder 4">
+            <a:extLst>
+              <a:ext uri="{FF2B5EF4-FFF2-40B4-BE49-F238E27FC236}">
+                <a16:creationId xmlns:a16="http://schemas.microsoft.com/office/drawing/2014/main" id="{D5769D75-879A-48C4-BF7B-9AD20A298E3E}"/>
+              </a:ext>
+            </a:extLst>
+          </p:cNvPr>
+          <p:cNvCxnSpPr>
+            <a:cxnSpLocks/>
+          </p:cNvCxnSpPr>
+          <p:nvPr/>
+        </p:nvCxnSpPr>
+        <p:spPr>
+          <a:xfrm>
+            <a:off x="3799587" y="5838530"/>
+            <a:ext cx="4447051" cy="0"/>
+          </a:xfrm>
+          <a:prstGeom prst="line">
+            <a:avLst/>
+          </a:prstGeom>
+          <a:ln w="57150"/>
+        </p:spPr>
+        <p:style>
+          <a:lnRef idx="1">
+            <a:schemeClr val="accent1"/>
+          </a:lnRef>
+          <a:fillRef idx="0">
+            <a:schemeClr val="accent1"/>
+          </a:fillRef>
+          <a:effectRef idx="0">
+            <a:schemeClr val="accent1"/>
+          </a:effectRef>
+          <a:fontRef idx="minor">
+            <a:schemeClr val="tx1"/>
+          </a:fontRef>
+        </p:style>
+      </p:cxnSp>
+      <p:cxnSp>
+        <p:nvCxnSpPr>
+          <p:cNvPr id="6" name="Gerader Verbinder 5">
+            <a:extLst>
+              <a:ext uri="{FF2B5EF4-FFF2-40B4-BE49-F238E27FC236}">
+                <a16:creationId xmlns:a16="http://schemas.microsoft.com/office/drawing/2014/main" id="{D33B561D-F991-4672-9A98-215C42A389AA}"/>
+              </a:ext>
+            </a:extLst>
+          </p:cNvPr>
+          <p:cNvCxnSpPr>
+            <a:cxnSpLocks/>
+          </p:cNvCxnSpPr>
+          <p:nvPr/>
+        </p:nvCxnSpPr>
+        <p:spPr>
+          <a:xfrm flipV="1">
+            <a:off x="6023112" y="4129946"/>
+            <a:ext cx="0" cy="1708584"/>
+          </a:xfrm>
+          <a:prstGeom prst="line">
+            <a:avLst/>
+          </a:prstGeom>
+          <a:ln w="57150">
+            <a:solidFill>
+              <a:srgbClr val="00B050"/>
+            </a:solidFill>
+          </a:ln>
+        </p:spPr>
+        <p:style>
+          <a:lnRef idx="1">
+            <a:schemeClr val="accent1"/>
+          </a:lnRef>
+          <a:fillRef idx="0">
+            <a:schemeClr val="accent1"/>
+          </a:fillRef>
+          <a:effectRef idx="0">
+            <a:schemeClr val="accent1"/>
+          </a:effectRef>
+          <a:fontRef idx="minor">
+            <a:schemeClr val="tx1"/>
+          </a:fontRef>
+        </p:style>
+      </p:cxnSp>
+      <p:cxnSp>
+        <p:nvCxnSpPr>
+          <p:cNvPr id="8" name="Gerader Verbinder 7">
+            <a:extLst>
+              <a:ext uri="{FF2B5EF4-FFF2-40B4-BE49-F238E27FC236}">
+                <a16:creationId xmlns:a16="http://schemas.microsoft.com/office/drawing/2014/main" id="{89969A79-27F1-40B9-99AA-D9110AD4AAAA}"/>
+              </a:ext>
+            </a:extLst>
+          </p:cNvPr>
+          <p:cNvCxnSpPr>
+            <a:cxnSpLocks/>
+          </p:cNvCxnSpPr>
+          <p:nvPr/>
+        </p:nvCxnSpPr>
+        <p:spPr>
+          <a:xfrm flipV="1">
+            <a:off x="6023112" y="5815013"/>
+            <a:ext cx="0" cy="23517"/>
+          </a:xfrm>
+          <a:prstGeom prst="line">
+            <a:avLst/>
+          </a:prstGeom>
+          <a:ln w="57150">
+            <a:solidFill>
+              <a:srgbClr val="FFFF00"/>
+            </a:solidFill>
+          </a:ln>
+        </p:spPr>
+        <p:style>
+          <a:lnRef idx="1">
+            <a:schemeClr val="accent1"/>
+          </a:lnRef>
+          <a:fillRef idx="0">
+            <a:schemeClr val="accent1"/>
+          </a:fillRef>
+          <a:effectRef idx="0">
+            <a:schemeClr val="accent1"/>
+          </a:effectRef>
+          <a:fontRef idx="minor">
+            <a:schemeClr val="tx1"/>
+          </a:fontRef>
+        </p:style>
+      </p:cxnSp>
+      <p:sp>
+        <p:nvSpPr>
+          <p:cNvPr id="12" name="Textfeld 11">
+            <a:extLst>
+              <a:ext uri="{FF2B5EF4-FFF2-40B4-BE49-F238E27FC236}">
+                <a16:creationId xmlns:a16="http://schemas.microsoft.com/office/drawing/2014/main" id="{5D49BC00-D8C4-43C4-9176-A3DBAC24E882}"/>
+              </a:ext>
+            </a:extLst>
+          </p:cNvPr>
+          <p:cNvSpPr txBox="1"/>
+          <p:nvPr/>
+        </p:nvSpPr>
+        <p:spPr>
+          <a:xfrm>
+            <a:off x="5857877" y="3725346"/>
+            <a:ext cx="476246" cy="369332"/>
+          </a:xfrm>
+          <a:prstGeom prst="rect">
+            <a:avLst/>
+          </a:prstGeom>
+          <a:noFill/>
+        </p:spPr>
+        <p:txBody>
+          <a:bodyPr wrap="square" rtlCol="0">
+            <a:spAutoFit/>
+          </a:bodyPr>
+          <a:lstStyle/>
+          <a:p>
+            <a:r>
+              <a:rPr lang="de-CH" dirty="0"/>
+              <a:t>X</a:t>
+            </a:r>
+          </a:p>
+        </p:txBody>
+      </p:sp>
+      <p:sp>
+        <p:nvSpPr>
+          <p:cNvPr id="13" name="Textfeld 12">
+            <a:extLst>
+              <a:ext uri="{FF2B5EF4-FFF2-40B4-BE49-F238E27FC236}">
+                <a16:creationId xmlns:a16="http://schemas.microsoft.com/office/drawing/2014/main" id="{AA56D563-B0BB-4DF4-B378-FAADBDD79B3A}"/>
+              </a:ext>
+            </a:extLst>
+          </p:cNvPr>
+          <p:cNvSpPr txBox="1"/>
+          <p:nvPr/>
+        </p:nvSpPr>
+        <p:spPr>
+          <a:xfrm>
+            <a:off x="5857877" y="5862047"/>
+            <a:ext cx="476246" cy="369332"/>
+          </a:xfrm>
+          <a:prstGeom prst="rect">
+            <a:avLst/>
+          </a:prstGeom>
+          <a:noFill/>
+        </p:spPr>
+        <p:txBody>
+          <a:bodyPr wrap="square" rtlCol="0">
+            <a:spAutoFit/>
+          </a:bodyPr>
+          <a:lstStyle/>
+          <a:p>
+            <a:r>
+              <a:rPr lang="de-CH" dirty="0"/>
+              <a:t>Y</a:t>
+            </a:r>
+          </a:p>
+        </p:txBody>
+      </p:sp>
+      <p:sp>
+        <p:nvSpPr>
+          <p:cNvPr id="14" name="Textfeld 13">
+            <a:extLst>
+              <a:ext uri="{FF2B5EF4-FFF2-40B4-BE49-F238E27FC236}">
+                <a16:creationId xmlns:a16="http://schemas.microsoft.com/office/drawing/2014/main" id="{39444C17-E030-4EA3-8A53-56C0641A3541}"/>
+              </a:ext>
+            </a:extLst>
+          </p:cNvPr>
+          <p:cNvSpPr txBox="1"/>
+          <p:nvPr/>
+        </p:nvSpPr>
+        <p:spPr>
+          <a:xfrm>
+            <a:off x="8279976" y="5642105"/>
+            <a:ext cx="476246" cy="369332"/>
+          </a:xfrm>
+          <a:prstGeom prst="rect">
+            <a:avLst/>
+          </a:prstGeom>
+          <a:noFill/>
+        </p:spPr>
+        <p:txBody>
+          <a:bodyPr wrap="square" rtlCol="0">
+            <a:spAutoFit/>
+          </a:bodyPr>
+          <a:lstStyle/>
+          <a:p>
+            <a:r>
+              <a:rPr lang="de-CH" dirty="0"/>
+              <a:t>Z</a:t>
+            </a:r>
+          </a:p>
+        </p:txBody>
+      </p:sp>
+      <p:cxnSp>
+        <p:nvCxnSpPr>
+          <p:cNvPr id="16" name="Gerade Verbindung mit Pfeil 15">
+            <a:extLst>
+              <a:ext uri="{FF2B5EF4-FFF2-40B4-BE49-F238E27FC236}">
+                <a16:creationId xmlns:a16="http://schemas.microsoft.com/office/drawing/2014/main" id="{56B7F05E-372B-46A6-9135-CF1B49FABE9E}"/>
+              </a:ext>
+            </a:extLst>
+          </p:cNvPr>
+          <p:cNvCxnSpPr>
+            <a:cxnSpLocks/>
+          </p:cNvCxnSpPr>
+          <p:nvPr/>
+        </p:nvCxnSpPr>
+        <p:spPr>
+          <a:xfrm flipH="1" flipV="1">
+            <a:off x="4567238" y="4781550"/>
+            <a:ext cx="1428304" cy="1021713"/>
+          </a:xfrm>
+          <a:prstGeom prst="straightConnector1">
+            <a:avLst/>
+          </a:prstGeom>
+          <a:ln w="57150">
+            <a:solidFill>
+              <a:srgbClr val="00B0F0"/>
+            </a:solidFill>
+            <a:tailEnd type="triangle"/>
+          </a:ln>
+        </p:spPr>
+        <p:style>
+          <a:lnRef idx="1">
+            <a:schemeClr val="accent1"/>
+          </a:lnRef>
+          <a:fillRef idx="0">
+            <a:schemeClr val="accent1"/>
+          </a:fillRef>
+          <a:effectRef idx="0">
+            <a:schemeClr val="accent1"/>
+          </a:effectRef>
+          <a:fontRef idx="minor">
+            <a:schemeClr val="tx1"/>
+          </a:fontRef>
+        </p:style>
+      </p:cxnSp>
+      <p:pic>
+        <p:nvPicPr>
+          <p:cNvPr id="20" name="Grafik 19">
+            <a:extLst>
+              <a:ext uri="{FF2B5EF4-FFF2-40B4-BE49-F238E27FC236}">
+                <a16:creationId xmlns:a16="http://schemas.microsoft.com/office/drawing/2014/main" id="{32FD242D-8AD6-43D8-A756-AF8A403E0211}"/>
+              </a:ext>
+            </a:extLst>
+          </p:cNvPr>
+          <p:cNvPicPr>
+            <a:picLocks noChangeAspect="1"/>
+          </p:cNvPicPr>
+          <p:nvPr/>
+        </p:nvPicPr>
+        <p:blipFill>
+          <a:blip r:embed="rId2">
+            <a:extLst>
+              <a:ext uri="{96DAC541-7B7A-43D3-8B79-37D633B846F1}">
+                <asvg:svgBlip xmlns:asvg="http://schemas.microsoft.com/office/drawing/2016/SVG/main" r:embed="rId3"/>
+              </a:ext>
+            </a:extLst>
+          </a:blip>
+          <a:stretch>
+            <a:fillRect/>
+          </a:stretch>
+        </p:blipFill>
+        <p:spPr>
+          <a:xfrm>
+            <a:off x="3494787" y="5936103"/>
+            <a:ext cx="304800" cy="295275"/>
+          </a:xfrm>
+          <a:prstGeom prst="rect">
+            <a:avLst/>
+          </a:prstGeom>
+        </p:spPr>
+      </p:pic>
+      <p:pic>
+        <p:nvPicPr>
+          <p:cNvPr id="22" name="Grafik 21">
+            <a:extLst>
+              <a:ext uri="{FF2B5EF4-FFF2-40B4-BE49-F238E27FC236}">
+                <a16:creationId xmlns:a16="http://schemas.microsoft.com/office/drawing/2014/main" id="{9E0BC9EF-85BC-4BD0-9589-C84F10473CBF}"/>
+              </a:ext>
+            </a:extLst>
+          </p:cNvPr>
+          <p:cNvPicPr>
+            <a:picLocks noChangeAspect="1"/>
+          </p:cNvPicPr>
+          <p:nvPr/>
+        </p:nvPicPr>
+        <p:blipFill>
+          <a:blip r:embed="rId4">
+            <a:extLst>
+              <a:ext uri="{96DAC541-7B7A-43D3-8B79-37D633B846F1}">
+                <asvg:svgBlip xmlns:asvg="http://schemas.microsoft.com/office/drawing/2016/SVG/main" r:embed="rId5"/>
+              </a:ext>
+            </a:extLst>
+          </a:blip>
+          <a:stretch>
+            <a:fillRect/>
+          </a:stretch>
+        </p:blipFill>
+        <p:spPr>
+          <a:xfrm>
+            <a:off x="8518099" y="5936104"/>
+            <a:ext cx="304800" cy="295275"/>
+          </a:xfrm>
+          <a:prstGeom prst="rect">
+            <a:avLst/>
+          </a:prstGeom>
+        </p:spPr>
+      </p:pic>
+      <p:cxnSp>
+        <p:nvCxnSpPr>
+          <p:cNvPr id="24" name="Gerader Verbinder 23">
+            <a:extLst>
+              <a:ext uri="{FF2B5EF4-FFF2-40B4-BE49-F238E27FC236}">
+                <a16:creationId xmlns:a16="http://schemas.microsoft.com/office/drawing/2014/main" id="{59E8C2F4-AC7C-4497-9194-966AE03E9DC8}"/>
+              </a:ext>
+            </a:extLst>
+          </p:cNvPr>
+          <p:cNvCxnSpPr>
+            <a:cxnSpLocks/>
+          </p:cNvCxnSpPr>
+          <p:nvPr/>
+        </p:nvCxnSpPr>
+        <p:spPr>
+          <a:xfrm>
+            <a:off x="4567238" y="4781550"/>
+            <a:ext cx="0" cy="1229887"/>
+          </a:xfrm>
+          <a:prstGeom prst="line">
+            <a:avLst/>
+          </a:prstGeom>
+          <a:ln>
+            <a:solidFill>
+              <a:schemeClr val="tx1">
+                <a:lumMod val="95000"/>
+                <a:lumOff val="5000"/>
+              </a:schemeClr>
+            </a:solidFill>
+          </a:ln>
+        </p:spPr>
+        <p:style>
+          <a:lnRef idx="1">
+            <a:schemeClr val="accent1"/>
+          </a:lnRef>
+          <a:fillRef idx="0">
+            <a:schemeClr val="accent1"/>
+          </a:fillRef>
+          <a:effectRef idx="0">
+            <a:schemeClr val="accent1"/>
+          </a:effectRef>
+          <a:fontRef idx="minor">
+            <a:schemeClr val="tx1"/>
+          </a:fontRef>
+        </p:style>
+      </p:cxnSp>
+      <p:cxnSp>
+        <p:nvCxnSpPr>
+          <p:cNvPr id="27" name="Gerader Verbinder 26">
+            <a:extLst>
+              <a:ext uri="{FF2B5EF4-FFF2-40B4-BE49-F238E27FC236}">
+                <a16:creationId xmlns:a16="http://schemas.microsoft.com/office/drawing/2014/main" id="{8F927C31-9366-4137-838D-2BDFD1A34F4B}"/>
+              </a:ext>
+            </a:extLst>
+          </p:cNvPr>
+          <p:cNvCxnSpPr>
+            <a:cxnSpLocks/>
+          </p:cNvCxnSpPr>
+          <p:nvPr/>
+        </p:nvCxnSpPr>
+        <p:spPr>
+          <a:xfrm flipH="1" flipV="1">
+            <a:off x="4567238" y="5922978"/>
+            <a:ext cx="3679400" cy="17888"/>
+          </a:xfrm>
+          <a:prstGeom prst="line">
+            <a:avLst/>
+          </a:prstGeom>
+          <a:ln>
+            <a:solidFill>
+              <a:schemeClr val="tx1">
+                <a:lumMod val="95000"/>
+                <a:lumOff val="5000"/>
+              </a:schemeClr>
+            </a:solidFill>
+            <a:headEnd type="arrow" w="med" len="med"/>
+            <a:tailEnd type="arrow" w="med" len="med"/>
+          </a:ln>
+        </p:spPr>
+        <p:style>
+          <a:lnRef idx="1">
+            <a:schemeClr val="accent1"/>
+          </a:lnRef>
+          <a:fillRef idx="0">
+            <a:schemeClr val="accent1"/>
+          </a:fillRef>
+          <a:effectRef idx="0">
+            <a:schemeClr val="accent1"/>
+          </a:effectRef>
+          <a:fontRef idx="minor">
+            <a:schemeClr val="tx1"/>
+          </a:fontRef>
+        </p:style>
+      </p:cxnSp>
+      <p:cxnSp>
+        <p:nvCxnSpPr>
+          <p:cNvPr id="31" name="Gerader Verbinder 30">
+            <a:extLst>
+              <a:ext uri="{FF2B5EF4-FFF2-40B4-BE49-F238E27FC236}">
+                <a16:creationId xmlns:a16="http://schemas.microsoft.com/office/drawing/2014/main" id="{C3EC9DD2-6A3D-4E22-95B4-EA491A1A431A}"/>
+              </a:ext>
+            </a:extLst>
+          </p:cNvPr>
+          <p:cNvCxnSpPr>
+            <a:cxnSpLocks/>
+          </p:cNvCxnSpPr>
+          <p:nvPr/>
+        </p:nvCxnSpPr>
+        <p:spPr>
+          <a:xfrm flipH="1" flipV="1">
+            <a:off x="3799587" y="5922341"/>
+            <a:ext cx="767650" cy="4818"/>
+          </a:xfrm>
+          <a:prstGeom prst="line">
+            <a:avLst/>
+          </a:prstGeom>
+          <a:ln>
+            <a:solidFill>
+              <a:schemeClr val="tx1">
+                <a:lumMod val="95000"/>
+                <a:lumOff val="5000"/>
+              </a:schemeClr>
+            </a:solidFill>
+            <a:headEnd type="arrow" w="med" len="med"/>
+            <a:tailEnd type="arrow" w="med" len="med"/>
+          </a:ln>
+        </p:spPr>
+        <p:style>
+          <a:lnRef idx="1">
+            <a:schemeClr val="accent1"/>
+          </a:lnRef>
+          <a:fillRef idx="0">
+            <a:schemeClr val="accent1"/>
+          </a:fillRef>
+          <a:effectRef idx="0">
+            <a:schemeClr val="accent1"/>
+          </a:effectRef>
+          <a:fontRef idx="minor">
+            <a:schemeClr val="tx1"/>
+          </a:fontRef>
+        </p:style>
+      </p:cxnSp>
+      <p:pic>
+        <p:nvPicPr>
+          <p:cNvPr id="35" name="Grafik 34">
+            <a:extLst>
+              <a:ext uri="{FF2B5EF4-FFF2-40B4-BE49-F238E27FC236}">
+                <a16:creationId xmlns:a16="http://schemas.microsoft.com/office/drawing/2014/main" id="{17B64438-A6DB-40D8-A6A9-6BB3DC844171}"/>
+              </a:ext>
+            </a:extLst>
+          </p:cNvPr>
+          <p:cNvPicPr>
+            <a:picLocks noChangeAspect="1"/>
+          </p:cNvPicPr>
+          <p:nvPr/>
+        </p:nvPicPr>
+        <p:blipFill>
+          <a:blip r:embed="rId6">
+            <a:extLst>
+              <a:ext uri="{96DAC541-7B7A-43D3-8B79-37D633B846F1}">
+                <asvg:svgBlip xmlns:asvg="http://schemas.microsoft.com/office/drawing/2016/SVG/main" r:embed="rId7"/>
+              </a:ext>
+            </a:extLst>
+          </a:blip>
+          <a:stretch>
+            <a:fillRect/>
+          </a:stretch>
+        </p:blipFill>
+        <p:spPr>
+          <a:xfrm>
+            <a:off x="6601716" y="5980038"/>
+            <a:ext cx="171450" cy="133350"/>
+          </a:xfrm>
+          <a:prstGeom prst="rect">
+            <a:avLst/>
+          </a:prstGeom>
+        </p:spPr>
+      </p:pic>
+      <p:pic>
+        <p:nvPicPr>
+          <p:cNvPr id="37" name="Grafik 36">
+            <a:extLst>
+              <a:ext uri="{FF2B5EF4-FFF2-40B4-BE49-F238E27FC236}">
+                <a16:creationId xmlns:a16="http://schemas.microsoft.com/office/drawing/2014/main" id="{B503AB4B-0066-4C83-8CE1-B2C66F68C3A4}"/>
+              </a:ext>
+            </a:extLst>
+          </p:cNvPr>
+          <p:cNvPicPr>
+            <a:picLocks noChangeAspect="1"/>
+          </p:cNvPicPr>
+          <p:nvPr/>
+        </p:nvPicPr>
+        <p:blipFill>
+          <a:blip r:embed="rId8">
+            <a:extLst>
+              <a:ext uri="{96DAC541-7B7A-43D3-8B79-37D633B846F1}">
+                <asvg:svgBlip xmlns:asvg="http://schemas.microsoft.com/office/drawing/2016/SVG/main" r:embed="rId9"/>
+              </a:ext>
+            </a:extLst>
+          </a:blip>
+          <a:stretch>
+            <a:fillRect/>
+          </a:stretch>
+        </p:blipFill>
+        <p:spPr>
+          <a:xfrm>
+            <a:off x="4112944" y="5950390"/>
+            <a:ext cx="171450" cy="266700"/>
+          </a:xfrm>
+          <a:prstGeom prst="rect">
+            <a:avLst/>
+          </a:prstGeom>
+        </p:spPr>
+      </p:pic>
+      <p:grpSp>
+        <p:nvGrpSpPr>
+          <p:cNvPr id="49" name="Gruppieren 48">
+            <a:extLst>
+              <a:ext uri="{FF2B5EF4-FFF2-40B4-BE49-F238E27FC236}">
+                <a16:creationId xmlns:a16="http://schemas.microsoft.com/office/drawing/2014/main" id="{845C9DF4-2070-407B-8A2C-F77D85520929}"/>
+              </a:ext>
+            </a:extLst>
+          </p:cNvPr>
+          <p:cNvGrpSpPr/>
+          <p:nvPr/>
+        </p:nvGrpSpPr>
+        <p:grpSpPr>
+          <a:xfrm>
+            <a:off x="4993437" y="3251430"/>
+            <a:ext cx="2059349" cy="295275"/>
+            <a:chOff x="5386387" y="3131815"/>
+            <a:chExt cx="2059349" cy="295275"/>
+          </a:xfrm>
+        </p:grpSpPr>
+        <p:pic>
+          <p:nvPicPr>
+            <p:cNvPr id="42" name="Grafik 41">
+              <a:extLst>
+                <a:ext uri="{FF2B5EF4-FFF2-40B4-BE49-F238E27FC236}">
+                  <a16:creationId xmlns:a16="http://schemas.microsoft.com/office/drawing/2014/main" id="{35F8489F-8ED3-4FBE-9F8E-CDA90CCD9824}"/>
+                </a:ext>
+              </a:extLst>
+            </p:cNvPr>
+            <p:cNvPicPr>
+              <a:picLocks noChangeAspect="1"/>
+            </p:cNvPicPr>
+            <p:nvPr/>
+          </p:nvPicPr>
+          <p:blipFill>
+            <a:blip r:embed="rId10">
+              <a:extLst>
+                <a:ext uri="{96DAC541-7B7A-43D3-8B79-37D633B846F1}">
+                  <asvg:svgBlip xmlns:asvg="http://schemas.microsoft.com/office/drawing/2016/SVG/main" r:embed="rId11"/>
+                </a:ext>
+              </a:extLst>
+            </a:blip>
+            <a:stretch>
+              <a:fillRect/>
+            </a:stretch>
+          </p:blipFill>
+          <p:spPr>
+            <a:xfrm>
+              <a:off x="5386387" y="3131815"/>
+              <a:ext cx="676275" cy="295275"/>
+            </a:xfrm>
+            <a:prstGeom prst="rect">
+              <a:avLst/>
+            </a:prstGeom>
+          </p:spPr>
+        </p:pic>
+        <p:pic>
+          <p:nvPicPr>
+            <p:cNvPr id="43" name="Grafik 42">
+              <a:extLst>
+                <a:ext uri="{FF2B5EF4-FFF2-40B4-BE49-F238E27FC236}">
+                  <a16:creationId xmlns:a16="http://schemas.microsoft.com/office/drawing/2014/main" id="{090E2462-E677-4137-B047-B484A7C973E7}"/>
+                </a:ext>
+              </a:extLst>
+            </p:cNvPr>
+            <p:cNvPicPr>
+              <a:picLocks noChangeAspect="1"/>
+            </p:cNvPicPr>
+            <p:nvPr/>
+          </p:nvPicPr>
+          <p:blipFill>
+            <a:blip r:embed="rId6">
+              <a:extLst>
+                <a:ext uri="{96DAC541-7B7A-43D3-8B79-37D633B846F1}">
+                  <asvg:svgBlip xmlns:asvg="http://schemas.microsoft.com/office/drawing/2016/SVG/main" r:embed="rId7"/>
+                </a:ext>
+              </a:extLst>
+            </a:blip>
+            <a:stretch>
+              <a:fillRect/>
+            </a:stretch>
+          </p:blipFill>
+          <p:spPr>
+            <a:xfrm>
+              <a:off x="6191251" y="3212777"/>
+              <a:ext cx="171450" cy="133350"/>
+            </a:xfrm>
+            <a:prstGeom prst="rect">
+              <a:avLst/>
+            </a:prstGeom>
+          </p:spPr>
+        </p:pic>
+        <p:pic>
+          <p:nvPicPr>
+            <p:cNvPr id="44" name="Grafik 43">
+              <a:extLst>
+                <a:ext uri="{FF2B5EF4-FFF2-40B4-BE49-F238E27FC236}">
+                  <a16:creationId xmlns:a16="http://schemas.microsoft.com/office/drawing/2014/main" id="{356540D9-B1EE-4CB7-B869-31FEB36CF2A8}"/>
+                </a:ext>
+              </a:extLst>
+            </p:cNvPr>
+            <p:cNvPicPr>
+              <a:picLocks noChangeAspect="1"/>
+            </p:cNvPicPr>
+            <p:nvPr/>
+          </p:nvPicPr>
+          <p:blipFill>
+            <a:blip r:embed="rId2">
+              <a:extLst>
+                <a:ext uri="{96DAC541-7B7A-43D3-8B79-37D633B846F1}">
+                  <asvg:svgBlip xmlns:asvg="http://schemas.microsoft.com/office/drawing/2016/SVG/main" r:embed="rId3"/>
+                </a:ext>
+              </a:extLst>
+            </a:blip>
+            <a:stretch>
+              <a:fillRect/>
+            </a:stretch>
+          </p:blipFill>
+          <p:spPr>
+            <a:xfrm>
+              <a:off x="6380339" y="3131815"/>
+              <a:ext cx="304800" cy="295275"/>
+            </a:xfrm>
+            <a:prstGeom prst="rect">
+              <a:avLst/>
+            </a:prstGeom>
+          </p:spPr>
+        </p:pic>
+        <p:pic>
+          <p:nvPicPr>
+            <p:cNvPr id="45" name="Grafik 44">
+              <a:extLst>
+                <a:ext uri="{FF2B5EF4-FFF2-40B4-BE49-F238E27FC236}">
+                  <a16:creationId xmlns:a16="http://schemas.microsoft.com/office/drawing/2014/main" id="{B1119552-8DDA-40E9-B718-6B9CC2E368B9}"/>
+                </a:ext>
+              </a:extLst>
+            </p:cNvPr>
+            <p:cNvPicPr>
+              <a:picLocks noChangeAspect="1"/>
+            </p:cNvPicPr>
+            <p:nvPr/>
+          </p:nvPicPr>
+          <p:blipFill>
+            <a:blip r:embed="rId4">
+              <a:extLst>
+                <a:ext uri="{96DAC541-7B7A-43D3-8B79-37D633B846F1}">
+                  <asvg:svgBlip xmlns:asvg="http://schemas.microsoft.com/office/drawing/2016/SVG/main" r:embed="rId5"/>
+                </a:ext>
+              </a:extLst>
+            </a:blip>
+            <a:stretch>
+              <a:fillRect/>
+            </a:stretch>
+          </p:blipFill>
+          <p:spPr>
+            <a:xfrm>
+              <a:off x="7140936" y="3131815"/>
+              <a:ext cx="304800" cy="295275"/>
+            </a:xfrm>
+            <a:prstGeom prst="rect">
+              <a:avLst/>
+            </a:prstGeom>
+          </p:spPr>
+        </p:pic>
+        <p:pic>
+          <p:nvPicPr>
+            <p:cNvPr id="46" name="Grafik 45">
+              <a:extLst>
+                <a:ext uri="{FF2B5EF4-FFF2-40B4-BE49-F238E27FC236}">
+                  <a16:creationId xmlns:a16="http://schemas.microsoft.com/office/drawing/2014/main" id="{74D70FD0-3549-4094-A8D7-53E1DF8B9A8C}"/>
+                </a:ext>
+              </a:extLst>
+            </p:cNvPr>
+            <p:cNvPicPr>
+              <a:picLocks noChangeAspect="1"/>
+            </p:cNvPicPr>
+            <p:nvPr/>
+          </p:nvPicPr>
+          <p:blipFill>
+            <a:blip r:embed="rId8">
+              <a:extLst>
+                <a:ext uri="{96DAC541-7B7A-43D3-8B79-37D633B846F1}">
+                  <asvg:svgBlip xmlns:asvg="http://schemas.microsoft.com/office/drawing/2016/SVG/main" r:embed="rId9"/>
+                </a:ext>
+              </a:extLst>
+            </a:blip>
+            <a:stretch>
+              <a:fillRect/>
+            </a:stretch>
+          </p:blipFill>
+          <p:spPr>
+            <a:xfrm>
+              <a:off x="6962865" y="3146102"/>
+              <a:ext cx="171450" cy="266700"/>
+            </a:xfrm>
+            <a:prstGeom prst="rect">
+              <a:avLst/>
+            </a:prstGeom>
+          </p:spPr>
+        </p:pic>
+        <p:pic>
+          <p:nvPicPr>
+            <p:cNvPr id="48" name="Grafik 47">
+              <a:extLst>
+                <a:ext uri="{FF2B5EF4-FFF2-40B4-BE49-F238E27FC236}">
+                  <a16:creationId xmlns:a16="http://schemas.microsoft.com/office/drawing/2014/main" id="{5642872D-66A7-4E22-B869-440B9F64368B}"/>
+                </a:ext>
+              </a:extLst>
+            </p:cNvPr>
+            <p:cNvPicPr>
+              <a:picLocks noChangeAspect="1"/>
+            </p:cNvPicPr>
+            <p:nvPr/>
+          </p:nvPicPr>
+          <p:blipFill>
+            <a:blip r:embed="rId12">
+              <a:extLst>
+                <a:ext uri="{96DAC541-7B7A-43D3-8B79-37D633B846F1}">
+                  <asvg:svgBlip xmlns:asvg="http://schemas.microsoft.com/office/drawing/2016/SVG/main" r:embed="rId13"/>
+                </a:ext>
+              </a:extLst>
+            </a:blip>
+            <a:stretch>
+              <a:fillRect/>
+            </a:stretch>
+          </p:blipFill>
+          <p:spPr>
+            <a:xfrm>
+              <a:off x="6734263" y="3184202"/>
+              <a:ext cx="200025" cy="190500"/>
+            </a:xfrm>
+            <a:prstGeom prst="rect">
+              <a:avLst/>
+            </a:prstGeom>
+          </p:spPr>
+        </p:pic>
+      </p:grpSp>
+    </p:spTree>
+    <p:extLst>
+      <p:ext uri="{BB962C8B-B14F-4D97-AF65-F5344CB8AC3E}">
+        <p14:creationId xmlns:p14="http://schemas.microsoft.com/office/powerpoint/2010/main" val="3679309811"/>
+      </p:ext>
+    </p:extLst>
+  </p:cSld>
+  <p:clrMapOvr>
+    <a:masterClrMapping/>
+  </p:clrMapOvr>
+</p:sld>
+</file>
+
+<file path=ppt/slides/slide15.xml><?xml version="1.0" encoding="utf-8"?>
+<p:sld xmlns:a="http://schemas.openxmlformats.org/drawingml/2006/main" xmlns:r="http://schemas.openxmlformats.org/officeDocument/2006/relationships" xmlns:p="http://schemas.openxmlformats.org/presentationml/2006/main">
+  <p:cSld>
+    <p:spTree>
+      <p:nvGrpSpPr>
+        <p:cNvPr id="1" name=""/>
+        <p:cNvGrpSpPr/>
+        <p:nvPr/>
+      </p:nvGrpSpPr>
+      <p:grpSpPr>
+        <a:xfrm>
+          <a:off x="0" y="0"/>
+          <a:ext cx="0" cy="0"/>
+          <a:chOff x="0" y="0"/>
+          <a:chExt cx="0" cy="0"/>
+        </a:xfrm>
+      </p:grpSpPr>
+      <p:sp>
+        <p:nvSpPr>
+          <p:cNvPr id="2" name="Titel 1">
+            <a:extLst>
+              <a:ext uri="{FF2B5EF4-FFF2-40B4-BE49-F238E27FC236}">
+                <a16:creationId xmlns:a16="http://schemas.microsoft.com/office/drawing/2014/main" id="{DB4CB577-98C3-447C-BFE2-3998CC91EDB0}"/>
+              </a:ext>
+            </a:extLst>
+          </p:cNvPr>
+          <p:cNvSpPr>
+            <a:spLocks noGrp="1"/>
+          </p:cNvSpPr>
+          <p:nvPr>
+            <p:ph type="title"/>
+          </p:nvPr>
+        </p:nvSpPr>
+        <p:spPr/>
+        <p:txBody>
+          <a:bodyPr/>
+          <a:lstStyle/>
+          <a:p>
+            <a:r>
+              <a:rPr lang="de-CH" dirty="0"/>
+              <a:t>The </a:t>
+            </a:r>
+            <a:r>
+              <a:rPr lang="de-CH" dirty="0" err="1"/>
+              <a:t>basic</a:t>
+            </a:r>
+            <a:r>
+              <a:rPr lang="de-CH" dirty="0"/>
+              <a:t> </a:t>
+            </a:r>
+            <a:r>
+              <a:rPr lang="de-CH" dirty="0" err="1"/>
+              <a:t>idea</a:t>
+            </a:r>
+            <a:endParaRPr lang="de-CH" dirty="0"/>
+          </a:p>
+        </p:txBody>
+      </p:sp>
+      <p:sp>
+        <p:nvSpPr>
+          <p:cNvPr id="3" name="Inhaltsplatzhalter 2">
+            <a:extLst>
+              <a:ext uri="{FF2B5EF4-FFF2-40B4-BE49-F238E27FC236}">
+                <a16:creationId xmlns:a16="http://schemas.microsoft.com/office/drawing/2014/main" id="{6FF25ED2-C18E-4FF5-A589-28B4C71BFF7C}"/>
+              </a:ext>
+            </a:extLst>
+          </p:cNvPr>
+          <p:cNvSpPr>
+            <a:spLocks noGrp="1"/>
+          </p:cNvSpPr>
+          <p:nvPr>
+            <p:ph idx="1"/>
+          </p:nvPr>
+        </p:nvSpPr>
+        <p:spPr>
+          <a:xfrm>
+            <a:off x="1154954" y="2603500"/>
+            <a:ext cx="8825659" cy="747407"/>
+          </a:xfrm>
+        </p:spPr>
+        <p:txBody>
+          <a:bodyPr/>
+          <a:lstStyle/>
+          <a:p>
+            <a:pPr marL="0" indent="0">
+              <a:buNone/>
+            </a:pPr>
+            <a:r>
+              <a:rPr lang="de-CH" dirty="0" err="1"/>
+              <a:t>Measuring</a:t>
+            </a:r>
+            <a:r>
+              <a:rPr lang="de-CH" dirty="0"/>
+              <a:t> a </a:t>
+            </a:r>
+            <a:r>
+              <a:rPr lang="de-CH" dirty="0" err="1"/>
+              <a:t>qubit</a:t>
+            </a:r>
+            <a:r>
+              <a:rPr lang="de-CH" dirty="0"/>
+              <a:t> </a:t>
+            </a:r>
+            <a:r>
+              <a:rPr lang="de-CH" dirty="0" err="1"/>
+              <a:t>collapses</a:t>
+            </a:r>
+            <a:r>
+              <a:rPr lang="de-CH" dirty="0"/>
+              <a:t> </a:t>
+            </a:r>
+            <a:r>
+              <a:rPr lang="de-CH" dirty="0" err="1"/>
+              <a:t>the</a:t>
+            </a:r>
+            <a:r>
+              <a:rPr lang="de-CH" dirty="0"/>
+              <a:t> </a:t>
+            </a:r>
+            <a:r>
+              <a:rPr lang="de-CH" dirty="0" err="1"/>
+              <a:t>current</a:t>
+            </a:r>
+            <a:r>
+              <a:rPr lang="de-CH" dirty="0"/>
+              <a:t> </a:t>
+            </a:r>
+            <a:r>
+              <a:rPr lang="de-CH" dirty="0" err="1"/>
+              <a:t>state</a:t>
+            </a:r>
+            <a:r>
+              <a:rPr lang="de-CH" dirty="0"/>
+              <a:t> </a:t>
+            </a:r>
+            <a:r>
+              <a:rPr lang="de-CH" dirty="0" err="1"/>
+              <a:t>onto</a:t>
+            </a:r>
+            <a:r>
+              <a:rPr lang="de-CH" dirty="0"/>
+              <a:t> </a:t>
+            </a:r>
+            <a:r>
+              <a:rPr lang="de-CH" dirty="0" err="1"/>
+              <a:t>the</a:t>
+            </a:r>
+            <a:r>
+              <a:rPr lang="de-CH" dirty="0"/>
+              <a:t> z </a:t>
+            </a:r>
+            <a:r>
+              <a:rPr lang="de-CH" dirty="0" err="1"/>
+              <a:t>axis</a:t>
+            </a:r>
+            <a:r>
+              <a:rPr lang="de-CH" dirty="0"/>
+              <a:t> </a:t>
+            </a:r>
+            <a:r>
+              <a:rPr lang="de-CH" dirty="0" err="1"/>
+              <a:t>with</a:t>
+            </a:r>
+            <a:r>
+              <a:rPr lang="de-CH" dirty="0"/>
+              <a:t> a </a:t>
+            </a:r>
+            <a:r>
+              <a:rPr lang="de-CH" dirty="0" err="1"/>
+              <a:t>given</a:t>
+            </a:r>
+            <a:r>
+              <a:rPr lang="de-CH" dirty="0"/>
+              <a:t> </a:t>
+            </a:r>
+            <a:r>
+              <a:rPr lang="de-CH" dirty="0" err="1"/>
+              <a:t>probability</a:t>
+            </a:r>
+            <a:endParaRPr lang="de-CH" dirty="0"/>
+          </a:p>
+        </p:txBody>
+      </p:sp>
+      <p:cxnSp>
+        <p:nvCxnSpPr>
+          <p:cNvPr id="5" name="Gerader Verbinder 4">
+            <a:extLst>
+              <a:ext uri="{FF2B5EF4-FFF2-40B4-BE49-F238E27FC236}">
+                <a16:creationId xmlns:a16="http://schemas.microsoft.com/office/drawing/2014/main" id="{D5769D75-879A-48C4-BF7B-9AD20A298E3E}"/>
+              </a:ext>
+            </a:extLst>
+          </p:cNvPr>
+          <p:cNvCxnSpPr>
+            <a:cxnSpLocks/>
+          </p:cNvCxnSpPr>
+          <p:nvPr/>
+        </p:nvCxnSpPr>
+        <p:spPr>
+          <a:xfrm>
+            <a:off x="3799587" y="5838530"/>
+            <a:ext cx="4447051" cy="0"/>
+          </a:xfrm>
+          <a:prstGeom prst="line">
+            <a:avLst/>
+          </a:prstGeom>
+          <a:ln w="57150"/>
+        </p:spPr>
+        <p:style>
+          <a:lnRef idx="1">
+            <a:schemeClr val="accent1"/>
+          </a:lnRef>
+          <a:fillRef idx="0">
+            <a:schemeClr val="accent1"/>
+          </a:fillRef>
+          <a:effectRef idx="0">
+            <a:schemeClr val="accent1"/>
+          </a:effectRef>
+          <a:fontRef idx="minor">
+            <a:schemeClr val="tx1"/>
+          </a:fontRef>
+        </p:style>
+      </p:cxnSp>
+      <p:cxnSp>
+        <p:nvCxnSpPr>
+          <p:cNvPr id="6" name="Gerader Verbinder 5">
+            <a:extLst>
+              <a:ext uri="{FF2B5EF4-FFF2-40B4-BE49-F238E27FC236}">
+                <a16:creationId xmlns:a16="http://schemas.microsoft.com/office/drawing/2014/main" id="{D33B561D-F991-4672-9A98-215C42A389AA}"/>
+              </a:ext>
+            </a:extLst>
+          </p:cNvPr>
+          <p:cNvCxnSpPr>
+            <a:cxnSpLocks/>
+          </p:cNvCxnSpPr>
+          <p:nvPr/>
+        </p:nvCxnSpPr>
+        <p:spPr>
+          <a:xfrm flipV="1">
+            <a:off x="6023112" y="4129946"/>
+            <a:ext cx="0" cy="1708584"/>
+          </a:xfrm>
+          <a:prstGeom prst="line">
+            <a:avLst/>
+          </a:prstGeom>
+          <a:ln w="57150">
+            <a:solidFill>
+              <a:srgbClr val="00B050"/>
+            </a:solidFill>
+          </a:ln>
+        </p:spPr>
+        <p:style>
+          <a:lnRef idx="1">
+            <a:schemeClr val="accent1"/>
+          </a:lnRef>
+          <a:fillRef idx="0">
+            <a:schemeClr val="accent1"/>
+          </a:fillRef>
+          <a:effectRef idx="0">
+            <a:schemeClr val="accent1"/>
+          </a:effectRef>
+          <a:fontRef idx="minor">
+            <a:schemeClr val="tx1"/>
+          </a:fontRef>
+        </p:style>
+      </p:cxnSp>
+      <p:cxnSp>
+        <p:nvCxnSpPr>
+          <p:cNvPr id="8" name="Gerader Verbinder 7">
+            <a:extLst>
+              <a:ext uri="{FF2B5EF4-FFF2-40B4-BE49-F238E27FC236}">
+                <a16:creationId xmlns:a16="http://schemas.microsoft.com/office/drawing/2014/main" id="{89969A79-27F1-40B9-99AA-D9110AD4AAAA}"/>
+              </a:ext>
+            </a:extLst>
+          </p:cNvPr>
+          <p:cNvCxnSpPr>
+            <a:cxnSpLocks/>
+          </p:cNvCxnSpPr>
+          <p:nvPr/>
+        </p:nvCxnSpPr>
+        <p:spPr>
+          <a:xfrm flipV="1">
+            <a:off x="6023112" y="5815013"/>
+            <a:ext cx="0" cy="23517"/>
+          </a:xfrm>
+          <a:prstGeom prst="line">
+            <a:avLst/>
+          </a:prstGeom>
+          <a:ln w="57150">
+            <a:solidFill>
+              <a:srgbClr val="FFFF00"/>
+            </a:solidFill>
+          </a:ln>
+        </p:spPr>
+        <p:style>
+          <a:lnRef idx="1">
+            <a:schemeClr val="accent1"/>
+          </a:lnRef>
+          <a:fillRef idx="0">
+            <a:schemeClr val="accent1"/>
+          </a:fillRef>
+          <a:effectRef idx="0">
+            <a:schemeClr val="accent1"/>
+          </a:effectRef>
+          <a:fontRef idx="minor">
+            <a:schemeClr val="tx1"/>
+          </a:fontRef>
+        </p:style>
+      </p:cxnSp>
+      <p:sp>
+        <p:nvSpPr>
+          <p:cNvPr id="12" name="Textfeld 11">
+            <a:extLst>
+              <a:ext uri="{FF2B5EF4-FFF2-40B4-BE49-F238E27FC236}">
+                <a16:creationId xmlns:a16="http://schemas.microsoft.com/office/drawing/2014/main" id="{5D49BC00-D8C4-43C4-9176-A3DBAC24E882}"/>
+              </a:ext>
+            </a:extLst>
+          </p:cNvPr>
+          <p:cNvSpPr txBox="1"/>
+          <p:nvPr/>
+        </p:nvSpPr>
+        <p:spPr>
+          <a:xfrm>
+            <a:off x="5857877" y="3725346"/>
+            <a:ext cx="476246" cy="369332"/>
+          </a:xfrm>
+          <a:prstGeom prst="rect">
+            <a:avLst/>
+          </a:prstGeom>
+          <a:noFill/>
+        </p:spPr>
+        <p:txBody>
+          <a:bodyPr wrap="square" rtlCol="0">
+            <a:spAutoFit/>
+          </a:bodyPr>
+          <a:lstStyle/>
+          <a:p>
+            <a:r>
+              <a:rPr lang="de-CH" dirty="0"/>
+              <a:t>X</a:t>
+            </a:r>
+          </a:p>
+        </p:txBody>
+      </p:sp>
+      <p:sp>
+        <p:nvSpPr>
+          <p:cNvPr id="13" name="Textfeld 12">
+            <a:extLst>
+              <a:ext uri="{FF2B5EF4-FFF2-40B4-BE49-F238E27FC236}">
+                <a16:creationId xmlns:a16="http://schemas.microsoft.com/office/drawing/2014/main" id="{AA56D563-B0BB-4DF4-B378-FAADBDD79B3A}"/>
+              </a:ext>
+            </a:extLst>
+          </p:cNvPr>
+          <p:cNvSpPr txBox="1"/>
+          <p:nvPr/>
+        </p:nvSpPr>
+        <p:spPr>
+          <a:xfrm>
+            <a:off x="5857877" y="5862047"/>
+            <a:ext cx="476246" cy="369332"/>
+          </a:xfrm>
+          <a:prstGeom prst="rect">
+            <a:avLst/>
+          </a:prstGeom>
+          <a:noFill/>
+        </p:spPr>
+        <p:txBody>
+          <a:bodyPr wrap="square" rtlCol="0">
+            <a:spAutoFit/>
+          </a:bodyPr>
+          <a:lstStyle/>
+          <a:p>
+            <a:r>
+              <a:rPr lang="de-CH" dirty="0"/>
+              <a:t>Y</a:t>
+            </a:r>
+          </a:p>
+        </p:txBody>
+      </p:sp>
+      <p:sp>
+        <p:nvSpPr>
+          <p:cNvPr id="14" name="Textfeld 13">
+            <a:extLst>
+              <a:ext uri="{FF2B5EF4-FFF2-40B4-BE49-F238E27FC236}">
+                <a16:creationId xmlns:a16="http://schemas.microsoft.com/office/drawing/2014/main" id="{39444C17-E030-4EA3-8A53-56C0641A3541}"/>
+              </a:ext>
+            </a:extLst>
+          </p:cNvPr>
+          <p:cNvSpPr txBox="1"/>
+          <p:nvPr/>
+        </p:nvSpPr>
+        <p:spPr>
+          <a:xfrm>
+            <a:off x="8279976" y="5642105"/>
+            <a:ext cx="476246" cy="369332"/>
+          </a:xfrm>
+          <a:prstGeom prst="rect">
+            <a:avLst/>
+          </a:prstGeom>
+          <a:noFill/>
+        </p:spPr>
+        <p:txBody>
+          <a:bodyPr wrap="square" rtlCol="0">
+            <a:spAutoFit/>
+          </a:bodyPr>
+          <a:lstStyle/>
+          <a:p>
+            <a:r>
+              <a:rPr lang="de-CH" dirty="0"/>
+              <a:t>Z</a:t>
+            </a:r>
+          </a:p>
+        </p:txBody>
+      </p:sp>
+      <p:cxnSp>
+        <p:nvCxnSpPr>
+          <p:cNvPr id="16" name="Gerade Verbindung mit Pfeil 15">
+            <a:extLst>
+              <a:ext uri="{FF2B5EF4-FFF2-40B4-BE49-F238E27FC236}">
+                <a16:creationId xmlns:a16="http://schemas.microsoft.com/office/drawing/2014/main" id="{56B7F05E-372B-46A6-9135-CF1B49FABE9E}"/>
+              </a:ext>
+            </a:extLst>
+          </p:cNvPr>
+          <p:cNvCxnSpPr>
+            <a:cxnSpLocks/>
+          </p:cNvCxnSpPr>
+          <p:nvPr/>
+        </p:nvCxnSpPr>
+        <p:spPr>
+          <a:xfrm flipV="1">
+            <a:off x="6074049" y="4635841"/>
+            <a:ext cx="1195833" cy="1150301"/>
+          </a:xfrm>
+          <a:prstGeom prst="straightConnector1">
+            <a:avLst/>
+          </a:prstGeom>
+          <a:ln w="57150">
+            <a:solidFill>
+              <a:srgbClr val="00B0F0"/>
+            </a:solidFill>
+            <a:tailEnd type="triangle"/>
+          </a:ln>
+        </p:spPr>
+        <p:style>
+          <a:lnRef idx="1">
+            <a:schemeClr val="accent1"/>
+          </a:lnRef>
+          <a:fillRef idx="0">
+            <a:schemeClr val="accent1"/>
+          </a:fillRef>
+          <a:effectRef idx="0">
+            <a:schemeClr val="accent1"/>
+          </a:effectRef>
+          <a:fontRef idx="minor">
+            <a:schemeClr val="tx1"/>
+          </a:fontRef>
+        </p:style>
+      </p:cxnSp>
+      <p:pic>
+        <p:nvPicPr>
+          <p:cNvPr id="20" name="Grafik 19">
+            <a:extLst>
+              <a:ext uri="{FF2B5EF4-FFF2-40B4-BE49-F238E27FC236}">
+                <a16:creationId xmlns:a16="http://schemas.microsoft.com/office/drawing/2014/main" id="{32FD242D-8AD6-43D8-A756-AF8A403E0211}"/>
+              </a:ext>
+            </a:extLst>
+          </p:cNvPr>
+          <p:cNvPicPr>
+            <a:picLocks noChangeAspect="1"/>
+          </p:cNvPicPr>
+          <p:nvPr/>
+        </p:nvPicPr>
+        <p:blipFill>
+          <a:blip r:embed="rId2">
+            <a:extLst>
+              <a:ext uri="{96DAC541-7B7A-43D3-8B79-37D633B846F1}">
+                <asvg:svgBlip xmlns:asvg="http://schemas.microsoft.com/office/drawing/2016/SVG/main" r:embed="rId3"/>
+              </a:ext>
+            </a:extLst>
+          </a:blip>
+          <a:stretch>
+            <a:fillRect/>
+          </a:stretch>
+        </p:blipFill>
+        <p:spPr>
+          <a:xfrm>
+            <a:off x="3494787" y="5936103"/>
+            <a:ext cx="304800" cy="295275"/>
+          </a:xfrm>
+          <a:prstGeom prst="rect">
+            <a:avLst/>
+          </a:prstGeom>
+        </p:spPr>
+      </p:pic>
+      <p:pic>
+        <p:nvPicPr>
+          <p:cNvPr id="22" name="Grafik 21">
+            <a:extLst>
+              <a:ext uri="{FF2B5EF4-FFF2-40B4-BE49-F238E27FC236}">
+                <a16:creationId xmlns:a16="http://schemas.microsoft.com/office/drawing/2014/main" id="{9E0BC9EF-85BC-4BD0-9589-C84F10473CBF}"/>
+              </a:ext>
+            </a:extLst>
+          </p:cNvPr>
+          <p:cNvPicPr>
+            <a:picLocks noChangeAspect="1"/>
+          </p:cNvPicPr>
+          <p:nvPr/>
+        </p:nvPicPr>
+        <p:blipFill>
+          <a:blip r:embed="rId4">
+            <a:extLst>
+              <a:ext uri="{96DAC541-7B7A-43D3-8B79-37D633B846F1}">
+                <asvg:svgBlip xmlns:asvg="http://schemas.microsoft.com/office/drawing/2016/SVG/main" r:embed="rId5"/>
+              </a:ext>
+            </a:extLst>
+          </a:blip>
+          <a:stretch>
+            <a:fillRect/>
+          </a:stretch>
+        </p:blipFill>
+        <p:spPr>
+          <a:xfrm>
+            <a:off x="8518099" y="5936104"/>
+            <a:ext cx="304800" cy="295275"/>
+          </a:xfrm>
+          <a:prstGeom prst="rect">
+            <a:avLst/>
+          </a:prstGeom>
+        </p:spPr>
+      </p:pic>
+      <p:cxnSp>
+        <p:nvCxnSpPr>
+          <p:cNvPr id="24" name="Gerader Verbinder 23">
+            <a:extLst>
+              <a:ext uri="{FF2B5EF4-FFF2-40B4-BE49-F238E27FC236}">
+                <a16:creationId xmlns:a16="http://schemas.microsoft.com/office/drawing/2014/main" id="{59E8C2F4-AC7C-4497-9194-966AE03E9DC8}"/>
+              </a:ext>
+            </a:extLst>
+          </p:cNvPr>
+          <p:cNvCxnSpPr>
+            <a:cxnSpLocks/>
+          </p:cNvCxnSpPr>
+          <p:nvPr/>
+        </p:nvCxnSpPr>
+        <p:spPr>
+          <a:xfrm>
+            <a:off x="7269882" y="4635841"/>
+            <a:ext cx="0" cy="1375596"/>
+          </a:xfrm>
+          <a:prstGeom prst="line">
+            <a:avLst/>
+          </a:prstGeom>
+          <a:ln>
+            <a:solidFill>
+              <a:schemeClr val="tx1">
+                <a:lumMod val="95000"/>
+                <a:lumOff val="5000"/>
+              </a:schemeClr>
+            </a:solidFill>
+          </a:ln>
+        </p:spPr>
+        <p:style>
+          <a:lnRef idx="1">
+            <a:schemeClr val="accent1"/>
+          </a:lnRef>
+          <a:fillRef idx="0">
+            <a:schemeClr val="accent1"/>
+          </a:fillRef>
+          <a:effectRef idx="0">
+            <a:schemeClr val="accent1"/>
+          </a:effectRef>
+          <a:fontRef idx="minor">
+            <a:schemeClr val="tx1"/>
+          </a:fontRef>
+        </p:style>
+      </p:cxnSp>
+      <p:cxnSp>
+        <p:nvCxnSpPr>
+          <p:cNvPr id="27" name="Gerader Verbinder 26">
+            <a:extLst>
+              <a:ext uri="{FF2B5EF4-FFF2-40B4-BE49-F238E27FC236}">
+                <a16:creationId xmlns:a16="http://schemas.microsoft.com/office/drawing/2014/main" id="{8F927C31-9366-4137-838D-2BDFD1A34F4B}"/>
+              </a:ext>
+            </a:extLst>
+          </p:cNvPr>
+          <p:cNvCxnSpPr>
+            <a:cxnSpLocks/>
+          </p:cNvCxnSpPr>
+          <p:nvPr/>
+        </p:nvCxnSpPr>
+        <p:spPr>
+          <a:xfrm flipH="1">
+            <a:off x="7269882" y="5940866"/>
+            <a:ext cx="976756" cy="9524"/>
+          </a:xfrm>
+          <a:prstGeom prst="line">
+            <a:avLst/>
+          </a:prstGeom>
+          <a:ln>
+            <a:solidFill>
+              <a:schemeClr val="tx1">
+                <a:lumMod val="95000"/>
+                <a:lumOff val="5000"/>
+              </a:schemeClr>
+            </a:solidFill>
+            <a:headEnd type="arrow" w="med" len="med"/>
+            <a:tailEnd type="arrow" w="med" len="med"/>
+          </a:ln>
+        </p:spPr>
+        <p:style>
+          <a:lnRef idx="1">
+            <a:schemeClr val="accent1"/>
+          </a:lnRef>
+          <a:fillRef idx="0">
+            <a:schemeClr val="accent1"/>
+          </a:fillRef>
+          <a:effectRef idx="0">
+            <a:schemeClr val="accent1"/>
+          </a:effectRef>
+          <a:fontRef idx="minor">
+            <a:schemeClr val="tx1"/>
+          </a:fontRef>
+        </p:style>
+      </p:cxnSp>
+      <p:cxnSp>
+        <p:nvCxnSpPr>
+          <p:cNvPr id="31" name="Gerader Verbinder 30">
+            <a:extLst>
+              <a:ext uri="{FF2B5EF4-FFF2-40B4-BE49-F238E27FC236}">
+                <a16:creationId xmlns:a16="http://schemas.microsoft.com/office/drawing/2014/main" id="{C3EC9DD2-6A3D-4E22-95B4-EA491A1A431A}"/>
+              </a:ext>
+            </a:extLst>
+          </p:cNvPr>
+          <p:cNvCxnSpPr>
+            <a:cxnSpLocks/>
+          </p:cNvCxnSpPr>
+          <p:nvPr/>
+        </p:nvCxnSpPr>
+        <p:spPr>
+          <a:xfrm flipH="1" flipV="1">
+            <a:off x="3799587" y="5922341"/>
+            <a:ext cx="3470295" cy="13762"/>
+          </a:xfrm>
+          <a:prstGeom prst="line">
+            <a:avLst/>
+          </a:prstGeom>
+          <a:ln>
+            <a:solidFill>
+              <a:schemeClr val="tx1">
+                <a:lumMod val="95000"/>
+                <a:lumOff val="5000"/>
+              </a:schemeClr>
+            </a:solidFill>
+            <a:headEnd type="arrow" w="med" len="med"/>
+            <a:tailEnd type="arrow" w="med" len="med"/>
+          </a:ln>
+        </p:spPr>
+        <p:style>
+          <a:lnRef idx="1">
+            <a:schemeClr val="accent1"/>
+          </a:lnRef>
+          <a:fillRef idx="0">
+            <a:schemeClr val="accent1"/>
+          </a:fillRef>
+          <a:effectRef idx="0">
+            <a:schemeClr val="accent1"/>
+          </a:effectRef>
+          <a:fontRef idx="minor">
+            <a:schemeClr val="tx1"/>
+          </a:fontRef>
+        </p:style>
+      </p:cxnSp>
+      <p:pic>
+        <p:nvPicPr>
+          <p:cNvPr id="35" name="Grafik 34">
+            <a:extLst>
+              <a:ext uri="{FF2B5EF4-FFF2-40B4-BE49-F238E27FC236}">
+                <a16:creationId xmlns:a16="http://schemas.microsoft.com/office/drawing/2014/main" id="{17B64438-A6DB-40D8-A6A9-6BB3DC844171}"/>
+              </a:ext>
+            </a:extLst>
+          </p:cNvPr>
+          <p:cNvPicPr>
+            <a:picLocks noChangeAspect="1"/>
+          </p:cNvPicPr>
+          <p:nvPr/>
+        </p:nvPicPr>
+        <p:blipFill>
+          <a:blip r:embed="rId6">
+            <a:extLst>
+              <a:ext uri="{96DAC541-7B7A-43D3-8B79-37D633B846F1}">
+                <asvg:svgBlip xmlns:asvg="http://schemas.microsoft.com/office/drawing/2016/SVG/main" r:embed="rId7"/>
+              </a:ext>
+            </a:extLst>
+          </a:blip>
+          <a:stretch>
+            <a:fillRect/>
+          </a:stretch>
+        </p:blipFill>
+        <p:spPr>
+          <a:xfrm>
+            <a:off x="7659138" y="5980038"/>
+            <a:ext cx="171450" cy="133350"/>
+          </a:xfrm>
+          <a:prstGeom prst="rect">
+            <a:avLst/>
+          </a:prstGeom>
+        </p:spPr>
+      </p:pic>
+      <p:pic>
+        <p:nvPicPr>
+          <p:cNvPr id="37" name="Grafik 36">
+            <a:extLst>
+              <a:ext uri="{FF2B5EF4-FFF2-40B4-BE49-F238E27FC236}">
+                <a16:creationId xmlns:a16="http://schemas.microsoft.com/office/drawing/2014/main" id="{B503AB4B-0066-4C83-8CE1-B2C66F68C3A4}"/>
+              </a:ext>
+            </a:extLst>
+          </p:cNvPr>
+          <p:cNvPicPr>
+            <a:picLocks noChangeAspect="1"/>
+          </p:cNvPicPr>
+          <p:nvPr/>
+        </p:nvPicPr>
+        <p:blipFill>
+          <a:blip r:embed="rId8">
+            <a:extLst>
+              <a:ext uri="{96DAC541-7B7A-43D3-8B79-37D633B846F1}">
+                <asvg:svgBlip xmlns:asvg="http://schemas.microsoft.com/office/drawing/2016/SVG/main" r:embed="rId9"/>
+              </a:ext>
+            </a:extLst>
+          </a:blip>
+          <a:stretch>
+            <a:fillRect/>
+          </a:stretch>
+        </p:blipFill>
+        <p:spPr>
+          <a:xfrm>
+            <a:off x="5550364" y="5994735"/>
+            <a:ext cx="171450" cy="266700"/>
+          </a:xfrm>
+          <a:prstGeom prst="rect">
+            <a:avLst/>
+          </a:prstGeom>
+        </p:spPr>
+      </p:pic>
+      <p:grpSp>
+        <p:nvGrpSpPr>
+          <p:cNvPr id="49" name="Gruppieren 48">
+            <a:extLst>
+              <a:ext uri="{FF2B5EF4-FFF2-40B4-BE49-F238E27FC236}">
+                <a16:creationId xmlns:a16="http://schemas.microsoft.com/office/drawing/2014/main" id="{845C9DF4-2070-407B-8A2C-F77D85520929}"/>
+              </a:ext>
+            </a:extLst>
+          </p:cNvPr>
+          <p:cNvGrpSpPr/>
+          <p:nvPr/>
+        </p:nvGrpSpPr>
+        <p:grpSpPr>
+          <a:xfrm>
+            <a:off x="4993437" y="3251430"/>
+            <a:ext cx="2059349" cy="295275"/>
+            <a:chOff x="5386387" y="3131815"/>
+            <a:chExt cx="2059349" cy="295275"/>
+          </a:xfrm>
+        </p:grpSpPr>
+        <p:pic>
+          <p:nvPicPr>
+            <p:cNvPr id="42" name="Grafik 41">
+              <a:extLst>
+                <a:ext uri="{FF2B5EF4-FFF2-40B4-BE49-F238E27FC236}">
+                  <a16:creationId xmlns:a16="http://schemas.microsoft.com/office/drawing/2014/main" id="{35F8489F-8ED3-4FBE-9F8E-CDA90CCD9824}"/>
+                </a:ext>
+              </a:extLst>
+            </p:cNvPr>
+            <p:cNvPicPr>
+              <a:picLocks noChangeAspect="1"/>
+            </p:cNvPicPr>
+            <p:nvPr/>
+          </p:nvPicPr>
+          <p:blipFill>
+            <a:blip r:embed="rId10">
+              <a:extLst>
+                <a:ext uri="{96DAC541-7B7A-43D3-8B79-37D633B846F1}">
+                  <asvg:svgBlip xmlns:asvg="http://schemas.microsoft.com/office/drawing/2016/SVG/main" r:embed="rId11"/>
+                </a:ext>
+              </a:extLst>
+            </a:blip>
+            <a:stretch>
+              <a:fillRect/>
+            </a:stretch>
+          </p:blipFill>
+          <p:spPr>
+            <a:xfrm>
+              <a:off x="5386387" y="3131815"/>
+              <a:ext cx="676275" cy="295275"/>
+            </a:xfrm>
+            <a:prstGeom prst="rect">
+              <a:avLst/>
+            </a:prstGeom>
+          </p:spPr>
+        </p:pic>
+        <p:pic>
+          <p:nvPicPr>
+            <p:cNvPr id="43" name="Grafik 42">
+              <a:extLst>
+                <a:ext uri="{FF2B5EF4-FFF2-40B4-BE49-F238E27FC236}">
+                  <a16:creationId xmlns:a16="http://schemas.microsoft.com/office/drawing/2014/main" id="{090E2462-E677-4137-B047-B484A7C973E7}"/>
+                </a:ext>
+              </a:extLst>
+            </p:cNvPr>
+            <p:cNvPicPr>
+              <a:picLocks noChangeAspect="1"/>
+            </p:cNvPicPr>
+            <p:nvPr/>
+          </p:nvPicPr>
+          <p:blipFill>
+            <a:blip r:embed="rId6">
+              <a:extLst>
+                <a:ext uri="{96DAC541-7B7A-43D3-8B79-37D633B846F1}">
+                  <asvg:svgBlip xmlns:asvg="http://schemas.microsoft.com/office/drawing/2016/SVG/main" r:embed="rId7"/>
+                </a:ext>
+              </a:extLst>
+            </a:blip>
+            <a:stretch>
+              <a:fillRect/>
+            </a:stretch>
+          </p:blipFill>
+          <p:spPr>
+            <a:xfrm>
+              <a:off x="6191251" y="3212777"/>
+              <a:ext cx="171450" cy="133350"/>
+            </a:xfrm>
+            <a:prstGeom prst="rect">
+              <a:avLst/>
+            </a:prstGeom>
+          </p:spPr>
+        </p:pic>
+        <p:pic>
+          <p:nvPicPr>
+            <p:cNvPr id="44" name="Grafik 43">
+              <a:extLst>
+                <a:ext uri="{FF2B5EF4-FFF2-40B4-BE49-F238E27FC236}">
+                  <a16:creationId xmlns:a16="http://schemas.microsoft.com/office/drawing/2014/main" id="{356540D9-B1EE-4CB7-B869-31FEB36CF2A8}"/>
+                </a:ext>
+              </a:extLst>
+            </p:cNvPr>
+            <p:cNvPicPr>
+              <a:picLocks noChangeAspect="1"/>
+            </p:cNvPicPr>
+            <p:nvPr/>
+          </p:nvPicPr>
+          <p:blipFill>
+            <a:blip r:embed="rId2">
+              <a:extLst>
+                <a:ext uri="{96DAC541-7B7A-43D3-8B79-37D633B846F1}">
+                  <asvg:svgBlip xmlns:asvg="http://schemas.microsoft.com/office/drawing/2016/SVG/main" r:embed="rId3"/>
+                </a:ext>
+              </a:extLst>
+            </a:blip>
+            <a:stretch>
+              <a:fillRect/>
+            </a:stretch>
+          </p:blipFill>
+          <p:spPr>
+            <a:xfrm>
+              <a:off x="6380339" y="3131815"/>
+              <a:ext cx="304800" cy="295275"/>
+            </a:xfrm>
+            <a:prstGeom prst="rect">
+              <a:avLst/>
+            </a:prstGeom>
+          </p:spPr>
+        </p:pic>
+        <p:pic>
+          <p:nvPicPr>
+            <p:cNvPr id="45" name="Grafik 44">
+              <a:extLst>
+                <a:ext uri="{FF2B5EF4-FFF2-40B4-BE49-F238E27FC236}">
+                  <a16:creationId xmlns:a16="http://schemas.microsoft.com/office/drawing/2014/main" id="{B1119552-8DDA-40E9-B718-6B9CC2E368B9}"/>
+                </a:ext>
+              </a:extLst>
+            </p:cNvPr>
+            <p:cNvPicPr>
+              <a:picLocks noChangeAspect="1"/>
+            </p:cNvPicPr>
+            <p:nvPr/>
+          </p:nvPicPr>
+          <p:blipFill>
+            <a:blip r:embed="rId4">
+              <a:extLst>
+                <a:ext uri="{96DAC541-7B7A-43D3-8B79-37D633B846F1}">
+                  <asvg:svgBlip xmlns:asvg="http://schemas.microsoft.com/office/drawing/2016/SVG/main" r:embed="rId5"/>
+                </a:ext>
+              </a:extLst>
+            </a:blip>
+            <a:stretch>
+              <a:fillRect/>
+            </a:stretch>
+          </p:blipFill>
+          <p:spPr>
+            <a:xfrm>
+              <a:off x="7140936" y="3131815"/>
+              <a:ext cx="304800" cy="295275"/>
+            </a:xfrm>
+            <a:prstGeom prst="rect">
+              <a:avLst/>
+            </a:prstGeom>
+          </p:spPr>
+        </p:pic>
+        <p:pic>
+          <p:nvPicPr>
+            <p:cNvPr id="46" name="Grafik 45">
+              <a:extLst>
+                <a:ext uri="{FF2B5EF4-FFF2-40B4-BE49-F238E27FC236}">
+                  <a16:creationId xmlns:a16="http://schemas.microsoft.com/office/drawing/2014/main" id="{74D70FD0-3549-4094-A8D7-53E1DF8B9A8C}"/>
+                </a:ext>
+              </a:extLst>
+            </p:cNvPr>
+            <p:cNvPicPr>
+              <a:picLocks noChangeAspect="1"/>
+            </p:cNvPicPr>
+            <p:nvPr/>
+          </p:nvPicPr>
+          <p:blipFill>
+            <a:blip r:embed="rId8">
+              <a:extLst>
+                <a:ext uri="{96DAC541-7B7A-43D3-8B79-37D633B846F1}">
+                  <asvg:svgBlip xmlns:asvg="http://schemas.microsoft.com/office/drawing/2016/SVG/main" r:embed="rId9"/>
+                </a:ext>
+              </a:extLst>
+            </a:blip>
+            <a:stretch>
+              <a:fillRect/>
+            </a:stretch>
+          </p:blipFill>
+          <p:spPr>
+            <a:xfrm>
+              <a:off x="6962865" y="3146102"/>
+              <a:ext cx="171450" cy="266700"/>
+            </a:xfrm>
+            <a:prstGeom prst="rect">
+              <a:avLst/>
+            </a:prstGeom>
+          </p:spPr>
+        </p:pic>
+        <p:pic>
+          <p:nvPicPr>
+            <p:cNvPr id="48" name="Grafik 47">
+              <a:extLst>
+                <a:ext uri="{FF2B5EF4-FFF2-40B4-BE49-F238E27FC236}">
+                  <a16:creationId xmlns:a16="http://schemas.microsoft.com/office/drawing/2014/main" id="{5642872D-66A7-4E22-B869-440B9F64368B}"/>
+                </a:ext>
+              </a:extLst>
+            </p:cNvPr>
+            <p:cNvPicPr>
+              <a:picLocks noChangeAspect="1"/>
+            </p:cNvPicPr>
+            <p:nvPr/>
+          </p:nvPicPr>
+          <p:blipFill>
+            <a:blip r:embed="rId12">
+              <a:extLst>
+                <a:ext uri="{96DAC541-7B7A-43D3-8B79-37D633B846F1}">
+                  <asvg:svgBlip xmlns:asvg="http://schemas.microsoft.com/office/drawing/2016/SVG/main" r:embed="rId13"/>
+                </a:ext>
+              </a:extLst>
+            </a:blip>
+            <a:stretch>
+              <a:fillRect/>
+            </a:stretch>
+          </p:blipFill>
+          <p:spPr>
+            <a:xfrm>
+              <a:off x="6734263" y="3184202"/>
+              <a:ext cx="200025" cy="190500"/>
+            </a:xfrm>
+            <a:prstGeom prst="rect">
+              <a:avLst/>
+            </a:prstGeom>
+          </p:spPr>
+        </p:pic>
+      </p:grpSp>
+    </p:spTree>
+    <p:extLst>
+      <p:ext uri="{BB962C8B-B14F-4D97-AF65-F5344CB8AC3E}">
+        <p14:creationId xmlns:p14="http://schemas.microsoft.com/office/powerpoint/2010/main" val="3089114914"/>
+      </p:ext>
+    </p:extLst>
+  </p:cSld>
+  <p:clrMapOvr>
+    <a:masterClrMapping/>
+  </p:clrMapOvr>
+</p:sld>
+</file>
+
+<file path=ppt/slides/slide16.xml><?xml version="1.0" encoding="utf-8"?>
+<p:sld xmlns:a="http://schemas.openxmlformats.org/drawingml/2006/main" xmlns:r="http://schemas.openxmlformats.org/officeDocument/2006/relationships" xmlns:p="http://schemas.openxmlformats.org/presentationml/2006/main">
+  <p:cSld>
+    <p:spTree>
+      <p:nvGrpSpPr>
+        <p:cNvPr id="1" name=""/>
+        <p:cNvGrpSpPr/>
+        <p:nvPr/>
+      </p:nvGrpSpPr>
+      <p:grpSpPr>
+        <a:xfrm>
+          <a:off x="0" y="0"/>
+          <a:ext cx="0" cy="0"/>
+          <a:chOff x="0" y="0"/>
+          <a:chExt cx="0" cy="0"/>
+        </a:xfrm>
+      </p:grpSpPr>
+      <p:sp>
+        <p:nvSpPr>
+          <p:cNvPr id="2" name="Titel 1">
+            <a:extLst>
+              <a:ext uri="{FF2B5EF4-FFF2-40B4-BE49-F238E27FC236}">
+                <a16:creationId xmlns:a16="http://schemas.microsoft.com/office/drawing/2014/main" id="{DB4CB577-98C3-447C-BFE2-3998CC91EDB0}"/>
+              </a:ext>
+            </a:extLst>
+          </p:cNvPr>
+          <p:cNvSpPr>
+            <a:spLocks noGrp="1"/>
+          </p:cNvSpPr>
+          <p:nvPr>
+            <p:ph type="title"/>
+          </p:nvPr>
+        </p:nvSpPr>
+        <p:spPr/>
+        <p:txBody>
+          <a:bodyPr/>
+          <a:lstStyle/>
+          <a:p>
+            <a:r>
+              <a:rPr lang="de-CH" dirty="0"/>
+              <a:t>Basic </a:t>
+            </a:r>
+            <a:r>
+              <a:rPr lang="de-CH" dirty="0" err="1"/>
+              <a:t>application</a:t>
+            </a:r>
+            <a:endParaRPr lang="de-CH" dirty="0"/>
+          </a:p>
+        </p:txBody>
+      </p:sp>
+      <p:sp>
+        <p:nvSpPr>
+          <p:cNvPr id="12" name="Textfeld 11">
+            <a:extLst>
+              <a:ext uri="{FF2B5EF4-FFF2-40B4-BE49-F238E27FC236}">
+                <a16:creationId xmlns:a16="http://schemas.microsoft.com/office/drawing/2014/main" id="{5D49BC00-D8C4-43C4-9176-A3DBAC24E882}"/>
+              </a:ext>
+            </a:extLst>
+          </p:cNvPr>
+          <p:cNvSpPr txBox="1"/>
+          <p:nvPr/>
+        </p:nvSpPr>
+        <p:spPr>
+          <a:xfrm>
+            <a:off x="5857877" y="3725346"/>
+            <a:ext cx="476246" cy="369332"/>
+          </a:xfrm>
+          <a:prstGeom prst="rect">
+            <a:avLst/>
+          </a:prstGeom>
+          <a:noFill/>
+        </p:spPr>
+        <p:txBody>
+          <a:bodyPr wrap="square" rtlCol="0">
+            <a:spAutoFit/>
+          </a:bodyPr>
+          <a:lstStyle/>
+          <a:p>
+            <a:endParaRPr lang="de-CH" dirty="0"/>
+          </a:p>
+        </p:txBody>
+      </p:sp>
+      <p:pic>
+        <p:nvPicPr>
+          <p:cNvPr id="20" name="Grafik 19">
+            <a:extLst>
+              <a:ext uri="{FF2B5EF4-FFF2-40B4-BE49-F238E27FC236}">
+                <a16:creationId xmlns:a16="http://schemas.microsoft.com/office/drawing/2014/main" id="{32FD242D-8AD6-43D8-A756-AF8A403E0211}"/>
+              </a:ext>
+            </a:extLst>
+          </p:cNvPr>
+          <p:cNvPicPr>
+            <a:picLocks noChangeAspect="1"/>
+          </p:cNvPicPr>
+          <p:nvPr/>
+        </p:nvPicPr>
+        <p:blipFill>
+          <a:blip r:embed="rId2">
+            <a:extLst>
+              <a:ext uri="{96DAC541-7B7A-43D3-8B79-37D633B846F1}">
+                <asvg:svgBlip xmlns:asvg="http://schemas.microsoft.com/office/drawing/2016/SVG/main" r:embed="rId3"/>
+              </a:ext>
+            </a:extLst>
+          </a:blip>
+          <a:stretch>
+            <a:fillRect/>
+          </a:stretch>
+        </p:blipFill>
+        <p:spPr>
+          <a:xfrm>
+            <a:off x="4877384" y="5809619"/>
+            <a:ext cx="304800" cy="295275"/>
+          </a:xfrm>
+          <a:prstGeom prst="rect">
+            <a:avLst/>
+          </a:prstGeom>
+        </p:spPr>
+      </p:pic>
+      <p:pic>
+        <p:nvPicPr>
+          <p:cNvPr id="7" name="Grafik 6" descr="Ein Bild, das Text, Uhr enthält.&#10;&#10;Automatisch generierte Beschreibung">
+            <a:extLst>
+              <a:ext uri="{FF2B5EF4-FFF2-40B4-BE49-F238E27FC236}">
+                <a16:creationId xmlns:a16="http://schemas.microsoft.com/office/drawing/2014/main" id="{FB5AD84A-FAAC-4778-96C3-0C56C1B7A718}"/>
+              </a:ext>
+            </a:extLst>
+          </p:cNvPr>
+          <p:cNvPicPr>
+            <a:picLocks noChangeAspect="1"/>
+          </p:cNvPicPr>
+          <p:nvPr/>
+        </p:nvPicPr>
+        <p:blipFill>
+          <a:blip r:embed="rId4"/>
+          <a:stretch>
+            <a:fillRect/>
+          </a:stretch>
+        </p:blipFill>
+        <p:spPr>
+          <a:xfrm>
+            <a:off x="4632416" y="2326348"/>
+            <a:ext cx="1988521" cy="1348736"/>
+          </a:xfrm>
+          <a:prstGeom prst="rect">
+            <a:avLst/>
+          </a:prstGeom>
+        </p:spPr>
+      </p:pic>
+      <p:cxnSp>
+        <p:nvCxnSpPr>
+          <p:cNvPr id="28" name="Gerader Verbinder 27">
+            <a:extLst>
+              <a:ext uri="{FF2B5EF4-FFF2-40B4-BE49-F238E27FC236}">
+                <a16:creationId xmlns:a16="http://schemas.microsoft.com/office/drawing/2014/main" id="{835465F0-14DD-4F17-8CA1-D773DC304472}"/>
+              </a:ext>
+            </a:extLst>
+          </p:cNvPr>
+          <p:cNvCxnSpPr>
+            <a:cxnSpLocks/>
+          </p:cNvCxnSpPr>
+          <p:nvPr/>
+        </p:nvCxnSpPr>
+        <p:spPr>
+          <a:xfrm flipV="1">
+            <a:off x="5263839" y="4530160"/>
+            <a:ext cx="1826749" cy="1279459"/>
+          </a:xfrm>
+          <a:prstGeom prst="line">
+            <a:avLst/>
+          </a:prstGeom>
+          <a:ln w="57150"/>
+        </p:spPr>
+        <p:style>
+          <a:lnRef idx="1">
+            <a:schemeClr val="accent1"/>
+          </a:lnRef>
+          <a:fillRef idx="0">
+            <a:schemeClr val="accent1"/>
+          </a:fillRef>
+          <a:effectRef idx="0">
+            <a:schemeClr val="accent1"/>
+          </a:effectRef>
+          <a:fontRef idx="minor">
+            <a:schemeClr val="tx1"/>
+          </a:fontRef>
+        </p:style>
+      </p:cxnSp>
+      <p:cxnSp>
+        <p:nvCxnSpPr>
+          <p:cNvPr id="29" name="Gerader Verbinder 28">
+            <a:extLst>
+              <a:ext uri="{FF2B5EF4-FFF2-40B4-BE49-F238E27FC236}">
+                <a16:creationId xmlns:a16="http://schemas.microsoft.com/office/drawing/2014/main" id="{9543B67F-B6B8-4484-81B1-4D3C47A59C32}"/>
+              </a:ext>
+            </a:extLst>
+          </p:cNvPr>
+          <p:cNvCxnSpPr>
+            <a:cxnSpLocks/>
+          </p:cNvCxnSpPr>
+          <p:nvPr/>
+        </p:nvCxnSpPr>
+        <p:spPr>
+          <a:xfrm>
+            <a:off x="5390496" y="4947920"/>
+            <a:ext cx="1635576" cy="455911"/>
+          </a:xfrm>
+          <a:prstGeom prst="line">
+            <a:avLst/>
+          </a:prstGeom>
+          <a:ln w="57150">
+            <a:solidFill>
+              <a:srgbClr val="FFFF00"/>
+            </a:solidFill>
+          </a:ln>
+        </p:spPr>
+        <p:style>
+          <a:lnRef idx="1">
+            <a:schemeClr val="accent1"/>
+          </a:lnRef>
+          <a:fillRef idx="0">
+            <a:schemeClr val="accent1"/>
+          </a:fillRef>
+          <a:effectRef idx="0">
+            <a:schemeClr val="accent1"/>
+          </a:effectRef>
+          <a:fontRef idx="minor">
+            <a:schemeClr val="tx1"/>
+          </a:fontRef>
+        </p:style>
+      </p:cxnSp>
+      <p:cxnSp>
+        <p:nvCxnSpPr>
+          <p:cNvPr id="32" name="Gerader Verbinder 31">
+            <a:extLst>
+              <a:ext uri="{FF2B5EF4-FFF2-40B4-BE49-F238E27FC236}">
+                <a16:creationId xmlns:a16="http://schemas.microsoft.com/office/drawing/2014/main" id="{FBB2F4E7-1459-4B36-9F08-A4B9BC187374}"/>
+              </a:ext>
+            </a:extLst>
+          </p:cNvPr>
+          <p:cNvCxnSpPr>
+            <a:cxnSpLocks/>
+          </p:cNvCxnSpPr>
+          <p:nvPr/>
+        </p:nvCxnSpPr>
+        <p:spPr>
+          <a:xfrm flipH="1" flipV="1">
+            <a:off x="5732039" y="4286921"/>
+            <a:ext cx="825923" cy="1628775"/>
+          </a:xfrm>
+          <a:prstGeom prst="line">
+            <a:avLst/>
+          </a:prstGeom>
+          <a:ln w="57150">
+            <a:solidFill>
+              <a:srgbClr val="00B050"/>
+            </a:solidFill>
+          </a:ln>
+        </p:spPr>
+        <p:style>
+          <a:lnRef idx="1">
+            <a:schemeClr val="accent1"/>
+          </a:lnRef>
+          <a:fillRef idx="0">
+            <a:schemeClr val="accent1"/>
+          </a:fillRef>
+          <a:effectRef idx="0">
+            <a:schemeClr val="accent1"/>
+          </a:effectRef>
+          <a:fontRef idx="minor">
+            <a:schemeClr val="tx1"/>
+          </a:fontRef>
+        </p:style>
+      </p:cxnSp>
+      <p:cxnSp>
+        <p:nvCxnSpPr>
+          <p:cNvPr id="36" name="Gerade Verbindung mit Pfeil 35">
+            <a:extLst>
+              <a:ext uri="{FF2B5EF4-FFF2-40B4-BE49-F238E27FC236}">
+                <a16:creationId xmlns:a16="http://schemas.microsoft.com/office/drawing/2014/main" id="{E5018B08-E77F-474E-9B6D-A2210C13C05D}"/>
+              </a:ext>
+            </a:extLst>
+          </p:cNvPr>
+          <p:cNvCxnSpPr>
+            <a:cxnSpLocks/>
+          </p:cNvCxnSpPr>
+          <p:nvPr/>
+        </p:nvCxnSpPr>
+        <p:spPr>
+          <a:xfrm flipH="1">
+            <a:off x="5237240" y="5175876"/>
+            <a:ext cx="934543" cy="645715"/>
+          </a:xfrm>
+          <a:prstGeom prst="straightConnector1">
+            <a:avLst/>
+          </a:prstGeom>
+          <a:ln w="57150">
+            <a:solidFill>
+              <a:schemeClr val="tx1"/>
+            </a:solidFill>
+            <a:tailEnd type="triangle"/>
+          </a:ln>
+        </p:spPr>
+        <p:style>
+          <a:lnRef idx="1">
+            <a:schemeClr val="accent1"/>
+          </a:lnRef>
+          <a:fillRef idx="0">
+            <a:schemeClr val="accent1"/>
+          </a:fillRef>
+          <a:effectRef idx="0">
+            <a:schemeClr val="accent1"/>
+          </a:effectRef>
+          <a:fontRef idx="minor">
+            <a:schemeClr val="tx1"/>
+          </a:fontRef>
+        </p:style>
+      </p:cxnSp>
+      <p:pic>
+        <p:nvPicPr>
+          <p:cNvPr id="39" name="Grafik 38">
+            <a:extLst>
+              <a:ext uri="{FF2B5EF4-FFF2-40B4-BE49-F238E27FC236}">
+                <a16:creationId xmlns:a16="http://schemas.microsoft.com/office/drawing/2014/main" id="{58618615-B533-4F68-BDE5-9BB2F616D122}"/>
+              </a:ext>
+            </a:extLst>
+          </p:cNvPr>
+          <p:cNvPicPr>
+            <a:picLocks noChangeAspect="1"/>
+          </p:cNvPicPr>
+          <p:nvPr/>
+        </p:nvPicPr>
+        <p:blipFill>
+          <a:blip r:embed="rId5">
+            <a:extLst>
+              <a:ext uri="{96DAC541-7B7A-43D3-8B79-37D633B846F1}">
+                <asvg:svgBlip xmlns:asvg="http://schemas.microsoft.com/office/drawing/2016/SVG/main" r:embed="rId6"/>
+              </a:ext>
+            </a:extLst>
+          </a:blip>
+          <a:stretch>
+            <a:fillRect/>
+          </a:stretch>
+        </p:blipFill>
+        <p:spPr>
+          <a:xfrm>
+            <a:off x="7172243" y="4298154"/>
+            <a:ext cx="304800" cy="295275"/>
+          </a:xfrm>
+          <a:prstGeom prst="rect">
+            <a:avLst/>
+          </a:prstGeom>
+        </p:spPr>
+      </p:pic>
+      <p:cxnSp>
+        <p:nvCxnSpPr>
+          <p:cNvPr id="41" name="Gerade Verbindung mit Pfeil 40">
+            <a:extLst>
+              <a:ext uri="{FF2B5EF4-FFF2-40B4-BE49-F238E27FC236}">
+                <a16:creationId xmlns:a16="http://schemas.microsoft.com/office/drawing/2014/main" id="{0DC5846F-9C36-4126-B1B5-9313BA4B4A50}"/>
+              </a:ext>
+            </a:extLst>
+          </p:cNvPr>
+          <p:cNvCxnSpPr>
+            <a:cxnSpLocks/>
+          </p:cNvCxnSpPr>
+          <p:nvPr/>
+        </p:nvCxnSpPr>
+        <p:spPr>
+          <a:xfrm flipH="1" flipV="1">
+            <a:off x="5704511" y="4206456"/>
+            <a:ext cx="467272" cy="939585"/>
+          </a:xfrm>
+          <a:prstGeom prst="straightConnector1">
+            <a:avLst/>
+          </a:prstGeom>
+          <a:ln w="57150">
+            <a:solidFill>
+              <a:schemeClr val="tx1"/>
+            </a:solidFill>
+            <a:tailEnd type="triangle"/>
+          </a:ln>
+        </p:spPr>
+        <p:style>
+          <a:lnRef idx="1">
+            <a:schemeClr val="accent1"/>
+          </a:lnRef>
+          <a:fillRef idx="0">
+            <a:schemeClr val="accent1"/>
+          </a:fillRef>
+          <a:effectRef idx="0">
+            <a:schemeClr val="accent1"/>
+          </a:effectRef>
+          <a:fontRef idx="minor">
+            <a:schemeClr val="tx1"/>
+          </a:fontRef>
+        </p:style>
+      </p:cxnSp>
+    </p:spTree>
+    <p:extLst>
+      <p:ext uri="{BB962C8B-B14F-4D97-AF65-F5344CB8AC3E}">
+        <p14:creationId xmlns:p14="http://schemas.microsoft.com/office/powerpoint/2010/main" val="1439756460"/>
+      </p:ext>
+    </p:extLst>
+  </p:cSld>
+  <p:clrMapOvr>
+    <a:masterClrMapping/>
+  </p:clrMapOvr>
+  <p:timing>
+    <p:tnLst>
+      <p:par>
+        <p:cTn id="1" dur="indefinite" restart="never" nodeType="tmRoot">
+          <p:childTnLst>
+            <p:seq concurrent="1" nextAc="seek">
+              <p:cTn id="2" dur="indefinite" nodeType="mainSeq">
+                <p:childTnLst>
+                  <p:par>
+                    <p:cTn id="3" fill="hold">
+                      <p:stCondLst>
+                        <p:cond delay="indefinite"/>
+                      </p:stCondLst>
+                      <p:childTnLst>
+                        <p:par>
+                          <p:cTn id="4" fill="hold">
+                            <p:stCondLst>
+                              <p:cond delay="0"/>
+                            </p:stCondLst>
+                            <p:childTnLst>
+                              <p:par>
+                                <p:cTn id="5" presetID="10" presetClass="entr" presetSubtype="0" fill="hold" nodeType="clickEffect">
+                                  <p:stCondLst>
+                                    <p:cond delay="0"/>
+                                  </p:stCondLst>
+                                  <p:childTnLst>
+                                    <p:set>
+                                      <p:cBhvr>
+                                        <p:cTn id="6" dur="1" fill="hold">
+                                          <p:stCondLst>
+                                            <p:cond delay="0"/>
+                                          </p:stCondLst>
+                                        </p:cTn>
+                                        <p:tgtEl>
+                                          <p:spTgt spid="41"/>
+                                        </p:tgtEl>
+                                        <p:attrNameLst>
+                                          <p:attrName>style.visibility</p:attrName>
+                                        </p:attrNameLst>
+                                      </p:cBhvr>
+                                      <p:to>
+                                        <p:strVal val="visible"/>
+                                      </p:to>
+                                    </p:set>
+                                    <p:animEffect transition="in" filter="fade">
+                                      <p:cBhvr>
+                                        <p:cTn id="7" dur="500"/>
+                                        <p:tgtEl>
+                                          <p:spTgt spid="41"/>
+                                        </p:tgtEl>
+                                      </p:cBhvr>
+                                    </p:animEffect>
+                                  </p:childTnLst>
+                                </p:cTn>
+                              </p:par>
+                              <p:par>
+                                <p:cTn id="8" presetID="10" presetClass="exit" presetSubtype="0" fill="hold" nodeType="withEffect">
+                                  <p:stCondLst>
+                                    <p:cond delay="0"/>
+                                  </p:stCondLst>
+                                  <p:childTnLst>
+                                    <p:animEffect transition="out" filter="fade">
+                                      <p:cBhvr>
+                                        <p:cTn id="9" dur="500"/>
+                                        <p:tgtEl>
+                                          <p:spTgt spid="36"/>
+                                        </p:tgtEl>
+                                      </p:cBhvr>
+                                    </p:animEffect>
+                                    <p:set>
+                                      <p:cBhvr>
+                                        <p:cTn id="10" dur="1" fill="hold">
+                                          <p:stCondLst>
+                                            <p:cond delay="499"/>
+                                          </p:stCondLst>
+                                        </p:cTn>
+                                        <p:tgtEl>
+                                          <p:spTgt spid="36"/>
+                                        </p:tgtEl>
+                                        <p:attrNameLst>
+                                          <p:attrName>style.visibility</p:attrName>
+                                        </p:attrNameLst>
+                                      </p:cBhvr>
+                                      <p:to>
+                                        <p:strVal val="hidden"/>
+                                      </p:to>
+                                    </p:set>
+                                  </p:childTnLst>
+                                </p:cTn>
+                              </p:par>
+                            </p:childTnLst>
+                          </p:cTn>
+                        </p:par>
+                      </p:childTnLst>
+                    </p:cTn>
+                  </p:par>
+                </p:childTnLst>
+              </p:cTn>
+              <p:prevCondLst>
+                <p:cond evt="onPrev" delay="0">
+                  <p:tgtEl>
+                    <p:sldTgt/>
+                  </p:tgtEl>
+                </p:cond>
+              </p:prevCondLst>
+              <p:nextCondLst>
+                <p:cond evt="onNext" delay="0">
+                  <p:tgtEl>
+                    <p:sldTgt/>
+                  </p:tgtEl>
+                </p:cond>
+              </p:nextCondLst>
+            </p:seq>
+          </p:childTnLst>
+        </p:cTn>
+      </p:par>
+    </p:tnLst>
+  </p:timing>
+</p:sld>
+</file>
+
+<file path=ppt/slides/slide17.xml><?xml version="1.0" encoding="utf-8"?>
+<p:sld xmlns:a="http://schemas.openxmlformats.org/drawingml/2006/main" xmlns:r="http://schemas.openxmlformats.org/officeDocument/2006/relationships" xmlns:p="http://schemas.openxmlformats.org/presentationml/2006/main">
+  <p:cSld>
+    <p:spTree>
+      <p:nvGrpSpPr>
+        <p:cNvPr id="1" name=""/>
+        <p:cNvGrpSpPr/>
+        <p:nvPr/>
+      </p:nvGrpSpPr>
+      <p:grpSpPr>
+        <a:xfrm>
+          <a:off x="0" y="0"/>
+          <a:ext cx="0" cy="0"/>
+          <a:chOff x="0" y="0"/>
+          <a:chExt cx="0" cy="0"/>
+        </a:xfrm>
+      </p:grpSpPr>
+      <p:sp>
+        <p:nvSpPr>
+          <p:cNvPr id="2" name="Titel 1">
+            <a:extLst>
+              <a:ext uri="{FF2B5EF4-FFF2-40B4-BE49-F238E27FC236}">
+                <a16:creationId xmlns:a16="http://schemas.microsoft.com/office/drawing/2014/main" id="{DB4CB577-98C3-447C-BFE2-3998CC91EDB0}"/>
+              </a:ext>
+            </a:extLst>
+          </p:cNvPr>
+          <p:cNvSpPr>
+            <a:spLocks noGrp="1"/>
+          </p:cNvSpPr>
+          <p:nvPr>
+            <p:ph type="title"/>
+          </p:nvPr>
+        </p:nvSpPr>
+        <p:spPr/>
+        <p:txBody>
+          <a:bodyPr/>
+          <a:lstStyle/>
+          <a:p>
+            <a:r>
+              <a:rPr lang="de-CH" dirty="0"/>
+              <a:t>Input </a:t>
+            </a:r>
+            <a:r>
+              <a:rPr lang="de-CH" dirty="0" err="1"/>
+              <a:t>features</a:t>
+            </a:r>
+            <a:r>
+              <a:rPr lang="de-CH" dirty="0"/>
+              <a:t> + </a:t>
+            </a:r>
+            <a:r>
+              <a:rPr lang="de-CH" dirty="0" err="1"/>
+              <a:t>relevance</a:t>
+            </a:r>
+            <a:r>
+              <a:rPr lang="de-CH" dirty="0"/>
+              <a:t> </a:t>
+            </a:r>
+            <a:r>
+              <a:rPr lang="de-CH" dirty="0" err="1"/>
+              <a:t>weights</a:t>
+            </a:r>
+            <a:endParaRPr lang="de-CH" dirty="0"/>
+          </a:p>
+        </p:txBody>
+      </p:sp>
+      <p:sp>
+        <p:nvSpPr>
+          <p:cNvPr id="12" name="Textfeld 11">
+            <a:extLst>
+              <a:ext uri="{FF2B5EF4-FFF2-40B4-BE49-F238E27FC236}">
+                <a16:creationId xmlns:a16="http://schemas.microsoft.com/office/drawing/2014/main" id="{5D49BC00-D8C4-43C4-9176-A3DBAC24E882}"/>
+              </a:ext>
+            </a:extLst>
+          </p:cNvPr>
+          <p:cNvSpPr txBox="1"/>
+          <p:nvPr/>
+        </p:nvSpPr>
+        <p:spPr>
+          <a:xfrm>
+            <a:off x="5857877" y="3725346"/>
+            <a:ext cx="476246" cy="369332"/>
+          </a:xfrm>
+          <a:prstGeom prst="rect">
+            <a:avLst/>
+          </a:prstGeom>
+          <a:noFill/>
+        </p:spPr>
+        <p:txBody>
+          <a:bodyPr wrap="square" rtlCol="0">
+            <a:spAutoFit/>
+          </a:bodyPr>
+          <a:lstStyle/>
+          <a:p>
+            <a:endParaRPr lang="de-CH" dirty="0"/>
+          </a:p>
+        </p:txBody>
+      </p:sp>
+      <p:pic>
+        <p:nvPicPr>
+          <p:cNvPr id="20" name="Grafik 19">
+            <a:extLst>
+              <a:ext uri="{FF2B5EF4-FFF2-40B4-BE49-F238E27FC236}">
+                <a16:creationId xmlns:a16="http://schemas.microsoft.com/office/drawing/2014/main" id="{32FD242D-8AD6-43D8-A756-AF8A403E0211}"/>
+              </a:ext>
+            </a:extLst>
+          </p:cNvPr>
+          <p:cNvPicPr>
+            <a:picLocks noChangeAspect="1"/>
+          </p:cNvPicPr>
+          <p:nvPr/>
+        </p:nvPicPr>
+        <p:blipFill>
+          <a:blip r:embed="rId2">
+            <a:extLst>
+              <a:ext uri="{96DAC541-7B7A-43D3-8B79-37D633B846F1}">
+                <asvg:svgBlip xmlns:asvg="http://schemas.microsoft.com/office/drawing/2016/SVG/main" r:embed="rId3"/>
+              </a:ext>
+            </a:extLst>
+          </a:blip>
+          <a:stretch>
+            <a:fillRect/>
+          </a:stretch>
+        </p:blipFill>
+        <p:spPr>
+          <a:xfrm>
+            <a:off x="4877384" y="5809619"/>
+            <a:ext cx="304800" cy="295275"/>
+          </a:xfrm>
+          <a:prstGeom prst="rect">
+            <a:avLst/>
+          </a:prstGeom>
+        </p:spPr>
+      </p:pic>
+      <p:cxnSp>
+        <p:nvCxnSpPr>
+          <p:cNvPr id="28" name="Gerader Verbinder 27">
+            <a:extLst>
+              <a:ext uri="{FF2B5EF4-FFF2-40B4-BE49-F238E27FC236}">
+                <a16:creationId xmlns:a16="http://schemas.microsoft.com/office/drawing/2014/main" id="{835465F0-14DD-4F17-8CA1-D773DC304472}"/>
+              </a:ext>
+            </a:extLst>
+          </p:cNvPr>
+          <p:cNvCxnSpPr>
+            <a:cxnSpLocks/>
+          </p:cNvCxnSpPr>
+          <p:nvPr/>
+        </p:nvCxnSpPr>
+        <p:spPr>
+          <a:xfrm flipV="1">
+            <a:off x="5263839" y="4530160"/>
+            <a:ext cx="1826749" cy="1279459"/>
+          </a:xfrm>
+          <a:prstGeom prst="line">
+            <a:avLst/>
+          </a:prstGeom>
+          <a:ln w="57150"/>
+        </p:spPr>
+        <p:style>
+          <a:lnRef idx="1">
+            <a:schemeClr val="accent1"/>
+          </a:lnRef>
+          <a:fillRef idx="0">
+            <a:schemeClr val="accent1"/>
+          </a:fillRef>
+          <a:effectRef idx="0">
+            <a:schemeClr val="accent1"/>
+          </a:effectRef>
+          <a:fontRef idx="minor">
+            <a:schemeClr val="tx1"/>
+          </a:fontRef>
+        </p:style>
+      </p:cxnSp>
+      <p:cxnSp>
+        <p:nvCxnSpPr>
+          <p:cNvPr id="29" name="Gerader Verbinder 28">
+            <a:extLst>
+              <a:ext uri="{FF2B5EF4-FFF2-40B4-BE49-F238E27FC236}">
+                <a16:creationId xmlns:a16="http://schemas.microsoft.com/office/drawing/2014/main" id="{9543B67F-B6B8-4484-81B1-4D3C47A59C32}"/>
+              </a:ext>
+            </a:extLst>
+          </p:cNvPr>
+          <p:cNvCxnSpPr>
+            <a:cxnSpLocks/>
+          </p:cNvCxnSpPr>
+          <p:nvPr/>
+        </p:nvCxnSpPr>
+        <p:spPr>
+          <a:xfrm>
+            <a:off x="5390496" y="4947920"/>
+            <a:ext cx="1635576" cy="455911"/>
+          </a:xfrm>
+          <a:prstGeom prst="line">
+            <a:avLst/>
+          </a:prstGeom>
+          <a:ln w="57150">
+            <a:solidFill>
+              <a:srgbClr val="FFFF00"/>
+            </a:solidFill>
+          </a:ln>
+        </p:spPr>
+        <p:style>
+          <a:lnRef idx="1">
+            <a:schemeClr val="accent1"/>
+          </a:lnRef>
+          <a:fillRef idx="0">
+            <a:schemeClr val="accent1"/>
+          </a:fillRef>
+          <a:effectRef idx="0">
+            <a:schemeClr val="accent1"/>
+          </a:effectRef>
+          <a:fontRef idx="minor">
+            <a:schemeClr val="tx1"/>
+          </a:fontRef>
+        </p:style>
+      </p:cxnSp>
+      <p:cxnSp>
+        <p:nvCxnSpPr>
+          <p:cNvPr id="32" name="Gerader Verbinder 31">
+            <a:extLst>
+              <a:ext uri="{FF2B5EF4-FFF2-40B4-BE49-F238E27FC236}">
+                <a16:creationId xmlns:a16="http://schemas.microsoft.com/office/drawing/2014/main" id="{FBB2F4E7-1459-4B36-9F08-A4B9BC187374}"/>
+              </a:ext>
+            </a:extLst>
+          </p:cNvPr>
+          <p:cNvCxnSpPr>
+            <a:cxnSpLocks/>
+          </p:cNvCxnSpPr>
+          <p:nvPr/>
+        </p:nvCxnSpPr>
+        <p:spPr>
+          <a:xfrm flipH="1" flipV="1">
+            <a:off x="5732039" y="4286921"/>
+            <a:ext cx="825923" cy="1628775"/>
+          </a:xfrm>
+          <a:prstGeom prst="line">
+            <a:avLst/>
+          </a:prstGeom>
+          <a:ln w="57150">
+            <a:solidFill>
+              <a:srgbClr val="00B050"/>
+            </a:solidFill>
+          </a:ln>
+        </p:spPr>
+        <p:style>
+          <a:lnRef idx="1">
+            <a:schemeClr val="accent1"/>
+          </a:lnRef>
+          <a:fillRef idx="0">
+            <a:schemeClr val="accent1"/>
+          </a:fillRef>
+          <a:effectRef idx="0">
+            <a:schemeClr val="accent1"/>
+          </a:effectRef>
+          <a:fontRef idx="minor">
+            <a:schemeClr val="tx1"/>
+          </a:fontRef>
+        </p:style>
+      </p:cxnSp>
+      <p:cxnSp>
+        <p:nvCxnSpPr>
+          <p:cNvPr id="36" name="Gerade Verbindung mit Pfeil 35">
+            <a:extLst>
+              <a:ext uri="{FF2B5EF4-FFF2-40B4-BE49-F238E27FC236}">
+                <a16:creationId xmlns:a16="http://schemas.microsoft.com/office/drawing/2014/main" id="{E5018B08-E77F-474E-9B6D-A2210C13C05D}"/>
+              </a:ext>
+            </a:extLst>
+          </p:cNvPr>
+          <p:cNvCxnSpPr>
+            <a:cxnSpLocks/>
+          </p:cNvCxnSpPr>
+          <p:nvPr/>
+        </p:nvCxnSpPr>
+        <p:spPr>
+          <a:xfrm flipH="1">
+            <a:off x="5237240" y="5175876"/>
+            <a:ext cx="934543" cy="645715"/>
+          </a:xfrm>
+          <a:prstGeom prst="straightConnector1">
+            <a:avLst/>
+          </a:prstGeom>
+          <a:ln w="57150">
+            <a:solidFill>
+              <a:schemeClr val="tx1"/>
+            </a:solidFill>
+            <a:tailEnd type="triangle"/>
+          </a:ln>
+        </p:spPr>
+        <p:style>
+          <a:lnRef idx="1">
+            <a:schemeClr val="accent1"/>
+          </a:lnRef>
+          <a:fillRef idx="0">
+            <a:schemeClr val="accent1"/>
+          </a:fillRef>
+          <a:effectRef idx="0">
+            <a:schemeClr val="accent1"/>
+          </a:effectRef>
+          <a:fontRef idx="minor">
+            <a:schemeClr val="tx1"/>
+          </a:fontRef>
+        </p:style>
+      </p:cxnSp>
+      <p:pic>
+        <p:nvPicPr>
+          <p:cNvPr id="39" name="Grafik 38">
+            <a:extLst>
+              <a:ext uri="{FF2B5EF4-FFF2-40B4-BE49-F238E27FC236}">
+                <a16:creationId xmlns:a16="http://schemas.microsoft.com/office/drawing/2014/main" id="{58618615-B533-4F68-BDE5-9BB2F616D122}"/>
+              </a:ext>
+            </a:extLst>
+          </p:cNvPr>
+          <p:cNvPicPr>
+            <a:picLocks noChangeAspect="1"/>
+          </p:cNvPicPr>
+          <p:nvPr/>
+        </p:nvPicPr>
+        <p:blipFill>
+          <a:blip r:embed="rId4">
+            <a:extLst>
+              <a:ext uri="{96DAC541-7B7A-43D3-8B79-37D633B846F1}">
+                <asvg:svgBlip xmlns:asvg="http://schemas.microsoft.com/office/drawing/2016/SVG/main" r:embed="rId5"/>
+              </a:ext>
+            </a:extLst>
+          </a:blip>
+          <a:stretch>
+            <a:fillRect/>
+          </a:stretch>
+        </p:blipFill>
+        <p:spPr>
+          <a:xfrm>
+            <a:off x="7172243" y="4298154"/>
+            <a:ext cx="304800" cy="295275"/>
+          </a:xfrm>
+          <a:prstGeom prst="rect">
+            <a:avLst/>
+          </a:prstGeom>
+        </p:spPr>
+      </p:pic>
+      <p:cxnSp>
+        <p:nvCxnSpPr>
+          <p:cNvPr id="41" name="Gerade Verbindung mit Pfeil 40">
+            <a:extLst>
+              <a:ext uri="{FF2B5EF4-FFF2-40B4-BE49-F238E27FC236}">
+                <a16:creationId xmlns:a16="http://schemas.microsoft.com/office/drawing/2014/main" id="{0DC5846F-9C36-4126-B1B5-9313BA4B4A50}"/>
+              </a:ext>
+            </a:extLst>
+          </p:cNvPr>
+          <p:cNvCxnSpPr>
+            <a:cxnSpLocks/>
+          </p:cNvCxnSpPr>
+          <p:nvPr/>
+        </p:nvCxnSpPr>
+        <p:spPr>
+          <a:xfrm flipH="1" flipV="1">
+            <a:off x="5704511" y="4206456"/>
+            <a:ext cx="467272" cy="939585"/>
+          </a:xfrm>
+          <a:prstGeom prst="straightConnector1">
+            <a:avLst/>
+          </a:prstGeom>
+          <a:ln w="57150">
+            <a:solidFill>
+              <a:schemeClr val="tx1"/>
+            </a:solidFill>
+            <a:tailEnd type="triangle"/>
+          </a:ln>
+        </p:spPr>
+        <p:style>
+          <a:lnRef idx="1">
+            <a:schemeClr val="accent1"/>
+          </a:lnRef>
+          <a:fillRef idx="0">
+            <a:schemeClr val="accent1"/>
+          </a:fillRef>
+          <a:effectRef idx="0">
+            <a:schemeClr val="accent1"/>
+          </a:effectRef>
+          <a:fontRef idx="minor">
+            <a:schemeClr val="tx1"/>
+          </a:fontRef>
+        </p:style>
+      </p:cxnSp>
+      <p:pic>
+        <p:nvPicPr>
+          <p:cNvPr id="4" name="Grafik 3" descr="Ein Bild, das Text, Uhr enthält.&#10;&#10;Automatisch generierte Beschreibung">
+            <a:extLst>
+              <a:ext uri="{FF2B5EF4-FFF2-40B4-BE49-F238E27FC236}">
+                <a16:creationId xmlns:a16="http://schemas.microsoft.com/office/drawing/2014/main" id="{2402B734-4C72-4B24-98C9-6F82E8DF92DE}"/>
+              </a:ext>
+            </a:extLst>
+          </p:cNvPr>
+          <p:cNvPicPr>
+            <a:picLocks noChangeAspect="1"/>
+          </p:cNvPicPr>
+          <p:nvPr/>
+        </p:nvPicPr>
+        <p:blipFill>
+          <a:blip r:embed="rId6"/>
+          <a:stretch>
+            <a:fillRect/>
+          </a:stretch>
+        </p:blipFill>
+        <p:spPr>
+          <a:xfrm>
+            <a:off x="4842004" y="2326348"/>
+            <a:ext cx="2031746" cy="990476"/>
+          </a:xfrm>
+          <a:prstGeom prst="rect">
+            <a:avLst/>
+          </a:prstGeom>
+        </p:spPr>
+      </p:pic>
+      <p:pic>
+        <p:nvPicPr>
+          <p:cNvPr id="6" name="Grafik 5">
+            <a:extLst>
+              <a:ext uri="{FF2B5EF4-FFF2-40B4-BE49-F238E27FC236}">
+                <a16:creationId xmlns:a16="http://schemas.microsoft.com/office/drawing/2014/main" id="{ACECFE90-FFBB-4DF8-B8B8-DE6AFFE46FE1}"/>
+              </a:ext>
+            </a:extLst>
+          </p:cNvPr>
+          <p:cNvPicPr>
+            <a:picLocks noChangeAspect="1"/>
+          </p:cNvPicPr>
+          <p:nvPr/>
+        </p:nvPicPr>
+        <p:blipFill>
+          <a:blip r:embed="rId7">
+            <a:extLst>
+              <a:ext uri="{96DAC541-7B7A-43D3-8B79-37D633B846F1}">
+                <asvg:svgBlip xmlns:asvg="http://schemas.microsoft.com/office/drawing/2016/SVG/main" r:embed="rId8"/>
+              </a:ext>
+            </a:extLst>
+          </a:blip>
+          <a:stretch>
+            <a:fillRect/>
+          </a:stretch>
+        </p:blipFill>
+        <p:spPr>
+          <a:xfrm>
+            <a:off x="5747647" y="3144417"/>
+            <a:ext cx="190500" cy="247650"/>
+          </a:xfrm>
+          <a:prstGeom prst="rect">
+            <a:avLst/>
+          </a:prstGeom>
+        </p:spPr>
+      </p:pic>
+      <p:pic>
+        <p:nvPicPr>
+          <p:cNvPr id="9" name="Grafik 8">
+            <a:extLst>
+              <a:ext uri="{FF2B5EF4-FFF2-40B4-BE49-F238E27FC236}">
+                <a16:creationId xmlns:a16="http://schemas.microsoft.com/office/drawing/2014/main" id="{DE8C391E-5F76-4729-AA4D-33DF4AC0EDA2}"/>
+              </a:ext>
+            </a:extLst>
+          </p:cNvPr>
+          <p:cNvPicPr>
+            <a:picLocks noChangeAspect="1"/>
+          </p:cNvPicPr>
+          <p:nvPr/>
+        </p:nvPicPr>
+        <p:blipFill>
+          <a:blip r:embed="rId9">
+            <a:extLst>
+              <a:ext uri="{96DAC541-7B7A-43D3-8B79-37D633B846F1}">
+                <asvg:svgBlip xmlns:asvg="http://schemas.microsoft.com/office/drawing/2016/SVG/main" r:embed="rId10"/>
+              </a:ext>
+            </a:extLst>
+          </a:blip>
+          <a:stretch>
+            <a:fillRect/>
+          </a:stretch>
+        </p:blipFill>
+        <p:spPr>
+          <a:xfrm>
+            <a:off x="6262687" y="3188887"/>
+            <a:ext cx="295275" cy="180975"/>
+          </a:xfrm>
+          <a:prstGeom prst="rect">
+            <a:avLst/>
+          </a:prstGeom>
+        </p:spPr>
+      </p:pic>
+      <p:cxnSp>
+        <p:nvCxnSpPr>
+          <p:cNvPr id="18" name="Gerade Verbindung mit Pfeil 17">
+            <a:extLst>
+              <a:ext uri="{FF2B5EF4-FFF2-40B4-BE49-F238E27FC236}">
+                <a16:creationId xmlns:a16="http://schemas.microsoft.com/office/drawing/2014/main" id="{E0CB38AD-D82B-4F2B-8339-DEE436F604F4}"/>
+              </a:ext>
+            </a:extLst>
+          </p:cNvPr>
+          <p:cNvCxnSpPr>
+            <a:cxnSpLocks/>
+          </p:cNvCxnSpPr>
+          <p:nvPr/>
+        </p:nvCxnSpPr>
+        <p:spPr>
+          <a:xfrm flipH="1" flipV="1">
+            <a:off x="5143096" y="4841843"/>
+            <a:ext cx="1028687" cy="308434"/>
+          </a:xfrm>
+          <a:prstGeom prst="straightConnector1">
+            <a:avLst/>
+          </a:prstGeom>
+          <a:ln w="57150">
+            <a:solidFill>
+              <a:schemeClr val="tx1"/>
+            </a:solidFill>
+            <a:tailEnd type="triangle"/>
+          </a:ln>
+        </p:spPr>
+        <p:style>
+          <a:lnRef idx="1">
+            <a:schemeClr val="accent1"/>
+          </a:lnRef>
+          <a:fillRef idx="0">
+            <a:schemeClr val="accent1"/>
+          </a:fillRef>
+          <a:effectRef idx="0">
+            <a:schemeClr val="accent1"/>
+          </a:effectRef>
+          <a:fontRef idx="minor">
+            <a:schemeClr val="tx1"/>
+          </a:fontRef>
+        </p:style>
+      </p:cxnSp>
+    </p:spTree>
+    <p:extLst>
+      <p:ext uri="{BB962C8B-B14F-4D97-AF65-F5344CB8AC3E}">
+        <p14:creationId xmlns:p14="http://schemas.microsoft.com/office/powerpoint/2010/main" val="1332654199"/>
+      </p:ext>
+    </p:extLst>
+  </p:cSld>
+  <p:clrMapOvr>
+    <a:masterClrMapping/>
+  </p:clrMapOvr>
+  <p:timing>
+    <p:tnLst>
+      <p:par>
+        <p:cTn id="1" dur="indefinite" restart="never" nodeType="tmRoot">
+          <p:childTnLst>
+            <p:seq concurrent="1" nextAc="seek">
+              <p:cTn id="2" dur="indefinite" nodeType="mainSeq">
+                <p:childTnLst>
+                  <p:par>
+                    <p:cTn id="3" fill="hold">
+                      <p:stCondLst>
+                        <p:cond delay="indefinite"/>
+                      </p:stCondLst>
+                      <p:childTnLst>
+                        <p:par>
+                          <p:cTn id="4" fill="hold">
+                            <p:stCondLst>
+                              <p:cond delay="0"/>
+                            </p:stCondLst>
+                            <p:childTnLst>
+                              <p:par>
+                                <p:cTn id="5" presetID="10" presetClass="entr" presetSubtype="0" fill="hold" nodeType="clickEffect">
+                                  <p:stCondLst>
+                                    <p:cond delay="0"/>
+                                  </p:stCondLst>
+                                  <p:childTnLst>
+                                    <p:set>
+                                      <p:cBhvr>
+                                        <p:cTn id="6" dur="1" fill="hold">
+                                          <p:stCondLst>
+                                            <p:cond delay="0"/>
+                                          </p:stCondLst>
+                                        </p:cTn>
+                                        <p:tgtEl>
+                                          <p:spTgt spid="41"/>
+                                        </p:tgtEl>
+                                        <p:attrNameLst>
+                                          <p:attrName>style.visibility</p:attrName>
+                                        </p:attrNameLst>
+                                      </p:cBhvr>
+                                      <p:to>
+                                        <p:strVal val="visible"/>
+                                      </p:to>
+                                    </p:set>
+                                    <p:animEffect transition="in" filter="fade">
+                                      <p:cBhvr>
+                                        <p:cTn id="7" dur="500"/>
+                                        <p:tgtEl>
+                                          <p:spTgt spid="41"/>
+                                        </p:tgtEl>
+                                      </p:cBhvr>
+                                    </p:animEffect>
+                                  </p:childTnLst>
+                                </p:cTn>
+                              </p:par>
+                              <p:par>
+                                <p:cTn id="8" presetID="10" presetClass="exit" presetSubtype="0" fill="hold" nodeType="withEffect">
+                                  <p:stCondLst>
+                                    <p:cond delay="0"/>
+                                  </p:stCondLst>
+                                  <p:childTnLst>
+                                    <p:animEffect transition="out" filter="fade">
+                                      <p:cBhvr>
+                                        <p:cTn id="9" dur="500"/>
+                                        <p:tgtEl>
+                                          <p:spTgt spid="36"/>
+                                        </p:tgtEl>
+                                      </p:cBhvr>
+                                    </p:animEffect>
+                                    <p:set>
+                                      <p:cBhvr>
+                                        <p:cTn id="10" dur="1" fill="hold">
+                                          <p:stCondLst>
+                                            <p:cond delay="499"/>
+                                          </p:stCondLst>
+                                        </p:cTn>
+                                        <p:tgtEl>
+                                          <p:spTgt spid="36"/>
+                                        </p:tgtEl>
+                                        <p:attrNameLst>
+                                          <p:attrName>style.visibility</p:attrName>
+                                        </p:attrNameLst>
+                                      </p:cBhvr>
+                                      <p:to>
+                                        <p:strVal val="hidden"/>
+                                      </p:to>
+                                    </p:set>
+                                  </p:childTnLst>
+                                </p:cTn>
+                              </p:par>
+                            </p:childTnLst>
+                          </p:cTn>
+                        </p:par>
+                      </p:childTnLst>
+                    </p:cTn>
+                  </p:par>
+                  <p:par>
+                    <p:cTn id="11" fill="hold">
+                      <p:stCondLst>
+                        <p:cond delay="indefinite"/>
+                      </p:stCondLst>
+                      <p:childTnLst>
+                        <p:par>
+                          <p:cTn id="12" fill="hold">
+                            <p:stCondLst>
+                              <p:cond delay="0"/>
+                            </p:stCondLst>
+                            <p:childTnLst>
+                              <p:par>
+                                <p:cTn id="13" presetID="10" presetClass="entr" presetSubtype="0" fill="hold" nodeType="clickEffect">
+                                  <p:stCondLst>
+                                    <p:cond delay="0"/>
+                                  </p:stCondLst>
+                                  <p:childTnLst>
+                                    <p:set>
+                                      <p:cBhvr>
+                                        <p:cTn id="14" dur="1" fill="hold">
+                                          <p:stCondLst>
+                                            <p:cond delay="0"/>
+                                          </p:stCondLst>
+                                        </p:cTn>
+                                        <p:tgtEl>
+                                          <p:spTgt spid="18"/>
+                                        </p:tgtEl>
+                                        <p:attrNameLst>
+                                          <p:attrName>style.visibility</p:attrName>
+                                        </p:attrNameLst>
+                                      </p:cBhvr>
+                                      <p:to>
+                                        <p:strVal val="visible"/>
+                                      </p:to>
+                                    </p:set>
+                                    <p:animEffect transition="in" filter="fade">
+                                      <p:cBhvr>
+                                        <p:cTn id="15" dur="500"/>
+                                        <p:tgtEl>
+                                          <p:spTgt spid="18"/>
+                                        </p:tgtEl>
+                                      </p:cBhvr>
+                                    </p:animEffect>
+                                  </p:childTnLst>
+                                </p:cTn>
+                              </p:par>
+                              <p:par>
+                                <p:cTn id="16" presetID="10" presetClass="exit" presetSubtype="0" fill="hold" nodeType="withEffect">
+                                  <p:stCondLst>
+                                    <p:cond delay="0"/>
+                                  </p:stCondLst>
+                                  <p:childTnLst>
+                                    <p:animEffect transition="out" filter="fade">
+                                      <p:cBhvr>
+                                        <p:cTn id="17" dur="500"/>
+                                        <p:tgtEl>
+                                          <p:spTgt spid="41"/>
+                                        </p:tgtEl>
+                                      </p:cBhvr>
+                                    </p:animEffect>
+                                    <p:set>
+                                      <p:cBhvr>
+                                        <p:cTn id="18" dur="1" fill="hold">
+                                          <p:stCondLst>
+                                            <p:cond delay="499"/>
+                                          </p:stCondLst>
+                                        </p:cTn>
+                                        <p:tgtEl>
+                                          <p:spTgt spid="41"/>
+                                        </p:tgtEl>
+                                        <p:attrNameLst>
+                                          <p:attrName>style.visibility</p:attrName>
+                                        </p:attrNameLst>
+                                      </p:cBhvr>
+                                      <p:to>
+                                        <p:strVal val="hidden"/>
+                                      </p:to>
+                                    </p:set>
+                                  </p:childTnLst>
+                                </p:cTn>
+                              </p:par>
+                            </p:childTnLst>
+                          </p:cTn>
+                        </p:par>
+                      </p:childTnLst>
+                    </p:cTn>
+                  </p:par>
+                </p:childTnLst>
+              </p:cTn>
+              <p:prevCondLst>
+                <p:cond evt="onPrev" delay="0">
+                  <p:tgtEl>
+                    <p:sldTgt/>
+                  </p:tgtEl>
+                </p:cond>
+              </p:prevCondLst>
+              <p:nextCondLst>
+                <p:cond evt="onNext" delay="0">
+                  <p:tgtEl>
+                    <p:sldTgt/>
+                  </p:tgtEl>
+                </p:cond>
+              </p:nextCondLst>
+            </p:seq>
+          </p:childTnLst>
+        </p:cTn>
+      </p:par>
+    </p:tnLst>
+  </p:timing>
+</p:sld>
+</file>
+
+<file path=ppt/slides/slide18.xml><?xml version="1.0" encoding="utf-8"?>
+<p:sld xmlns:a="http://schemas.openxmlformats.org/drawingml/2006/main" xmlns:r="http://schemas.openxmlformats.org/officeDocument/2006/relationships" xmlns:p="http://schemas.openxmlformats.org/presentationml/2006/main">
+  <p:cSld>
+    <p:spTree>
+      <p:nvGrpSpPr>
+        <p:cNvPr id="1" name=""/>
+        <p:cNvGrpSpPr/>
+        <p:nvPr/>
+      </p:nvGrpSpPr>
+      <p:grpSpPr>
+        <a:xfrm>
+          <a:off x="0" y="0"/>
+          <a:ext cx="0" cy="0"/>
+          <a:chOff x="0" y="0"/>
+          <a:chExt cx="0" cy="0"/>
+        </a:xfrm>
+      </p:grpSpPr>
+      <p:sp>
+        <p:nvSpPr>
+          <p:cNvPr id="2" name="Titel 1">
+            <a:extLst>
+              <a:ext uri="{FF2B5EF4-FFF2-40B4-BE49-F238E27FC236}">
+                <a16:creationId xmlns:a16="http://schemas.microsoft.com/office/drawing/2014/main" id="{DB4CB577-98C3-447C-BFE2-3998CC91EDB0}"/>
+              </a:ext>
+            </a:extLst>
+          </p:cNvPr>
+          <p:cNvSpPr>
+            <a:spLocks noGrp="1"/>
+          </p:cNvSpPr>
+          <p:nvPr>
+            <p:ph type="title"/>
+          </p:nvPr>
+        </p:nvSpPr>
+        <p:spPr/>
+        <p:txBody>
+          <a:bodyPr/>
+          <a:lstStyle/>
+          <a:p>
+            <a:r>
+              <a:rPr lang="de-CH" dirty="0"/>
+              <a:t>Input </a:t>
+            </a:r>
+            <a:r>
+              <a:rPr lang="de-CH" dirty="0" err="1"/>
+              <a:t>features</a:t>
+            </a:r>
+            <a:r>
+              <a:rPr lang="de-CH" dirty="0"/>
+              <a:t> + </a:t>
+            </a:r>
+            <a:r>
+              <a:rPr lang="de-CH" dirty="0" err="1"/>
+              <a:t>relevance</a:t>
+            </a:r>
+            <a:r>
+              <a:rPr lang="de-CH" dirty="0"/>
+              <a:t> </a:t>
+            </a:r>
+            <a:r>
+              <a:rPr lang="de-CH" dirty="0" err="1"/>
+              <a:t>weights</a:t>
+            </a:r>
+            <a:endParaRPr lang="de-CH" dirty="0"/>
+          </a:p>
+        </p:txBody>
+      </p:sp>
+      <p:grpSp>
+        <p:nvGrpSpPr>
+          <p:cNvPr id="52" name="Gruppieren 51">
+            <a:extLst>
+              <a:ext uri="{FF2B5EF4-FFF2-40B4-BE49-F238E27FC236}">
+                <a16:creationId xmlns:a16="http://schemas.microsoft.com/office/drawing/2014/main" id="{2BFB9747-440B-4856-8AB9-77F6559CC362}"/>
+              </a:ext>
+            </a:extLst>
+          </p:cNvPr>
+          <p:cNvGrpSpPr/>
+          <p:nvPr/>
+        </p:nvGrpSpPr>
+        <p:grpSpPr>
+          <a:xfrm>
+            <a:off x="1192637" y="2299020"/>
+            <a:ext cx="3891450" cy="3626020"/>
+            <a:chOff x="759249" y="2299020"/>
+            <a:chExt cx="3891450" cy="3626020"/>
+          </a:xfrm>
+        </p:grpSpPr>
+        <p:pic>
+          <p:nvPicPr>
+            <p:cNvPr id="10" name="Grafik 9" descr="Ein Bild, das Text, Uhr enthält.&#10;&#10;Automatisch generierte Beschreibung">
+              <a:extLst>
+                <a:ext uri="{FF2B5EF4-FFF2-40B4-BE49-F238E27FC236}">
+                  <a16:creationId xmlns:a16="http://schemas.microsoft.com/office/drawing/2014/main" id="{002C0686-1872-42BB-92AD-BAB2FD3EA1EB}"/>
+                </a:ext>
+              </a:extLst>
+            </p:cNvPr>
+            <p:cNvPicPr>
+              <a:picLocks noChangeAspect="1"/>
+            </p:cNvPicPr>
+            <p:nvPr/>
+          </p:nvPicPr>
+          <p:blipFill>
+            <a:blip r:embed="rId2"/>
+            <a:stretch>
+              <a:fillRect/>
+            </a:stretch>
+          </p:blipFill>
+          <p:spPr>
+            <a:xfrm>
+              <a:off x="1625609" y="2299020"/>
+              <a:ext cx="2158730" cy="1561905"/>
+            </a:xfrm>
+            <a:prstGeom prst="rect">
+              <a:avLst/>
+            </a:prstGeom>
+          </p:spPr>
+        </p:pic>
+        <p:pic>
+          <p:nvPicPr>
+            <p:cNvPr id="13" name="Grafik 12" descr="Ein Bild, das Text, Gebäude, Kuppel enthält.&#10;&#10;Automatisch generierte Beschreibung">
+              <a:extLst>
+                <a:ext uri="{FF2B5EF4-FFF2-40B4-BE49-F238E27FC236}">
+                  <a16:creationId xmlns:a16="http://schemas.microsoft.com/office/drawing/2014/main" id="{44EEDA44-D257-4F81-BF95-746BDFC9A216}"/>
+                </a:ext>
+              </a:extLst>
+            </p:cNvPr>
+            <p:cNvPicPr>
+              <a:picLocks noChangeAspect="1"/>
+            </p:cNvPicPr>
+            <p:nvPr/>
+          </p:nvPicPr>
+          <p:blipFill>
+            <a:blip r:embed="rId3"/>
+            <a:stretch>
+              <a:fillRect/>
+            </a:stretch>
+          </p:blipFill>
+          <p:spPr>
+            <a:xfrm>
+              <a:off x="759249" y="3920097"/>
+              <a:ext cx="3891450" cy="2004943"/>
+            </a:xfrm>
+            <a:prstGeom prst="rect">
+              <a:avLst/>
+            </a:prstGeom>
+          </p:spPr>
+        </p:pic>
+      </p:grpSp>
+      <p:grpSp>
+        <p:nvGrpSpPr>
+          <p:cNvPr id="51" name="Gruppieren 50">
+            <a:extLst>
+              <a:ext uri="{FF2B5EF4-FFF2-40B4-BE49-F238E27FC236}">
+                <a16:creationId xmlns:a16="http://schemas.microsoft.com/office/drawing/2014/main" id="{50C8CCBF-B37E-4FF8-8495-35FCCC2F5110}"/>
+              </a:ext>
+            </a:extLst>
+          </p:cNvPr>
+          <p:cNvGrpSpPr/>
+          <p:nvPr/>
+        </p:nvGrpSpPr>
+        <p:grpSpPr>
+          <a:xfrm>
+            <a:off x="7107915" y="2358192"/>
+            <a:ext cx="3891450" cy="3566848"/>
+            <a:chOff x="6304112" y="2299020"/>
+            <a:chExt cx="3891450" cy="3566848"/>
+          </a:xfrm>
+        </p:grpSpPr>
+        <p:pic>
+          <p:nvPicPr>
+            <p:cNvPr id="15" name="Grafik 14" descr="Ein Bild, das Text, Uhr enthält.&#10;&#10;Automatisch generierte Beschreibung">
+              <a:extLst>
+                <a:ext uri="{FF2B5EF4-FFF2-40B4-BE49-F238E27FC236}">
+                  <a16:creationId xmlns:a16="http://schemas.microsoft.com/office/drawing/2014/main" id="{37958E1A-0299-4183-A55B-E6D2595F0D60}"/>
+                </a:ext>
+              </a:extLst>
+            </p:cNvPr>
+            <p:cNvPicPr>
+              <a:picLocks noChangeAspect="1"/>
+            </p:cNvPicPr>
+            <p:nvPr/>
+          </p:nvPicPr>
+          <p:blipFill>
+            <a:blip r:embed="rId4"/>
+            <a:stretch>
+              <a:fillRect/>
+            </a:stretch>
+          </p:blipFill>
+          <p:spPr>
+            <a:xfrm>
+              <a:off x="6878409" y="2299020"/>
+              <a:ext cx="2742857" cy="1561905"/>
+            </a:xfrm>
+            <a:prstGeom prst="rect">
+              <a:avLst/>
+            </a:prstGeom>
+          </p:spPr>
+        </p:pic>
+        <p:pic>
+          <p:nvPicPr>
+            <p:cNvPr id="50" name="Grafik 49" descr="Ein Bild, das Text, Gebäude, Kuppel enthält.&#10;&#10;Automatisch generierte Beschreibung">
+              <a:extLst>
+                <a:ext uri="{FF2B5EF4-FFF2-40B4-BE49-F238E27FC236}">
+                  <a16:creationId xmlns:a16="http://schemas.microsoft.com/office/drawing/2014/main" id="{E374ED71-B38C-4CD1-BE9F-BD3130B7F6EC}"/>
+                </a:ext>
+              </a:extLst>
+            </p:cNvPr>
+            <p:cNvPicPr>
+              <a:picLocks noChangeAspect="1"/>
+            </p:cNvPicPr>
+            <p:nvPr/>
+          </p:nvPicPr>
+          <p:blipFill>
+            <a:blip r:embed="rId5"/>
+            <a:stretch>
+              <a:fillRect/>
+            </a:stretch>
+          </p:blipFill>
+          <p:spPr>
+            <a:xfrm>
+              <a:off x="6304112" y="3860925"/>
+              <a:ext cx="3891450" cy="2004943"/>
+            </a:xfrm>
+            <a:prstGeom prst="rect">
+              <a:avLst/>
+            </a:prstGeom>
+          </p:spPr>
+        </p:pic>
+      </p:grpSp>
+    </p:spTree>
+    <p:extLst>
+      <p:ext uri="{BB962C8B-B14F-4D97-AF65-F5344CB8AC3E}">
+        <p14:creationId xmlns:p14="http://schemas.microsoft.com/office/powerpoint/2010/main" val="996947675"/>
+      </p:ext>
+    </p:extLst>
+  </p:cSld>
+  <p:clrMapOvr>
+    <a:masterClrMapping/>
+  </p:clrMapOvr>
+</p:sld>
+</file>
+
+<file path=ppt/slides/slide19.xml><?xml version="1.0" encoding="utf-8"?>
+<p:sld xmlns:a="http://schemas.openxmlformats.org/drawingml/2006/main" xmlns:r="http://schemas.openxmlformats.org/officeDocument/2006/relationships" xmlns:p="http://schemas.openxmlformats.org/presentationml/2006/main">
+  <p:cSld>
+    <p:spTree>
+      <p:nvGrpSpPr>
+        <p:cNvPr id="1" name=""/>
+        <p:cNvGrpSpPr/>
+        <p:nvPr/>
+      </p:nvGrpSpPr>
+      <p:grpSpPr>
+        <a:xfrm>
+          <a:off x="0" y="0"/>
+          <a:ext cx="0" cy="0"/>
+          <a:chOff x="0" y="0"/>
+          <a:chExt cx="0" cy="0"/>
+        </a:xfrm>
+      </p:grpSpPr>
+      <p:sp>
+        <p:nvSpPr>
+          <p:cNvPr id="2" name="Titel 1">
+            <a:extLst>
+              <a:ext uri="{FF2B5EF4-FFF2-40B4-BE49-F238E27FC236}">
+                <a16:creationId xmlns:a16="http://schemas.microsoft.com/office/drawing/2014/main" id="{DB4CB577-98C3-447C-BFE2-3998CC91EDB0}"/>
+              </a:ext>
+            </a:extLst>
+          </p:cNvPr>
+          <p:cNvSpPr>
+            <a:spLocks noGrp="1"/>
+          </p:cNvSpPr>
+          <p:nvPr>
+            <p:ph type="title"/>
+          </p:nvPr>
+        </p:nvSpPr>
+        <p:spPr/>
+        <p:txBody>
+          <a:bodyPr/>
+          <a:lstStyle/>
+          <a:p>
+            <a:r>
+              <a:rPr lang="de-CH" dirty="0"/>
+              <a:t>Input </a:t>
+            </a:r>
+            <a:r>
+              <a:rPr lang="de-CH" dirty="0" err="1"/>
+              <a:t>features</a:t>
+            </a:r>
+            <a:r>
+              <a:rPr lang="de-CH" dirty="0"/>
+              <a:t> + </a:t>
+            </a:r>
+            <a:r>
+              <a:rPr lang="de-CH" dirty="0" err="1"/>
+              <a:t>relevancy</a:t>
+            </a:r>
+            <a:r>
+              <a:rPr lang="de-CH" dirty="0"/>
+              <a:t> </a:t>
+            </a:r>
+            <a:r>
+              <a:rPr lang="de-CH" dirty="0" err="1"/>
+              <a:t>weights</a:t>
+            </a:r>
+            <a:endParaRPr lang="de-CH" dirty="0"/>
+          </a:p>
+        </p:txBody>
+      </p:sp>
+      <p:pic>
+        <p:nvPicPr>
+          <p:cNvPr id="4" name="Grafik 3" descr="Ein Bild, das Text, Uhr enthält.&#10;&#10;Automatisch generierte Beschreibung">
+            <a:extLst>
+              <a:ext uri="{FF2B5EF4-FFF2-40B4-BE49-F238E27FC236}">
+                <a16:creationId xmlns:a16="http://schemas.microsoft.com/office/drawing/2014/main" id="{D0BF583B-6C28-4B7F-97E1-BB3C15A2533C}"/>
+              </a:ext>
+            </a:extLst>
+          </p:cNvPr>
+          <p:cNvPicPr>
+            <a:picLocks noChangeAspect="1"/>
+          </p:cNvPicPr>
+          <p:nvPr/>
+        </p:nvPicPr>
+        <p:blipFill>
+          <a:blip r:embed="rId2"/>
+          <a:stretch>
+            <a:fillRect/>
+          </a:stretch>
+        </p:blipFill>
+        <p:spPr>
+          <a:xfrm>
+            <a:off x="1192637" y="2491542"/>
+            <a:ext cx="3314286" cy="1561905"/>
+          </a:xfrm>
+          <a:prstGeom prst="rect">
+            <a:avLst/>
+          </a:prstGeom>
+        </p:spPr>
+      </p:pic>
+      <p:pic>
+        <p:nvPicPr>
+          <p:cNvPr id="6" name="Grafik 5" descr="Ein Bild, das Text, Gebäude, Kuppel enthält.&#10;&#10;Automatisch generierte Beschreibung">
+            <a:extLst>
+              <a:ext uri="{FF2B5EF4-FFF2-40B4-BE49-F238E27FC236}">
+                <a16:creationId xmlns:a16="http://schemas.microsoft.com/office/drawing/2014/main" id="{2A891427-9009-471D-B305-8E47D5EB10FB}"/>
+              </a:ext>
+            </a:extLst>
+          </p:cNvPr>
+          <p:cNvPicPr>
+            <a:picLocks noChangeAspect="1"/>
+          </p:cNvPicPr>
+          <p:nvPr/>
+        </p:nvPicPr>
+        <p:blipFill>
+          <a:blip r:embed="rId3"/>
+          <a:stretch>
+            <a:fillRect/>
+          </a:stretch>
+        </p:blipFill>
+        <p:spPr>
+          <a:xfrm>
+            <a:off x="904055" y="4186426"/>
+            <a:ext cx="3891450" cy="2004943"/>
+          </a:xfrm>
+          <a:prstGeom prst="rect">
+            <a:avLst/>
+          </a:prstGeom>
+        </p:spPr>
+      </p:pic>
+      <p:pic>
+        <p:nvPicPr>
+          <p:cNvPr id="8" name="Grafik 7" descr="Ein Bild, das Text, Uhr enthält.&#10;&#10;Automatisch generierte Beschreibung">
+            <a:extLst>
+              <a:ext uri="{FF2B5EF4-FFF2-40B4-BE49-F238E27FC236}">
+                <a16:creationId xmlns:a16="http://schemas.microsoft.com/office/drawing/2014/main" id="{250061CF-AD95-4947-B57F-93F9C08E971E}"/>
+              </a:ext>
+            </a:extLst>
+          </p:cNvPr>
+          <p:cNvPicPr>
+            <a:picLocks noChangeAspect="1"/>
+          </p:cNvPicPr>
+          <p:nvPr/>
+        </p:nvPicPr>
+        <p:blipFill>
+          <a:blip r:embed="rId4"/>
+          <a:stretch>
+            <a:fillRect/>
+          </a:stretch>
+        </p:blipFill>
+        <p:spPr>
+          <a:xfrm>
+            <a:off x="5535660" y="2487251"/>
+            <a:ext cx="3885714" cy="1561905"/>
+          </a:xfrm>
+          <a:prstGeom prst="rect">
+            <a:avLst/>
+          </a:prstGeom>
+        </p:spPr>
+      </p:pic>
+      <p:pic>
+        <p:nvPicPr>
+          <p:cNvPr id="11" name="Grafik 10" descr="Ein Bild, das Text, Gebäude, Kuppel enthält.&#10;&#10;Automatisch generierte Beschreibung">
+            <a:extLst>
+              <a:ext uri="{FF2B5EF4-FFF2-40B4-BE49-F238E27FC236}">
+                <a16:creationId xmlns:a16="http://schemas.microsoft.com/office/drawing/2014/main" id="{B86A5713-BDEB-41FD-A338-F28F893AB021}"/>
+              </a:ext>
+            </a:extLst>
+          </p:cNvPr>
+          <p:cNvPicPr>
+            <a:picLocks noChangeAspect="1"/>
+          </p:cNvPicPr>
+          <p:nvPr/>
+        </p:nvPicPr>
+        <p:blipFill>
+          <a:blip r:embed="rId5"/>
+          <a:stretch>
+            <a:fillRect/>
+          </a:stretch>
+        </p:blipFill>
+        <p:spPr>
+          <a:xfrm>
+            <a:off x="5661389" y="4189381"/>
+            <a:ext cx="3885714" cy="2001988"/>
+          </a:xfrm>
+          <a:prstGeom prst="rect">
+            <a:avLst/>
+          </a:prstGeom>
+        </p:spPr>
+      </p:pic>
+    </p:spTree>
+    <p:extLst>
+      <p:ext uri="{BB962C8B-B14F-4D97-AF65-F5344CB8AC3E}">
+        <p14:creationId xmlns:p14="http://schemas.microsoft.com/office/powerpoint/2010/main" val="1779590255"/>
+      </p:ext>
+    </p:extLst>
+  </p:cSld>
+  <p:clrMapOvr>
+    <a:masterClrMapping/>
+  </p:clrMapOvr>
+</p:sld>
+</file>
+
 <file path=ppt/slides/slide2.xml><?xml version="1.0" encoding="utf-8"?>
 <p:sld xmlns:a="http://schemas.openxmlformats.org/drawingml/2006/main" xmlns:r="http://schemas.openxmlformats.org/officeDocument/2006/relationships" xmlns:p="http://schemas.openxmlformats.org/presentationml/2006/main">
   <p:cSld>
@@ -14541,6 +18264,1537 @@
 </p:sld>
 </file>
 
+<file path=ppt/slides/slide20.xml><?xml version="1.0" encoding="utf-8"?>
+<p:sld xmlns:a="http://schemas.openxmlformats.org/drawingml/2006/main" xmlns:r="http://schemas.openxmlformats.org/officeDocument/2006/relationships" xmlns:p="http://schemas.openxmlformats.org/presentationml/2006/main">
+  <p:cSld>
+    <p:spTree>
+      <p:nvGrpSpPr>
+        <p:cNvPr id="1" name=""/>
+        <p:cNvGrpSpPr/>
+        <p:nvPr/>
+      </p:nvGrpSpPr>
+      <p:grpSpPr>
+        <a:xfrm>
+          <a:off x="0" y="0"/>
+          <a:ext cx="0" cy="0"/>
+          <a:chOff x="0" y="0"/>
+          <a:chExt cx="0" cy="0"/>
+        </a:xfrm>
+      </p:grpSpPr>
+      <p:sp>
+        <p:nvSpPr>
+          <p:cNvPr id="2" name="Titel 1">
+            <a:extLst>
+              <a:ext uri="{FF2B5EF4-FFF2-40B4-BE49-F238E27FC236}">
+                <a16:creationId xmlns:a16="http://schemas.microsoft.com/office/drawing/2014/main" id="{DB4CB577-98C3-447C-BFE2-3998CC91EDB0}"/>
+              </a:ext>
+            </a:extLst>
+          </p:cNvPr>
+          <p:cNvSpPr>
+            <a:spLocks noGrp="1"/>
+          </p:cNvSpPr>
+          <p:nvPr>
+            <p:ph type="title"/>
+          </p:nvPr>
+        </p:nvSpPr>
+        <p:spPr/>
+        <p:txBody>
+          <a:bodyPr/>
+          <a:lstStyle/>
+          <a:p>
+            <a:r>
+              <a:rPr lang="de-CH" dirty="0"/>
+              <a:t>Input </a:t>
+            </a:r>
+            <a:r>
+              <a:rPr lang="de-CH" dirty="0" err="1"/>
+              <a:t>features</a:t>
+            </a:r>
+            <a:r>
+              <a:rPr lang="de-CH" dirty="0"/>
+              <a:t> + </a:t>
+            </a:r>
+            <a:r>
+              <a:rPr lang="de-CH" dirty="0" err="1"/>
+              <a:t>relevancy</a:t>
+            </a:r>
+            <a:r>
+              <a:rPr lang="de-CH" dirty="0"/>
+              <a:t> </a:t>
+            </a:r>
+            <a:r>
+              <a:rPr lang="de-CH" dirty="0" err="1"/>
+              <a:t>weights</a:t>
+            </a:r>
+            <a:endParaRPr lang="de-CH" dirty="0"/>
+          </a:p>
+        </p:txBody>
+      </p:sp>
+      <p:pic>
+        <p:nvPicPr>
+          <p:cNvPr id="4" name="Grafik 3" descr="Ein Bild, das Text, Uhr enthält.&#10;&#10;Automatisch generierte Beschreibung">
+            <a:extLst>
+              <a:ext uri="{FF2B5EF4-FFF2-40B4-BE49-F238E27FC236}">
+                <a16:creationId xmlns:a16="http://schemas.microsoft.com/office/drawing/2014/main" id="{D0BF583B-6C28-4B7F-97E1-BB3C15A2533C}"/>
+              </a:ext>
+            </a:extLst>
+          </p:cNvPr>
+          <p:cNvPicPr>
+            <a:picLocks noChangeAspect="1"/>
+          </p:cNvPicPr>
+          <p:nvPr/>
+        </p:nvPicPr>
+        <p:blipFill>
+          <a:blip r:embed="rId2"/>
+          <a:stretch>
+            <a:fillRect/>
+          </a:stretch>
+        </p:blipFill>
+        <p:spPr>
+          <a:xfrm>
+            <a:off x="1192637" y="2491542"/>
+            <a:ext cx="3314286" cy="1561905"/>
+          </a:xfrm>
+          <a:prstGeom prst="rect">
+            <a:avLst/>
+          </a:prstGeom>
+        </p:spPr>
+      </p:pic>
+      <p:pic>
+        <p:nvPicPr>
+          <p:cNvPr id="6" name="Grafik 5" descr="Ein Bild, das Text, Gebäude, Kuppel enthält.&#10;&#10;Automatisch generierte Beschreibung">
+            <a:extLst>
+              <a:ext uri="{FF2B5EF4-FFF2-40B4-BE49-F238E27FC236}">
+                <a16:creationId xmlns:a16="http://schemas.microsoft.com/office/drawing/2014/main" id="{2A891427-9009-471D-B305-8E47D5EB10FB}"/>
+              </a:ext>
+            </a:extLst>
+          </p:cNvPr>
+          <p:cNvPicPr>
+            <a:picLocks noChangeAspect="1"/>
+          </p:cNvPicPr>
+          <p:nvPr/>
+        </p:nvPicPr>
+        <p:blipFill>
+          <a:blip r:embed="rId3"/>
+          <a:stretch>
+            <a:fillRect/>
+          </a:stretch>
+        </p:blipFill>
+        <p:spPr>
+          <a:xfrm>
+            <a:off x="904055" y="4186426"/>
+            <a:ext cx="3891450" cy="2004943"/>
+          </a:xfrm>
+          <a:prstGeom prst="rect">
+            <a:avLst/>
+          </a:prstGeom>
+        </p:spPr>
+      </p:pic>
+      <p:pic>
+        <p:nvPicPr>
+          <p:cNvPr id="8" name="Grafik 7" descr="Ein Bild, das Text, Uhr enthält.&#10;&#10;Automatisch generierte Beschreibung">
+            <a:extLst>
+              <a:ext uri="{FF2B5EF4-FFF2-40B4-BE49-F238E27FC236}">
+                <a16:creationId xmlns:a16="http://schemas.microsoft.com/office/drawing/2014/main" id="{250061CF-AD95-4947-B57F-93F9C08E971E}"/>
+              </a:ext>
+            </a:extLst>
+          </p:cNvPr>
+          <p:cNvPicPr>
+            <a:picLocks noChangeAspect="1"/>
+          </p:cNvPicPr>
+          <p:nvPr/>
+        </p:nvPicPr>
+        <p:blipFill>
+          <a:blip r:embed="rId4"/>
+          <a:stretch>
+            <a:fillRect/>
+          </a:stretch>
+        </p:blipFill>
+        <p:spPr>
+          <a:xfrm>
+            <a:off x="5535660" y="2487251"/>
+            <a:ext cx="3885714" cy="1561905"/>
+          </a:xfrm>
+          <a:prstGeom prst="rect">
+            <a:avLst/>
+          </a:prstGeom>
+        </p:spPr>
+      </p:pic>
+      <p:pic>
+        <p:nvPicPr>
+          <p:cNvPr id="11" name="Grafik 10" descr="Ein Bild, das Text, Gebäude, Kuppel enthält.&#10;&#10;Automatisch generierte Beschreibung">
+            <a:extLst>
+              <a:ext uri="{FF2B5EF4-FFF2-40B4-BE49-F238E27FC236}">
+                <a16:creationId xmlns:a16="http://schemas.microsoft.com/office/drawing/2014/main" id="{B86A5713-BDEB-41FD-A338-F28F893AB021}"/>
+              </a:ext>
+            </a:extLst>
+          </p:cNvPr>
+          <p:cNvPicPr>
+            <a:picLocks noChangeAspect="1"/>
+          </p:cNvPicPr>
+          <p:nvPr/>
+        </p:nvPicPr>
+        <p:blipFill>
+          <a:blip r:embed="rId5"/>
+          <a:stretch>
+            <a:fillRect/>
+          </a:stretch>
+        </p:blipFill>
+        <p:spPr>
+          <a:xfrm>
+            <a:off x="5661389" y="4189381"/>
+            <a:ext cx="3885714" cy="2001988"/>
+          </a:xfrm>
+          <a:prstGeom prst="rect">
+            <a:avLst/>
+          </a:prstGeom>
+        </p:spPr>
+      </p:pic>
+    </p:spTree>
+    <p:extLst>
+      <p:ext uri="{BB962C8B-B14F-4D97-AF65-F5344CB8AC3E}">
+        <p14:creationId xmlns:p14="http://schemas.microsoft.com/office/powerpoint/2010/main" val="1943798859"/>
+      </p:ext>
+    </p:extLst>
+  </p:cSld>
+  <p:clrMapOvr>
+    <a:masterClrMapping/>
+  </p:clrMapOvr>
+</p:sld>
+</file>
+
+<file path=ppt/slides/slide21.xml><?xml version="1.0" encoding="utf-8"?>
+<p:sld xmlns:a="http://schemas.openxmlformats.org/drawingml/2006/main" xmlns:r="http://schemas.openxmlformats.org/officeDocument/2006/relationships" xmlns:p="http://schemas.openxmlformats.org/presentationml/2006/main">
+  <p:cSld>
+    <p:spTree>
+      <p:nvGrpSpPr>
+        <p:cNvPr id="1" name=""/>
+        <p:cNvGrpSpPr/>
+        <p:nvPr/>
+      </p:nvGrpSpPr>
+      <p:grpSpPr>
+        <a:xfrm>
+          <a:off x="0" y="0"/>
+          <a:ext cx="0" cy="0"/>
+          <a:chOff x="0" y="0"/>
+          <a:chExt cx="0" cy="0"/>
+        </a:xfrm>
+      </p:grpSpPr>
+      <p:sp>
+        <p:nvSpPr>
+          <p:cNvPr id="2" name="Titel 1">
+            <a:extLst>
+              <a:ext uri="{FF2B5EF4-FFF2-40B4-BE49-F238E27FC236}">
+                <a16:creationId xmlns:a16="http://schemas.microsoft.com/office/drawing/2014/main" id="{DB4CB577-98C3-447C-BFE2-3998CC91EDB0}"/>
+              </a:ext>
+            </a:extLst>
+          </p:cNvPr>
+          <p:cNvSpPr>
+            <a:spLocks noGrp="1"/>
+          </p:cNvSpPr>
+          <p:nvPr>
+            <p:ph type="title"/>
+          </p:nvPr>
+        </p:nvSpPr>
+        <p:spPr/>
+        <p:txBody>
+          <a:bodyPr/>
+          <a:lstStyle/>
+          <a:p>
+            <a:r>
+              <a:rPr lang="de-CH" dirty="0" err="1"/>
+              <a:t>Evaluated</a:t>
+            </a:r>
+            <a:r>
+              <a:rPr lang="de-CH" dirty="0"/>
+              <a:t> </a:t>
+            </a:r>
+            <a:r>
+              <a:rPr lang="de-CH" dirty="0" err="1"/>
+              <a:t>models</a:t>
+            </a:r>
+            <a:r>
+              <a:rPr lang="de-CH" dirty="0"/>
+              <a:t> </a:t>
+            </a:r>
+            <a:r>
+              <a:rPr lang="de-CH" dirty="0" err="1"/>
+              <a:t>using</a:t>
+            </a:r>
+            <a:r>
+              <a:rPr lang="de-CH" dirty="0"/>
+              <a:t> IRIS (4f, 3c)</a:t>
+            </a:r>
+          </a:p>
+        </p:txBody>
+      </p:sp>
+      <p:pic>
+        <p:nvPicPr>
+          <p:cNvPr id="5" name="Grafik 4" descr="Ein Bild, das Text, Uhr enthält.&#10;&#10;Automatisch generierte Beschreibung">
+            <a:extLst>
+              <a:ext uri="{FF2B5EF4-FFF2-40B4-BE49-F238E27FC236}">
+                <a16:creationId xmlns:a16="http://schemas.microsoft.com/office/drawing/2014/main" id="{B7DAF283-FA93-40B6-BB64-82FB1777BCDF}"/>
+              </a:ext>
+            </a:extLst>
+          </p:cNvPr>
+          <p:cNvPicPr>
+            <a:picLocks noChangeAspect="1"/>
+          </p:cNvPicPr>
+          <p:nvPr/>
+        </p:nvPicPr>
+        <p:blipFill>
+          <a:blip r:embed="rId2"/>
+          <a:stretch>
+            <a:fillRect/>
+          </a:stretch>
+        </p:blipFill>
+        <p:spPr>
+          <a:xfrm>
+            <a:off x="3061044" y="3724337"/>
+            <a:ext cx="5498412" cy="990476"/>
+          </a:xfrm>
+          <a:prstGeom prst="rect">
+            <a:avLst/>
+          </a:prstGeom>
+        </p:spPr>
+      </p:pic>
+      <p:sp>
+        <p:nvSpPr>
+          <p:cNvPr id="10" name="Textfeld 9">
+            <a:extLst>
+              <a:ext uri="{FF2B5EF4-FFF2-40B4-BE49-F238E27FC236}">
+                <a16:creationId xmlns:a16="http://schemas.microsoft.com/office/drawing/2014/main" id="{7A9299DA-D91F-4E8E-A7AF-3090CE7B12DD}"/>
+              </a:ext>
+            </a:extLst>
+          </p:cNvPr>
+          <p:cNvSpPr txBox="1"/>
+          <p:nvPr/>
+        </p:nvSpPr>
+        <p:spPr>
+          <a:xfrm>
+            <a:off x="3400425" y="4714813"/>
+            <a:ext cx="6096000" cy="369332"/>
+          </a:xfrm>
+          <a:prstGeom prst="rect">
+            <a:avLst/>
+          </a:prstGeom>
+          <a:noFill/>
+        </p:spPr>
+        <p:txBody>
+          <a:bodyPr wrap="square">
+            <a:spAutoFit/>
+          </a:bodyPr>
+          <a:lstStyle/>
+          <a:p>
+            <a:r>
+              <a:rPr lang="de-CH" b="0" i="0" dirty="0" err="1">
+                <a:effectLst/>
+                <a:latin typeface="Consolas" panose="020B0609020204030204" pitchFamily="49" charset="0"/>
+              </a:rPr>
+              <a:t>Accuracy</a:t>
+            </a:r>
+            <a:r>
+              <a:rPr lang="de-CH" b="0" i="0" dirty="0">
+                <a:effectLst/>
+                <a:latin typeface="Consolas" panose="020B0609020204030204" pitchFamily="49" charset="0"/>
+              </a:rPr>
+              <a:t>:</a:t>
+            </a:r>
+            <a:r>
+              <a:rPr lang="de-CH" b="0" i="0" dirty="0">
+                <a:solidFill>
+                  <a:srgbClr val="CCCCCC"/>
+                </a:solidFill>
+                <a:effectLst/>
+                <a:latin typeface="Consolas" panose="020B0609020204030204" pitchFamily="49" charset="0"/>
+              </a:rPr>
+              <a:t> </a:t>
+            </a:r>
+            <a:r>
+              <a:rPr lang="de-CH" b="0" i="0" dirty="0">
+                <a:effectLst/>
+                <a:latin typeface="Consolas" panose="020B0609020204030204" pitchFamily="49" charset="0"/>
+              </a:rPr>
+              <a:t>0.5466666666666666</a:t>
+            </a:r>
+            <a:endParaRPr lang="de-CH" dirty="0"/>
+          </a:p>
+        </p:txBody>
+      </p:sp>
+    </p:spTree>
+    <p:extLst>
+      <p:ext uri="{BB962C8B-B14F-4D97-AF65-F5344CB8AC3E}">
+        <p14:creationId xmlns:p14="http://schemas.microsoft.com/office/powerpoint/2010/main" val="170361648"/>
+      </p:ext>
+    </p:extLst>
+  </p:cSld>
+  <p:clrMapOvr>
+    <a:masterClrMapping/>
+  </p:clrMapOvr>
+</p:sld>
+</file>
+
+<file path=ppt/slides/slide22.xml><?xml version="1.0" encoding="utf-8"?>
+<p:sld xmlns:a="http://schemas.openxmlformats.org/drawingml/2006/main" xmlns:r="http://schemas.openxmlformats.org/officeDocument/2006/relationships" xmlns:p="http://schemas.openxmlformats.org/presentationml/2006/main">
+  <p:cSld>
+    <p:spTree>
+      <p:nvGrpSpPr>
+        <p:cNvPr id="1" name=""/>
+        <p:cNvGrpSpPr/>
+        <p:nvPr/>
+      </p:nvGrpSpPr>
+      <p:grpSpPr>
+        <a:xfrm>
+          <a:off x="0" y="0"/>
+          <a:ext cx="0" cy="0"/>
+          <a:chOff x="0" y="0"/>
+          <a:chExt cx="0" cy="0"/>
+        </a:xfrm>
+      </p:grpSpPr>
+      <p:sp>
+        <p:nvSpPr>
+          <p:cNvPr id="2" name="Titel 1">
+            <a:extLst>
+              <a:ext uri="{FF2B5EF4-FFF2-40B4-BE49-F238E27FC236}">
+                <a16:creationId xmlns:a16="http://schemas.microsoft.com/office/drawing/2014/main" id="{DB4CB577-98C3-447C-BFE2-3998CC91EDB0}"/>
+              </a:ext>
+            </a:extLst>
+          </p:cNvPr>
+          <p:cNvSpPr>
+            <a:spLocks noGrp="1"/>
+          </p:cNvSpPr>
+          <p:nvPr>
+            <p:ph type="title"/>
+          </p:nvPr>
+        </p:nvSpPr>
+        <p:spPr/>
+        <p:txBody>
+          <a:bodyPr/>
+          <a:lstStyle/>
+          <a:p>
+            <a:r>
+              <a:rPr lang="de-CH" dirty="0" err="1"/>
+              <a:t>Evaluated</a:t>
+            </a:r>
+            <a:r>
+              <a:rPr lang="de-CH" dirty="0"/>
+              <a:t> </a:t>
+            </a:r>
+            <a:r>
+              <a:rPr lang="de-CH" dirty="0" err="1"/>
+              <a:t>models</a:t>
+            </a:r>
+            <a:r>
+              <a:rPr lang="de-CH" dirty="0"/>
+              <a:t> </a:t>
+            </a:r>
+            <a:r>
+              <a:rPr lang="de-CH" dirty="0" err="1"/>
+              <a:t>using</a:t>
+            </a:r>
+            <a:r>
+              <a:rPr lang="de-CH" dirty="0"/>
+              <a:t> IRIS (4f, 3c)</a:t>
+            </a:r>
+          </a:p>
+        </p:txBody>
+      </p:sp>
+      <p:sp>
+        <p:nvSpPr>
+          <p:cNvPr id="10" name="Textfeld 9">
+            <a:extLst>
+              <a:ext uri="{FF2B5EF4-FFF2-40B4-BE49-F238E27FC236}">
+                <a16:creationId xmlns:a16="http://schemas.microsoft.com/office/drawing/2014/main" id="{7A9299DA-D91F-4E8E-A7AF-3090CE7B12DD}"/>
+              </a:ext>
+            </a:extLst>
+          </p:cNvPr>
+          <p:cNvSpPr txBox="1"/>
+          <p:nvPr/>
+        </p:nvSpPr>
+        <p:spPr>
+          <a:xfrm>
+            <a:off x="3457575" y="4564582"/>
+            <a:ext cx="6096000" cy="369332"/>
+          </a:xfrm>
+          <a:prstGeom prst="rect">
+            <a:avLst/>
+          </a:prstGeom>
+          <a:noFill/>
+        </p:spPr>
+        <p:txBody>
+          <a:bodyPr wrap="square">
+            <a:spAutoFit/>
+          </a:bodyPr>
+          <a:lstStyle/>
+          <a:p>
+            <a:r>
+              <a:rPr lang="de-CH" b="0" i="0" dirty="0" err="1">
+                <a:effectLst/>
+                <a:latin typeface="Consolas" panose="020B0609020204030204" pitchFamily="49" charset="0"/>
+              </a:rPr>
+              <a:t>Accuracy</a:t>
+            </a:r>
+            <a:r>
+              <a:rPr lang="de-CH" b="0" i="0" dirty="0">
+                <a:effectLst/>
+                <a:latin typeface="Consolas" panose="020B0609020204030204" pitchFamily="49" charset="0"/>
+              </a:rPr>
+              <a:t>: 0.6933333333333334</a:t>
+            </a:r>
+            <a:endParaRPr lang="de-CH" dirty="0"/>
+          </a:p>
+        </p:txBody>
+      </p:sp>
+      <p:pic>
+        <p:nvPicPr>
+          <p:cNvPr id="4" name="Grafik 3" descr="Ein Bild, das Text, ClipArt enthält.&#10;&#10;Automatisch generierte Beschreibung">
+            <a:extLst>
+              <a:ext uri="{FF2B5EF4-FFF2-40B4-BE49-F238E27FC236}">
+                <a16:creationId xmlns:a16="http://schemas.microsoft.com/office/drawing/2014/main" id="{CF7C8BB3-51CB-4D6E-A960-FBE50B251B29}"/>
+              </a:ext>
+            </a:extLst>
+          </p:cNvPr>
+          <p:cNvPicPr>
+            <a:picLocks noChangeAspect="1"/>
+          </p:cNvPicPr>
+          <p:nvPr/>
+        </p:nvPicPr>
+        <p:blipFill>
+          <a:blip r:embed="rId2"/>
+          <a:stretch>
+            <a:fillRect/>
+          </a:stretch>
+        </p:blipFill>
+        <p:spPr>
+          <a:xfrm>
+            <a:off x="3878517" y="3002677"/>
+            <a:ext cx="3314286" cy="1561905"/>
+          </a:xfrm>
+          <a:prstGeom prst="rect">
+            <a:avLst/>
+          </a:prstGeom>
+        </p:spPr>
+      </p:pic>
+    </p:spTree>
+    <p:extLst>
+      <p:ext uri="{BB962C8B-B14F-4D97-AF65-F5344CB8AC3E}">
+        <p14:creationId xmlns:p14="http://schemas.microsoft.com/office/powerpoint/2010/main" val="1272385291"/>
+      </p:ext>
+    </p:extLst>
+  </p:cSld>
+  <p:clrMapOvr>
+    <a:masterClrMapping/>
+  </p:clrMapOvr>
+</p:sld>
+</file>
+
+<file path=ppt/slides/slide23.xml><?xml version="1.0" encoding="utf-8"?>
+<p:sld xmlns:a="http://schemas.openxmlformats.org/drawingml/2006/main" xmlns:r="http://schemas.openxmlformats.org/officeDocument/2006/relationships" xmlns:p="http://schemas.openxmlformats.org/presentationml/2006/main">
+  <p:cSld>
+    <p:spTree>
+      <p:nvGrpSpPr>
+        <p:cNvPr id="1" name=""/>
+        <p:cNvGrpSpPr/>
+        <p:nvPr/>
+      </p:nvGrpSpPr>
+      <p:grpSpPr>
+        <a:xfrm>
+          <a:off x="0" y="0"/>
+          <a:ext cx="0" cy="0"/>
+          <a:chOff x="0" y="0"/>
+          <a:chExt cx="0" cy="0"/>
+        </a:xfrm>
+      </p:grpSpPr>
+      <p:sp>
+        <p:nvSpPr>
+          <p:cNvPr id="2" name="Titel 1">
+            <a:extLst>
+              <a:ext uri="{FF2B5EF4-FFF2-40B4-BE49-F238E27FC236}">
+                <a16:creationId xmlns:a16="http://schemas.microsoft.com/office/drawing/2014/main" id="{DB4CB577-98C3-447C-BFE2-3998CC91EDB0}"/>
+              </a:ext>
+            </a:extLst>
+          </p:cNvPr>
+          <p:cNvSpPr>
+            <a:spLocks noGrp="1"/>
+          </p:cNvSpPr>
+          <p:nvPr>
+            <p:ph type="title"/>
+          </p:nvPr>
+        </p:nvSpPr>
+        <p:spPr/>
+        <p:txBody>
+          <a:bodyPr/>
+          <a:lstStyle/>
+          <a:p>
+            <a:r>
+              <a:rPr lang="de-CH" dirty="0" err="1"/>
+              <a:t>Evaluated</a:t>
+            </a:r>
+            <a:r>
+              <a:rPr lang="de-CH" dirty="0"/>
+              <a:t> </a:t>
+            </a:r>
+            <a:r>
+              <a:rPr lang="de-CH" dirty="0" err="1"/>
+              <a:t>models</a:t>
+            </a:r>
+            <a:r>
+              <a:rPr lang="de-CH" dirty="0"/>
+              <a:t> </a:t>
+            </a:r>
+            <a:r>
+              <a:rPr lang="de-CH" dirty="0" err="1"/>
+              <a:t>using</a:t>
+            </a:r>
+            <a:r>
+              <a:rPr lang="de-CH" dirty="0"/>
+              <a:t> IRIS (4f, 3c)</a:t>
+            </a:r>
+          </a:p>
+        </p:txBody>
+      </p:sp>
+      <p:sp>
+        <p:nvSpPr>
+          <p:cNvPr id="10" name="Textfeld 9">
+            <a:extLst>
+              <a:ext uri="{FF2B5EF4-FFF2-40B4-BE49-F238E27FC236}">
+                <a16:creationId xmlns:a16="http://schemas.microsoft.com/office/drawing/2014/main" id="{7A9299DA-D91F-4E8E-A7AF-3090CE7B12DD}"/>
+              </a:ext>
+            </a:extLst>
+          </p:cNvPr>
+          <p:cNvSpPr txBox="1"/>
+          <p:nvPr/>
+        </p:nvSpPr>
+        <p:spPr>
+          <a:xfrm>
+            <a:off x="3457575" y="4564582"/>
+            <a:ext cx="6096000" cy="369332"/>
+          </a:xfrm>
+          <a:prstGeom prst="rect">
+            <a:avLst/>
+          </a:prstGeom>
+          <a:noFill/>
+        </p:spPr>
+        <p:txBody>
+          <a:bodyPr wrap="square">
+            <a:spAutoFit/>
+          </a:bodyPr>
+          <a:lstStyle/>
+          <a:p>
+            <a:r>
+              <a:rPr lang="de-CH" dirty="0" err="1">
+                <a:latin typeface="Consolas" panose="020B0609020204030204" pitchFamily="49" charset="0"/>
+              </a:rPr>
+              <a:t>Accuracy</a:t>
+            </a:r>
+            <a:r>
+              <a:rPr lang="de-CH" b="0" i="0" dirty="0">
+                <a:effectLst/>
+                <a:latin typeface="Consolas" panose="020B0609020204030204" pitchFamily="49" charset="0"/>
+              </a:rPr>
+              <a:t>: 0.66</a:t>
+            </a:r>
+            <a:endParaRPr lang="de-CH" dirty="0"/>
+          </a:p>
+        </p:txBody>
+      </p:sp>
+      <p:pic>
+        <p:nvPicPr>
+          <p:cNvPr id="5" name="Grafik 4" descr="Ein Bild, das Text, Uhr enthält.&#10;&#10;Automatisch generierte Beschreibung">
+            <a:extLst>
+              <a:ext uri="{FF2B5EF4-FFF2-40B4-BE49-F238E27FC236}">
+                <a16:creationId xmlns:a16="http://schemas.microsoft.com/office/drawing/2014/main" id="{D8780A5E-E6E9-4B5E-B59B-88FFE72D680A}"/>
+              </a:ext>
+            </a:extLst>
+          </p:cNvPr>
+          <p:cNvPicPr>
+            <a:picLocks noChangeAspect="1"/>
+          </p:cNvPicPr>
+          <p:nvPr/>
+        </p:nvPicPr>
+        <p:blipFill>
+          <a:blip r:embed="rId2"/>
+          <a:stretch>
+            <a:fillRect/>
+          </a:stretch>
+        </p:blipFill>
+        <p:spPr>
+          <a:xfrm>
+            <a:off x="3015025" y="3002677"/>
+            <a:ext cx="5041270" cy="1561905"/>
+          </a:xfrm>
+          <a:prstGeom prst="rect">
+            <a:avLst/>
+          </a:prstGeom>
+        </p:spPr>
+      </p:pic>
+    </p:spTree>
+    <p:extLst>
+      <p:ext uri="{BB962C8B-B14F-4D97-AF65-F5344CB8AC3E}">
+        <p14:creationId xmlns:p14="http://schemas.microsoft.com/office/powerpoint/2010/main" val="3250768069"/>
+      </p:ext>
+    </p:extLst>
+  </p:cSld>
+  <p:clrMapOvr>
+    <a:masterClrMapping/>
+  </p:clrMapOvr>
+</p:sld>
+</file>
+
+<file path=ppt/slides/slide24.xml><?xml version="1.0" encoding="utf-8"?>
+<p:sld xmlns:a="http://schemas.openxmlformats.org/drawingml/2006/main" xmlns:r="http://schemas.openxmlformats.org/officeDocument/2006/relationships" xmlns:p="http://schemas.openxmlformats.org/presentationml/2006/main">
+  <p:cSld>
+    <p:spTree>
+      <p:nvGrpSpPr>
+        <p:cNvPr id="1" name=""/>
+        <p:cNvGrpSpPr/>
+        <p:nvPr/>
+      </p:nvGrpSpPr>
+      <p:grpSpPr>
+        <a:xfrm>
+          <a:off x="0" y="0"/>
+          <a:ext cx="0" cy="0"/>
+          <a:chOff x="0" y="0"/>
+          <a:chExt cx="0" cy="0"/>
+        </a:xfrm>
+      </p:grpSpPr>
+      <p:sp>
+        <p:nvSpPr>
+          <p:cNvPr id="2" name="Titel 1">
+            <a:extLst>
+              <a:ext uri="{FF2B5EF4-FFF2-40B4-BE49-F238E27FC236}">
+                <a16:creationId xmlns:a16="http://schemas.microsoft.com/office/drawing/2014/main" id="{DB4CB577-98C3-447C-BFE2-3998CC91EDB0}"/>
+              </a:ext>
+            </a:extLst>
+          </p:cNvPr>
+          <p:cNvSpPr>
+            <a:spLocks noGrp="1"/>
+          </p:cNvSpPr>
+          <p:nvPr>
+            <p:ph type="title"/>
+          </p:nvPr>
+        </p:nvSpPr>
+        <p:spPr/>
+        <p:txBody>
+          <a:bodyPr/>
+          <a:lstStyle/>
+          <a:p>
+            <a:r>
+              <a:rPr lang="de-CH" dirty="0" err="1"/>
+              <a:t>Evaluated</a:t>
+            </a:r>
+            <a:r>
+              <a:rPr lang="de-CH" dirty="0"/>
+              <a:t> </a:t>
+            </a:r>
+            <a:r>
+              <a:rPr lang="de-CH" dirty="0" err="1"/>
+              <a:t>models</a:t>
+            </a:r>
+            <a:r>
+              <a:rPr lang="de-CH" dirty="0"/>
+              <a:t> </a:t>
+            </a:r>
+            <a:r>
+              <a:rPr lang="de-CH" dirty="0" err="1"/>
+              <a:t>using</a:t>
+            </a:r>
+            <a:r>
+              <a:rPr lang="de-CH" dirty="0"/>
+              <a:t> IRIS (4f, 3c)</a:t>
+            </a:r>
+          </a:p>
+        </p:txBody>
+      </p:sp>
+      <p:sp>
+        <p:nvSpPr>
+          <p:cNvPr id="10" name="Textfeld 9">
+            <a:extLst>
+              <a:ext uri="{FF2B5EF4-FFF2-40B4-BE49-F238E27FC236}">
+                <a16:creationId xmlns:a16="http://schemas.microsoft.com/office/drawing/2014/main" id="{7A9299DA-D91F-4E8E-A7AF-3090CE7B12DD}"/>
+              </a:ext>
+            </a:extLst>
+          </p:cNvPr>
+          <p:cNvSpPr txBox="1"/>
+          <p:nvPr/>
+        </p:nvSpPr>
+        <p:spPr>
+          <a:xfrm>
+            <a:off x="3324225" y="5515000"/>
+            <a:ext cx="6096000" cy="369332"/>
+          </a:xfrm>
+          <a:prstGeom prst="rect">
+            <a:avLst/>
+          </a:prstGeom>
+          <a:noFill/>
+        </p:spPr>
+        <p:txBody>
+          <a:bodyPr wrap="square">
+            <a:spAutoFit/>
+          </a:bodyPr>
+          <a:lstStyle/>
+          <a:p>
+            <a:r>
+              <a:rPr lang="de-CH" dirty="0" err="1">
+                <a:latin typeface="Consolas" panose="020B0609020204030204" pitchFamily="49" charset="0"/>
+              </a:rPr>
+              <a:t>Accuracy</a:t>
+            </a:r>
+            <a:r>
+              <a:rPr lang="de-CH" b="0" i="0" dirty="0">
+                <a:effectLst/>
+                <a:latin typeface="Consolas" panose="020B0609020204030204" pitchFamily="49" charset="0"/>
+              </a:rPr>
+              <a:t>: 0.7733333333333333</a:t>
+            </a:r>
+            <a:endParaRPr lang="de-CH" dirty="0"/>
+          </a:p>
+        </p:txBody>
+      </p:sp>
+      <p:pic>
+        <p:nvPicPr>
+          <p:cNvPr id="4" name="Grafik 3">
+            <a:extLst>
+              <a:ext uri="{FF2B5EF4-FFF2-40B4-BE49-F238E27FC236}">
+                <a16:creationId xmlns:a16="http://schemas.microsoft.com/office/drawing/2014/main" id="{FEED0E3E-C2E5-4CC8-98AA-42AA4149798D}"/>
+              </a:ext>
+            </a:extLst>
+          </p:cNvPr>
+          <p:cNvPicPr>
+            <a:picLocks noChangeAspect="1"/>
+          </p:cNvPicPr>
+          <p:nvPr/>
+        </p:nvPicPr>
+        <p:blipFill>
+          <a:blip r:embed="rId2"/>
+          <a:stretch>
+            <a:fillRect/>
+          </a:stretch>
+        </p:blipFill>
+        <p:spPr>
+          <a:xfrm>
+            <a:off x="5016635" y="2527470"/>
+            <a:ext cx="2158730" cy="2717460"/>
+          </a:xfrm>
+          <a:prstGeom prst="rect">
+            <a:avLst/>
+          </a:prstGeom>
+        </p:spPr>
+      </p:pic>
+    </p:spTree>
+    <p:extLst>
+      <p:ext uri="{BB962C8B-B14F-4D97-AF65-F5344CB8AC3E}">
+        <p14:creationId xmlns:p14="http://schemas.microsoft.com/office/powerpoint/2010/main" val="369097958"/>
+      </p:ext>
+    </p:extLst>
+  </p:cSld>
+  <p:clrMapOvr>
+    <a:masterClrMapping/>
+  </p:clrMapOvr>
+</p:sld>
+</file>
+
+<file path=ppt/slides/slide25.xml><?xml version="1.0" encoding="utf-8"?>
+<p:sld xmlns:a="http://schemas.openxmlformats.org/drawingml/2006/main" xmlns:r="http://schemas.openxmlformats.org/officeDocument/2006/relationships" xmlns:p="http://schemas.openxmlformats.org/presentationml/2006/main">
+  <p:cSld>
+    <p:spTree>
+      <p:nvGrpSpPr>
+        <p:cNvPr id="1" name=""/>
+        <p:cNvGrpSpPr/>
+        <p:nvPr/>
+      </p:nvGrpSpPr>
+      <p:grpSpPr>
+        <a:xfrm>
+          <a:off x="0" y="0"/>
+          <a:ext cx="0" cy="0"/>
+          <a:chOff x="0" y="0"/>
+          <a:chExt cx="0" cy="0"/>
+        </a:xfrm>
+      </p:grpSpPr>
+      <p:sp>
+        <p:nvSpPr>
+          <p:cNvPr id="2" name="Titel 1">
+            <a:extLst>
+              <a:ext uri="{FF2B5EF4-FFF2-40B4-BE49-F238E27FC236}">
+                <a16:creationId xmlns:a16="http://schemas.microsoft.com/office/drawing/2014/main" id="{DB4CB577-98C3-447C-BFE2-3998CC91EDB0}"/>
+              </a:ext>
+            </a:extLst>
+          </p:cNvPr>
+          <p:cNvSpPr>
+            <a:spLocks noGrp="1"/>
+          </p:cNvSpPr>
+          <p:nvPr>
+            <p:ph type="title"/>
+          </p:nvPr>
+        </p:nvSpPr>
+        <p:spPr/>
+        <p:txBody>
+          <a:bodyPr/>
+          <a:lstStyle/>
+          <a:p>
+            <a:r>
+              <a:rPr lang="de-CH" dirty="0" err="1"/>
+              <a:t>Evaluated</a:t>
+            </a:r>
+            <a:r>
+              <a:rPr lang="de-CH" dirty="0"/>
+              <a:t> </a:t>
+            </a:r>
+            <a:r>
+              <a:rPr lang="de-CH" dirty="0" err="1"/>
+              <a:t>models</a:t>
+            </a:r>
+            <a:r>
+              <a:rPr lang="de-CH" dirty="0"/>
+              <a:t> </a:t>
+            </a:r>
+            <a:r>
+              <a:rPr lang="de-CH" dirty="0" err="1"/>
+              <a:t>using</a:t>
+            </a:r>
+            <a:r>
+              <a:rPr lang="de-CH" dirty="0"/>
+              <a:t> IRIS (4f, 3c)</a:t>
+            </a:r>
+          </a:p>
+        </p:txBody>
+      </p:sp>
+      <p:sp>
+        <p:nvSpPr>
+          <p:cNvPr id="10" name="Textfeld 9">
+            <a:extLst>
+              <a:ext uri="{FF2B5EF4-FFF2-40B4-BE49-F238E27FC236}">
+                <a16:creationId xmlns:a16="http://schemas.microsoft.com/office/drawing/2014/main" id="{7A9299DA-D91F-4E8E-A7AF-3090CE7B12DD}"/>
+              </a:ext>
+            </a:extLst>
+          </p:cNvPr>
+          <p:cNvSpPr txBox="1"/>
+          <p:nvPr/>
+        </p:nvSpPr>
+        <p:spPr>
+          <a:xfrm>
+            <a:off x="3324225" y="5515000"/>
+            <a:ext cx="6096000" cy="369332"/>
+          </a:xfrm>
+          <a:prstGeom prst="rect">
+            <a:avLst/>
+          </a:prstGeom>
+          <a:noFill/>
+        </p:spPr>
+        <p:txBody>
+          <a:bodyPr wrap="square">
+            <a:spAutoFit/>
+          </a:bodyPr>
+          <a:lstStyle/>
+          <a:p>
+            <a:r>
+              <a:rPr lang="de-CH" dirty="0" err="1">
+                <a:latin typeface="Consolas" panose="020B0609020204030204" pitchFamily="49" charset="0"/>
+              </a:rPr>
+              <a:t>Accuracy</a:t>
+            </a:r>
+            <a:r>
+              <a:rPr lang="de-CH" b="0" i="0" dirty="0">
+                <a:effectLst/>
+                <a:latin typeface="Consolas" panose="020B0609020204030204" pitchFamily="49" charset="0"/>
+              </a:rPr>
+              <a:t>: 0.8466666666666667</a:t>
+            </a:r>
+            <a:endParaRPr lang="de-CH" dirty="0"/>
+          </a:p>
+        </p:txBody>
+      </p:sp>
+      <p:pic>
+        <p:nvPicPr>
+          <p:cNvPr id="7" name="Grafik 6">
+            <a:extLst>
+              <a:ext uri="{FF2B5EF4-FFF2-40B4-BE49-F238E27FC236}">
+                <a16:creationId xmlns:a16="http://schemas.microsoft.com/office/drawing/2014/main" id="{37DB1638-E497-4B45-AABD-2D6BC206B821}"/>
+              </a:ext>
+            </a:extLst>
+          </p:cNvPr>
+          <p:cNvPicPr>
+            <a:picLocks noChangeAspect="1"/>
+          </p:cNvPicPr>
+          <p:nvPr/>
+        </p:nvPicPr>
+        <p:blipFill>
+          <a:blip r:embed="rId2"/>
+          <a:stretch>
+            <a:fillRect/>
+          </a:stretch>
+        </p:blipFill>
+        <p:spPr>
+          <a:xfrm>
+            <a:off x="2540387" y="2613195"/>
+            <a:ext cx="6196825" cy="2717460"/>
+          </a:xfrm>
+          <a:prstGeom prst="rect">
+            <a:avLst/>
+          </a:prstGeom>
+        </p:spPr>
+      </p:pic>
+    </p:spTree>
+    <p:extLst>
+      <p:ext uri="{BB962C8B-B14F-4D97-AF65-F5344CB8AC3E}">
+        <p14:creationId xmlns:p14="http://schemas.microsoft.com/office/powerpoint/2010/main" val="2143309520"/>
+      </p:ext>
+    </p:extLst>
+  </p:cSld>
+  <p:clrMapOvr>
+    <a:masterClrMapping/>
+  </p:clrMapOvr>
+</p:sld>
+</file>
+
+<file path=ppt/slides/slide26.xml><?xml version="1.0" encoding="utf-8"?>
+<p:sld xmlns:a="http://schemas.openxmlformats.org/drawingml/2006/main" xmlns:r="http://schemas.openxmlformats.org/officeDocument/2006/relationships" xmlns:p="http://schemas.openxmlformats.org/presentationml/2006/main">
+  <p:cSld>
+    <p:spTree>
+      <p:nvGrpSpPr>
+        <p:cNvPr id="1" name=""/>
+        <p:cNvGrpSpPr/>
+        <p:nvPr/>
+      </p:nvGrpSpPr>
+      <p:grpSpPr>
+        <a:xfrm>
+          <a:off x="0" y="0"/>
+          <a:ext cx="0" cy="0"/>
+          <a:chOff x="0" y="0"/>
+          <a:chExt cx="0" cy="0"/>
+        </a:xfrm>
+      </p:grpSpPr>
+      <p:sp>
+        <p:nvSpPr>
+          <p:cNvPr id="2" name="Titel 1">
+            <a:extLst>
+              <a:ext uri="{FF2B5EF4-FFF2-40B4-BE49-F238E27FC236}">
+                <a16:creationId xmlns:a16="http://schemas.microsoft.com/office/drawing/2014/main" id="{DB4CB577-98C3-447C-BFE2-3998CC91EDB0}"/>
+              </a:ext>
+            </a:extLst>
+          </p:cNvPr>
+          <p:cNvSpPr>
+            <a:spLocks noGrp="1"/>
+          </p:cNvSpPr>
+          <p:nvPr>
+            <p:ph type="title"/>
+          </p:nvPr>
+        </p:nvSpPr>
+        <p:spPr/>
+        <p:txBody>
+          <a:bodyPr/>
+          <a:lstStyle/>
+          <a:p>
+            <a:r>
+              <a:rPr lang="de-CH" dirty="0" err="1"/>
+              <a:t>Evaluated</a:t>
+            </a:r>
+            <a:r>
+              <a:rPr lang="de-CH" dirty="0"/>
+              <a:t> </a:t>
+            </a:r>
+            <a:r>
+              <a:rPr lang="de-CH" dirty="0" err="1"/>
+              <a:t>models</a:t>
+            </a:r>
+            <a:r>
+              <a:rPr lang="de-CH" dirty="0"/>
+              <a:t> </a:t>
+            </a:r>
+            <a:r>
+              <a:rPr lang="de-CH" dirty="0" err="1"/>
+              <a:t>using</a:t>
+            </a:r>
+            <a:r>
+              <a:rPr lang="de-CH" dirty="0"/>
+              <a:t> IRIS (4f, 3c)</a:t>
+            </a:r>
+          </a:p>
+        </p:txBody>
+      </p:sp>
+      <p:sp>
+        <p:nvSpPr>
+          <p:cNvPr id="10" name="Textfeld 9">
+            <a:extLst>
+              <a:ext uri="{FF2B5EF4-FFF2-40B4-BE49-F238E27FC236}">
+                <a16:creationId xmlns:a16="http://schemas.microsoft.com/office/drawing/2014/main" id="{7A9299DA-D91F-4E8E-A7AF-3090CE7B12DD}"/>
+              </a:ext>
+            </a:extLst>
+          </p:cNvPr>
+          <p:cNvSpPr txBox="1"/>
+          <p:nvPr/>
+        </p:nvSpPr>
+        <p:spPr>
+          <a:xfrm>
+            <a:off x="3324225" y="5515000"/>
+            <a:ext cx="6096000" cy="369332"/>
+          </a:xfrm>
+          <a:prstGeom prst="rect">
+            <a:avLst/>
+          </a:prstGeom>
+          <a:noFill/>
+        </p:spPr>
+        <p:txBody>
+          <a:bodyPr wrap="square">
+            <a:spAutoFit/>
+          </a:bodyPr>
+          <a:lstStyle/>
+          <a:p>
+            <a:r>
+              <a:rPr lang="de-CH" dirty="0" err="1">
+                <a:latin typeface="Consolas" panose="020B0609020204030204" pitchFamily="49" charset="0"/>
+              </a:rPr>
+              <a:t>Accuracy</a:t>
+            </a:r>
+            <a:r>
+              <a:rPr lang="de-CH" b="0" i="0" dirty="0">
+                <a:effectLst/>
+                <a:latin typeface="Consolas" panose="020B0609020204030204" pitchFamily="49" charset="0"/>
+              </a:rPr>
+              <a:t>: 0.8933333333333333</a:t>
+            </a:r>
+            <a:endParaRPr lang="de-CH" dirty="0"/>
+          </a:p>
+        </p:txBody>
+      </p:sp>
+      <p:pic>
+        <p:nvPicPr>
+          <p:cNvPr id="4" name="Grafik 3" descr="Ein Bild, das Text, Uhr enthält.&#10;&#10;Automatisch generierte Beschreibung">
+            <a:extLst>
+              <a:ext uri="{FF2B5EF4-FFF2-40B4-BE49-F238E27FC236}">
+                <a16:creationId xmlns:a16="http://schemas.microsoft.com/office/drawing/2014/main" id="{3BB445A1-005D-46C3-A3A9-A9C3474EA44D}"/>
+              </a:ext>
+            </a:extLst>
+          </p:cNvPr>
+          <p:cNvPicPr>
+            <a:picLocks noChangeAspect="1"/>
+          </p:cNvPicPr>
+          <p:nvPr/>
+        </p:nvPicPr>
+        <p:blipFill>
+          <a:blip r:embed="rId2"/>
+          <a:stretch>
+            <a:fillRect/>
+          </a:stretch>
+        </p:blipFill>
+        <p:spPr>
+          <a:xfrm>
+            <a:off x="2626112" y="2575095"/>
+            <a:ext cx="6196825" cy="2717460"/>
+          </a:xfrm>
+          <a:prstGeom prst="rect">
+            <a:avLst/>
+          </a:prstGeom>
+        </p:spPr>
+      </p:pic>
+    </p:spTree>
+    <p:extLst>
+      <p:ext uri="{BB962C8B-B14F-4D97-AF65-F5344CB8AC3E}">
+        <p14:creationId xmlns:p14="http://schemas.microsoft.com/office/powerpoint/2010/main" val="2878774145"/>
+      </p:ext>
+    </p:extLst>
+  </p:cSld>
+  <p:clrMapOvr>
+    <a:masterClrMapping/>
+  </p:clrMapOvr>
+</p:sld>
+</file>
+
+<file path=ppt/slides/slide27.xml><?xml version="1.0" encoding="utf-8"?>
+<p:sld xmlns:a="http://schemas.openxmlformats.org/drawingml/2006/main" xmlns:r="http://schemas.openxmlformats.org/officeDocument/2006/relationships" xmlns:p="http://schemas.openxmlformats.org/presentationml/2006/main">
+  <p:cSld>
+    <p:spTree>
+      <p:nvGrpSpPr>
+        <p:cNvPr id="1" name=""/>
+        <p:cNvGrpSpPr/>
+        <p:nvPr/>
+      </p:nvGrpSpPr>
+      <p:grpSpPr>
+        <a:xfrm>
+          <a:off x="0" y="0"/>
+          <a:ext cx="0" cy="0"/>
+          <a:chOff x="0" y="0"/>
+          <a:chExt cx="0" cy="0"/>
+        </a:xfrm>
+      </p:grpSpPr>
+      <p:sp>
+        <p:nvSpPr>
+          <p:cNvPr id="2" name="Titel 1">
+            <a:extLst>
+              <a:ext uri="{FF2B5EF4-FFF2-40B4-BE49-F238E27FC236}">
+                <a16:creationId xmlns:a16="http://schemas.microsoft.com/office/drawing/2014/main" id="{DB4CB577-98C3-447C-BFE2-3998CC91EDB0}"/>
+              </a:ext>
+            </a:extLst>
+          </p:cNvPr>
+          <p:cNvSpPr>
+            <a:spLocks noGrp="1"/>
+          </p:cNvSpPr>
+          <p:nvPr>
+            <p:ph type="title"/>
+          </p:nvPr>
+        </p:nvSpPr>
+        <p:spPr/>
+        <p:txBody>
+          <a:bodyPr/>
+          <a:lstStyle/>
+          <a:p>
+            <a:r>
+              <a:rPr lang="de-CH" dirty="0" err="1"/>
+              <a:t>Evaluated</a:t>
+            </a:r>
+            <a:r>
+              <a:rPr lang="de-CH" dirty="0"/>
+              <a:t> </a:t>
+            </a:r>
+            <a:r>
+              <a:rPr lang="de-CH" dirty="0" err="1"/>
+              <a:t>models</a:t>
+            </a:r>
+            <a:r>
+              <a:rPr lang="de-CH" dirty="0"/>
+              <a:t> </a:t>
+            </a:r>
+            <a:r>
+              <a:rPr lang="de-CH" dirty="0" err="1"/>
+              <a:t>using</a:t>
+            </a:r>
+            <a:r>
+              <a:rPr lang="de-CH" dirty="0"/>
+              <a:t> IRIS (4f, 3c)</a:t>
+            </a:r>
+          </a:p>
+        </p:txBody>
+      </p:sp>
+      <p:sp>
+        <p:nvSpPr>
+          <p:cNvPr id="10" name="Textfeld 9">
+            <a:extLst>
+              <a:ext uri="{FF2B5EF4-FFF2-40B4-BE49-F238E27FC236}">
+                <a16:creationId xmlns:a16="http://schemas.microsoft.com/office/drawing/2014/main" id="{7A9299DA-D91F-4E8E-A7AF-3090CE7B12DD}"/>
+              </a:ext>
+            </a:extLst>
+          </p:cNvPr>
+          <p:cNvSpPr txBox="1"/>
+          <p:nvPr/>
+        </p:nvSpPr>
+        <p:spPr>
+          <a:xfrm>
+            <a:off x="3324225" y="5515000"/>
+            <a:ext cx="6096000" cy="369332"/>
+          </a:xfrm>
+          <a:prstGeom prst="rect">
+            <a:avLst/>
+          </a:prstGeom>
+          <a:noFill/>
+        </p:spPr>
+        <p:txBody>
+          <a:bodyPr wrap="square">
+            <a:spAutoFit/>
+          </a:bodyPr>
+          <a:lstStyle/>
+          <a:p>
+            <a:r>
+              <a:rPr lang="de-CH" dirty="0" err="1">
+                <a:latin typeface="Consolas" panose="020B0609020204030204" pitchFamily="49" charset="0"/>
+              </a:rPr>
+              <a:t>Accuracy</a:t>
+            </a:r>
+            <a:r>
+              <a:rPr lang="de-CH" b="0" i="0" dirty="0">
+                <a:effectLst/>
+                <a:latin typeface="Consolas" panose="020B0609020204030204" pitchFamily="49" charset="0"/>
+              </a:rPr>
+              <a:t>: 0.44666666666666666</a:t>
+            </a:r>
+            <a:endParaRPr lang="de-CH" dirty="0"/>
+          </a:p>
+        </p:txBody>
+      </p:sp>
+      <p:pic>
+        <p:nvPicPr>
+          <p:cNvPr id="9" name="Grafik 8">
+            <a:extLst>
+              <a:ext uri="{FF2B5EF4-FFF2-40B4-BE49-F238E27FC236}">
+                <a16:creationId xmlns:a16="http://schemas.microsoft.com/office/drawing/2014/main" id="{3A5CAB1B-B5BC-48EC-8DD0-F0B4E154F96B}"/>
+              </a:ext>
+            </a:extLst>
+          </p:cNvPr>
+          <p:cNvPicPr>
+            <a:picLocks noChangeAspect="1"/>
+          </p:cNvPicPr>
+          <p:nvPr/>
+        </p:nvPicPr>
+        <p:blipFill>
+          <a:blip r:embed="rId2"/>
+          <a:stretch>
+            <a:fillRect/>
+          </a:stretch>
+        </p:blipFill>
+        <p:spPr>
+          <a:xfrm>
+            <a:off x="3015025" y="2645140"/>
+            <a:ext cx="5041270" cy="2717460"/>
+          </a:xfrm>
+          <a:prstGeom prst="rect">
+            <a:avLst/>
+          </a:prstGeom>
+        </p:spPr>
+      </p:pic>
+    </p:spTree>
+    <p:extLst>
+      <p:ext uri="{BB962C8B-B14F-4D97-AF65-F5344CB8AC3E}">
+        <p14:creationId xmlns:p14="http://schemas.microsoft.com/office/powerpoint/2010/main" val="316045896"/>
+      </p:ext>
+    </p:extLst>
+  </p:cSld>
+  <p:clrMapOvr>
+    <a:masterClrMapping/>
+  </p:clrMapOvr>
+</p:sld>
+</file>
+
+<file path=ppt/slides/slide28.xml><?xml version="1.0" encoding="utf-8"?>
+<p:sld xmlns:a="http://schemas.openxmlformats.org/drawingml/2006/main" xmlns:r="http://schemas.openxmlformats.org/officeDocument/2006/relationships" xmlns:p="http://schemas.openxmlformats.org/presentationml/2006/main">
+  <p:cSld>
+    <p:spTree>
+      <p:nvGrpSpPr>
+        <p:cNvPr id="1" name=""/>
+        <p:cNvGrpSpPr/>
+        <p:nvPr/>
+      </p:nvGrpSpPr>
+      <p:grpSpPr>
+        <a:xfrm>
+          <a:off x="0" y="0"/>
+          <a:ext cx="0" cy="0"/>
+          <a:chOff x="0" y="0"/>
+          <a:chExt cx="0" cy="0"/>
+        </a:xfrm>
+      </p:grpSpPr>
+      <p:sp>
+        <p:nvSpPr>
+          <p:cNvPr id="2" name="Titel 1">
+            <a:extLst>
+              <a:ext uri="{FF2B5EF4-FFF2-40B4-BE49-F238E27FC236}">
+                <a16:creationId xmlns:a16="http://schemas.microsoft.com/office/drawing/2014/main" id="{DB4CB577-98C3-447C-BFE2-3998CC91EDB0}"/>
+              </a:ext>
+            </a:extLst>
+          </p:cNvPr>
+          <p:cNvSpPr>
+            <a:spLocks noGrp="1"/>
+          </p:cNvSpPr>
+          <p:nvPr>
+            <p:ph type="title"/>
+          </p:nvPr>
+        </p:nvSpPr>
+        <p:spPr/>
+        <p:txBody>
+          <a:bodyPr/>
+          <a:lstStyle/>
+          <a:p>
+            <a:r>
+              <a:rPr lang="de-CH" dirty="0" err="1"/>
+              <a:t>Evaluated</a:t>
+            </a:r>
+            <a:r>
+              <a:rPr lang="de-CH" dirty="0"/>
+              <a:t> </a:t>
+            </a:r>
+            <a:r>
+              <a:rPr lang="de-CH" dirty="0" err="1"/>
+              <a:t>models</a:t>
+            </a:r>
+            <a:r>
+              <a:rPr lang="de-CH" dirty="0"/>
+              <a:t> </a:t>
+            </a:r>
+            <a:r>
+              <a:rPr lang="de-CH" dirty="0" err="1"/>
+              <a:t>using</a:t>
+            </a:r>
+            <a:r>
+              <a:rPr lang="de-CH" dirty="0"/>
+              <a:t> IRIS (4f, 3c)</a:t>
+            </a:r>
+          </a:p>
+        </p:txBody>
+      </p:sp>
+      <p:sp>
+        <p:nvSpPr>
+          <p:cNvPr id="10" name="Textfeld 9">
+            <a:extLst>
+              <a:ext uri="{FF2B5EF4-FFF2-40B4-BE49-F238E27FC236}">
+                <a16:creationId xmlns:a16="http://schemas.microsoft.com/office/drawing/2014/main" id="{7A9299DA-D91F-4E8E-A7AF-3090CE7B12DD}"/>
+              </a:ext>
+            </a:extLst>
+          </p:cNvPr>
+          <p:cNvSpPr txBox="1"/>
+          <p:nvPr/>
+        </p:nvSpPr>
+        <p:spPr>
+          <a:xfrm>
+            <a:off x="3324225" y="5515000"/>
+            <a:ext cx="6096000" cy="369332"/>
+          </a:xfrm>
+          <a:prstGeom prst="rect">
+            <a:avLst/>
+          </a:prstGeom>
+          <a:noFill/>
+        </p:spPr>
+        <p:txBody>
+          <a:bodyPr wrap="square">
+            <a:spAutoFit/>
+          </a:bodyPr>
+          <a:lstStyle/>
+          <a:p>
+            <a:r>
+              <a:rPr lang="de-CH" dirty="0" err="1">
+                <a:latin typeface="Consolas" panose="020B0609020204030204" pitchFamily="49" charset="0"/>
+              </a:rPr>
+              <a:t>Accuracy</a:t>
+            </a:r>
+            <a:r>
+              <a:rPr lang="de-CH" b="0" i="0" dirty="0">
+                <a:effectLst/>
+                <a:latin typeface="Consolas" panose="020B0609020204030204" pitchFamily="49" charset="0"/>
+              </a:rPr>
+              <a:t>: 0.96</a:t>
+            </a:r>
+            <a:endParaRPr lang="de-CH" dirty="0"/>
+          </a:p>
+        </p:txBody>
+      </p:sp>
+      <p:pic>
+        <p:nvPicPr>
+          <p:cNvPr id="4" name="Grafik 3" descr="Ein Bild, das Text, Uhr enthält.&#10;&#10;Automatisch generierte Beschreibung">
+            <a:extLst>
+              <a:ext uri="{FF2B5EF4-FFF2-40B4-BE49-F238E27FC236}">
+                <a16:creationId xmlns:a16="http://schemas.microsoft.com/office/drawing/2014/main" id="{56779ACC-EFF9-4023-9985-B01CE0618B3A}"/>
+              </a:ext>
+            </a:extLst>
+          </p:cNvPr>
+          <p:cNvPicPr>
+            <a:picLocks noChangeAspect="1"/>
+          </p:cNvPicPr>
+          <p:nvPr/>
+        </p:nvPicPr>
+        <p:blipFill>
+          <a:blip r:embed="rId2"/>
+          <a:stretch>
+            <a:fillRect/>
+          </a:stretch>
+        </p:blipFill>
+        <p:spPr>
+          <a:xfrm>
+            <a:off x="686476" y="2517945"/>
+            <a:ext cx="10819047" cy="2717460"/>
+          </a:xfrm>
+          <a:prstGeom prst="rect">
+            <a:avLst/>
+          </a:prstGeom>
+        </p:spPr>
+      </p:pic>
+    </p:spTree>
+    <p:extLst>
+      <p:ext uri="{BB962C8B-B14F-4D97-AF65-F5344CB8AC3E}">
+        <p14:creationId xmlns:p14="http://schemas.microsoft.com/office/powerpoint/2010/main" val="148697977"/>
+      </p:ext>
+    </p:extLst>
+  </p:cSld>
+  <p:clrMapOvr>
+    <a:masterClrMapping/>
+  </p:clrMapOvr>
+</p:sld>
+</file>
+
+<file path=ppt/slides/slide29.xml><?xml version="1.0" encoding="utf-8"?>
+<p:sld xmlns:a="http://schemas.openxmlformats.org/drawingml/2006/main" xmlns:r="http://schemas.openxmlformats.org/officeDocument/2006/relationships" xmlns:p="http://schemas.openxmlformats.org/presentationml/2006/main">
+  <p:cSld>
+    <p:spTree>
+      <p:nvGrpSpPr>
+        <p:cNvPr id="1" name=""/>
+        <p:cNvGrpSpPr/>
+        <p:nvPr/>
+      </p:nvGrpSpPr>
+      <p:grpSpPr>
+        <a:xfrm>
+          <a:off x="0" y="0"/>
+          <a:ext cx="0" cy="0"/>
+          <a:chOff x="0" y="0"/>
+          <a:chExt cx="0" cy="0"/>
+        </a:xfrm>
+      </p:grpSpPr>
+      <p:sp>
+        <p:nvSpPr>
+          <p:cNvPr id="2" name="Titel 1">
+            <a:extLst>
+              <a:ext uri="{FF2B5EF4-FFF2-40B4-BE49-F238E27FC236}">
+                <a16:creationId xmlns:a16="http://schemas.microsoft.com/office/drawing/2014/main" id="{DB4CB577-98C3-447C-BFE2-3998CC91EDB0}"/>
+              </a:ext>
+            </a:extLst>
+          </p:cNvPr>
+          <p:cNvSpPr>
+            <a:spLocks noGrp="1"/>
+          </p:cNvSpPr>
+          <p:nvPr>
+            <p:ph type="title"/>
+          </p:nvPr>
+        </p:nvSpPr>
+        <p:spPr/>
+        <p:txBody>
+          <a:bodyPr/>
+          <a:lstStyle/>
+          <a:p>
+            <a:r>
+              <a:rPr lang="de-CH" dirty="0" err="1"/>
+              <a:t>Statistics</a:t>
+            </a:r>
+            <a:endParaRPr lang="de-CH" dirty="0"/>
+          </a:p>
+        </p:txBody>
+      </p:sp>
+      <p:pic>
+        <p:nvPicPr>
+          <p:cNvPr id="5" name="Grafik 4">
+            <a:extLst>
+              <a:ext uri="{FF2B5EF4-FFF2-40B4-BE49-F238E27FC236}">
+                <a16:creationId xmlns:a16="http://schemas.microsoft.com/office/drawing/2014/main" id="{0852F66A-4BE7-4353-9DC3-F64D8845BE2D}"/>
+              </a:ext>
+            </a:extLst>
+          </p:cNvPr>
+          <p:cNvPicPr>
+            <a:picLocks noChangeAspect="1"/>
+          </p:cNvPicPr>
+          <p:nvPr/>
+        </p:nvPicPr>
+        <p:blipFill>
+          <a:blip r:embed="rId2"/>
+          <a:stretch>
+            <a:fillRect/>
+          </a:stretch>
+        </p:blipFill>
+        <p:spPr>
+          <a:xfrm>
+            <a:off x="3173755" y="2695784"/>
+            <a:ext cx="4723809" cy="3352381"/>
+          </a:xfrm>
+          <a:prstGeom prst="rect">
+            <a:avLst/>
+          </a:prstGeom>
+        </p:spPr>
+      </p:pic>
+    </p:spTree>
+    <p:extLst>
+      <p:ext uri="{BB962C8B-B14F-4D97-AF65-F5344CB8AC3E}">
+        <p14:creationId xmlns:p14="http://schemas.microsoft.com/office/powerpoint/2010/main" val="1651610603"/>
+      </p:ext>
+    </p:extLst>
+  </p:cSld>
+  <p:clrMapOvr>
+    <a:masterClrMapping/>
+  </p:clrMapOvr>
+</p:sld>
+</file>
+
 <file path=ppt/slides/slide3.xml><?xml version="1.0" encoding="utf-8"?>
 <p:sld xmlns:a="http://schemas.openxmlformats.org/drawingml/2006/main" xmlns:r="http://schemas.openxmlformats.org/officeDocument/2006/relationships" xmlns:p="http://schemas.openxmlformats.org/presentationml/2006/main">
   <p:cSld>
@@ -14664,6 +19918,1340 @@
     <p:extLst>
       <p:ext uri="{BB962C8B-B14F-4D97-AF65-F5344CB8AC3E}">
         <p14:creationId xmlns:p14="http://schemas.microsoft.com/office/powerpoint/2010/main" val="478602344"/>
+      </p:ext>
+    </p:extLst>
+  </p:cSld>
+  <p:clrMapOvr>
+    <a:masterClrMapping/>
+  </p:clrMapOvr>
+</p:sld>
+</file>
+
+<file path=ppt/slides/slide30.xml><?xml version="1.0" encoding="utf-8"?>
+<p:sld xmlns:a="http://schemas.openxmlformats.org/drawingml/2006/main" xmlns:r="http://schemas.openxmlformats.org/officeDocument/2006/relationships" xmlns:p="http://schemas.openxmlformats.org/presentationml/2006/main">
+  <p:cSld>
+    <p:spTree>
+      <p:nvGrpSpPr>
+        <p:cNvPr id="1" name=""/>
+        <p:cNvGrpSpPr/>
+        <p:nvPr/>
+      </p:nvGrpSpPr>
+      <p:grpSpPr>
+        <a:xfrm>
+          <a:off x="0" y="0"/>
+          <a:ext cx="0" cy="0"/>
+          <a:chOff x="0" y="0"/>
+          <a:chExt cx="0" cy="0"/>
+        </a:xfrm>
+      </p:grpSpPr>
+      <p:sp>
+        <p:nvSpPr>
+          <p:cNvPr id="2" name="Titel 1">
+            <a:extLst>
+              <a:ext uri="{FF2B5EF4-FFF2-40B4-BE49-F238E27FC236}">
+                <a16:creationId xmlns:a16="http://schemas.microsoft.com/office/drawing/2014/main" id="{DB4CB577-98C3-447C-BFE2-3998CC91EDB0}"/>
+              </a:ext>
+            </a:extLst>
+          </p:cNvPr>
+          <p:cNvSpPr>
+            <a:spLocks noGrp="1"/>
+          </p:cNvSpPr>
+          <p:nvPr>
+            <p:ph type="title"/>
+          </p:nvPr>
+        </p:nvSpPr>
+        <p:spPr/>
+        <p:txBody>
+          <a:bodyPr/>
+          <a:lstStyle/>
+          <a:p>
+            <a:r>
+              <a:rPr lang="de-CH" dirty="0" err="1"/>
+              <a:t>Statistics</a:t>
+            </a:r>
+            <a:endParaRPr lang="de-CH" dirty="0"/>
+          </a:p>
+        </p:txBody>
+      </p:sp>
+      <p:pic>
+        <p:nvPicPr>
+          <p:cNvPr id="9" name="Grafik 8">
+            <a:extLst>
+              <a:ext uri="{FF2B5EF4-FFF2-40B4-BE49-F238E27FC236}">
+                <a16:creationId xmlns:a16="http://schemas.microsoft.com/office/drawing/2014/main" id="{6095A168-9824-492A-8C1C-A52DCE47A256}"/>
+              </a:ext>
+            </a:extLst>
+          </p:cNvPr>
+          <p:cNvPicPr>
+            <a:picLocks noChangeAspect="1"/>
+          </p:cNvPicPr>
+          <p:nvPr/>
+        </p:nvPicPr>
+        <p:blipFill>
+          <a:blip r:embed="rId2"/>
+          <a:stretch>
+            <a:fillRect/>
+          </a:stretch>
+        </p:blipFill>
+        <p:spPr>
+          <a:xfrm>
+            <a:off x="3026072" y="2657684"/>
+            <a:ext cx="4749206" cy="3352381"/>
+          </a:xfrm>
+          <a:prstGeom prst="rect">
+            <a:avLst/>
+          </a:prstGeom>
+        </p:spPr>
+      </p:pic>
+    </p:spTree>
+    <p:extLst>
+      <p:ext uri="{BB962C8B-B14F-4D97-AF65-F5344CB8AC3E}">
+        <p14:creationId xmlns:p14="http://schemas.microsoft.com/office/powerpoint/2010/main" val="3242614923"/>
+      </p:ext>
+    </p:extLst>
+  </p:cSld>
+  <p:clrMapOvr>
+    <a:masterClrMapping/>
+  </p:clrMapOvr>
+</p:sld>
+</file>
+
+<file path=ppt/slides/slide31.xml><?xml version="1.0" encoding="utf-8"?>
+<p:sld xmlns:a="http://schemas.openxmlformats.org/drawingml/2006/main" xmlns:r="http://schemas.openxmlformats.org/officeDocument/2006/relationships" xmlns:p="http://schemas.openxmlformats.org/presentationml/2006/main">
+  <p:cSld>
+    <p:spTree>
+      <p:nvGrpSpPr>
+        <p:cNvPr id="1" name=""/>
+        <p:cNvGrpSpPr/>
+        <p:nvPr/>
+      </p:nvGrpSpPr>
+      <p:grpSpPr>
+        <a:xfrm>
+          <a:off x="0" y="0"/>
+          <a:ext cx="0" cy="0"/>
+          <a:chOff x="0" y="0"/>
+          <a:chExt cx="0" cy="0"/>
+        </a:xfrm>
+      </p:grpSpPr>
+      <p:sp>
+        <p:nvSpPr>
+          <p:cNvPr id="2" name="Titel 1">
+            <a:extLst>
+              <a:ext uri="{FF2B5EF4-FFF2-40B4-BE49-F238E27FC236}">
+                <a16:creationId xmlns:a16="http://schemas.microsoft.com/office/drawing/2014/main" id="{DB4CB577-98C3-447C-BFE2-3998CC91EDB0}"/>
+              </a:ext>
+            </a:extLst>
+          </p:cNvPr>
+          <p:cNvSpPr>
+            <a:spLocks noGrp="1"/>
+          </p:cNvSpPr>
+          <p:nvPr>
+            <p:ph type="title"/>
+          </p:nvPr>
+        </p:nvSpPr>
+        <p:spPr/>
+        <p:txBody>
+          <a:bodyPr/>
+          <a:lstStyle/>
+          <a:p>
+            <a:r>
+              <a:rPr lang="de-CH" dirty="0"/>
+              <a:t>Also </a:t>
+            </a:r>
+            <a:r>
+              <a:rPr lang="de-CH" dirty="0" err="1"/>
+              <a:t>works</a:t>
+            </a:r>
+            <a:r>
+              <a:rPr lang="de-CH" dirty="0"/>
+              <a:t> </a:t>
+            </a:r>
+            <a:r>
+              <a:rPr lang="de-CH" dirty="0" err="1"/>
+              <a:t>separately</a:t>
+            </a:r>
+            <a:r>
+              <a:rPr lang="de-CH" dirty="0"/>
+              <a:t>!</a:t>
+            </a:r>
+          </a:p>
+        </p:txBody>
+      </p:sp>
+      <p:pic>
+        <p:nvPicPr>
+          <p:cNvPr id="4" name="Grafik 3" descr="Ein Bild, das Text, Uhr enthält.&#10;&#10;Automatisch generierte Beschreibung">
+            <a:extLst>
+              <a:ext uri="{FF2B5EF4-FFF2-40B4-BE49-F238E27FC236}">
+                <a16:creationId xmlns:a16="http://schemas.microsoft.com/office/drawing/2014/main" id="{B78FCFB1-FDD6-4157-908D-EC5629F3BEBA}"/>
+              </a:ext>
+            </a:extLst>
+          </p:cNvPr>
+          <p:cNvPicPr>
+            <a:picLocks noChangeAspect="1"/>
+          </p:cNvPicPr>
+          <p:nvPr/>
+        </p:nvPicPr>
+        <p:blipFill>
+          <a:blip r:embed="rId2"/>
+          <a:stretch>
+            <a:fillRect/>
+          </a:stretch>
+        </p:blipFill>
+        <p:spPr>
+          <a:xfrm>
+            <a:off x="2927694" y="2613665"/>
+            <a:ext cx="5498412" cy="990476"/>
+          </a:xfrm>
+          <a:prstGeom prst="rect">
+            <a:avLst/>
+          </a:prstGeom>
+        </p:spPr>
+      </p:pic>
+      <p:sp>
+        <p:nvSpPr>
+          <p:cNvPr id="7" name="Textfeld 6">
+            <a:extLst>
+              <a:ext uri="{FF2B5EF4-FFF2-40B4-BE49-F238E27FC236}">
+                <a16:creationId xmlns:a16="http://schemas.microsoft.com/office/drawing/2014/main" id="{BB66D3E9-BD2C-4E87-811D-2EECF9D60C66}"/>
+              </a:ext>
+            </a:extLst>
+          </p:cNvPr>
+          <p:cNvSpPr txBox="1"/>
+          <p:nvPr/>
+        </p:nvSpPr>
+        <p:spPr>
+          <a:xfrm>
+            <a:off x="2927694" y="3604141"/>
+            <a:ext cx="6096000" cy="369332"/>
+          </a:xfrm>
+          <a:prstGeom prst="rect">
+            <a:avLst/>
+          </a:prstGeom>
+          <a:noFill/>
+        </p:spPr>
+        <p:txBody>
+          <a:bodyPr wrap="square">
+            <a:spAutoFit/>
+          </a:bodyPr>
+          <a:lstStyle/>
+          <a:p>
+            <a:r>
+              <a:rPr lang="de-CH" dirty="0" err="1">
+                <a:latin typeface="Consolas" panose="020B0609020204030204" pitchFamily="49" charset="0"/>
+              </a:rPr>
+              <a:t>Accuracy</a:t>
+            </a:r>
+            <a:r>
+              <a:rPr lang="de-CH" b="0" i="0" dirty="0">
+                <a:effectLst/>
+                <a:latin typeface="Consolas" panose="020B0609020204030204" pitchFamily="49" charset="0"/>
+              </a:rPr>
+              <a:t>: 0.8933333333333333</a:t>
+            </a:r>
+            <a:endParaRPr lang="de-CH" dirty="0"/>
+          </a:p>
+        </p:txBody>
+      </p:sp>
+      <p:sp>
+        <p:nvSpPr>
+          <p:cNvPr id="10" name="Textfeld 9">
+            <a:extLst>
+              <a:ext uri="{FF2B5EF4-FFF2-40B4-BE49-F238E27FC236}">
+                <a16:creationId xmlns:a16="http://schemas.microsoft.com/office/drawing/2014/main" id="{CD6DBEEA-38BA-441A-AE96-AB4A58528659}"/>
+              </a:ext>
+            </a:extLst>
+          </p:cNvPr>
+          <p:cNvSpPr txBox="1"/>
+          <p:nvPr/>
+        </p:nvSpPr>
+        <p:spPr>
+          <a:xfrm>
+            <a:off x="2927694" y="3973473"/>
+            <a:ext cx="6096000" cy="369332"/>
+          </a:xfrm>
+          <a:prstGeom prst="rect">
+            <a:avLst/>
+          </a:prstGeom>
+          <a:noFill/>
+        </p:spPr>
+        <p:txBody>
+          <a:bodyPr wrap="square">
+            <a:spAutoFit/>
+          </a:bodyPr>
+          <a:lstStyle/>
+          <a:p>
+            <a:r>
+              <a:rPr lang="de-CH" b="0" i="0" dirty="0" err="1">
+                <a:effectLst/>
+                <a:latin typeface="Consolas" panose="020B0609020204030204" pitchFamily="49" charset="0"/>
+              </a:rPr>
+              <a:t>Accuracy</a:t>
+            </a:r>
+            <a:r>
+              <a:rPr lang="de-CH" b="0" i="0" dirty="0">
+                <a:effectLst/>
+                <a:latin typeface="Consolas" panose="020B0609020204030204" pitchFamily="49" charset="0"/>
+              </a:rPr>
+              <a:t>: 0.7333333333333333</a:t>
+            </a:r>
+            <a:endParaRPr lang="de-CH" dirty="0"/>
+          </a:p>
+        </p:txBody>
+      </p:sp>
+      <p:sp>
+        <p:nvSpPr>
+          <p:cNvPr id="11" name="Textfeld 10">
+            <a:extLst>
+              <a:ext uri="{FF2B5EF4-FFF2-40B4-BE49-F238E27FC236}">
+                <a16:creationId xmlns:a16="http://schemas.microsoft.com/office/drawing/2014/main" id="{E9EEF80F-B953-4740-AA42-1540E66E392F}"/>
+              </a:ext>
+            </a:extLst>
+          </p:cNvPr>
+          <p:cNvSpPr txBox="1"/>
+          <p:nvPr/>
+        </p:nvSpPr>
+        <p:spPr>
+          <a:xfrm>
+            <a:off x="2927694" y="4409951"/>
+            <a:ext cx="6096000" cy="369332"/>
+          </a:xfrm>
+          <a:prstGeom prst="rect">
+            <a:avLst/>
+          </a:prstGeom>
+          <a:noFill/>
+        </p:spPr>
+        <p:txBody>
+          <a:bodyPr wrap="square">
+            <a:spAutoFit/>
+          </a:bodyPr>
+          <a:lstStyle/>
+          <a:p>
+            <a:r>
+              <a:rPr lang="de-CH" b="0" i="0" dirty="0" err="1">
+                <a:effectLst/>
+                <a:latin typeface="Consolas" panose="020B0609020204030204" pitchFamily="49" charset="0"/>
+              </a:rPr>
+              <a:t>Accuracy</a:t>
+            </a:r>
+            <a:r>
+              <a:rPr lang="de-CH" b="0" i="0" dirty="0">
+                <a:effectLst/>
+                <a:latin typeface="Consolas" panose="020B0609020204030204" pitchFamily="49" charset="0"/>
+              </a:rPr>
+              <a:t>: 0.8733333333333333</a:t>
+            </a:r>
+            <a:endParaRPr lang="de-CH" dirty="0"/>
+          </a:p>
+        </p:txBody>
+      </p:sp>
+    </p:spTree>
+    <p:extLst>
+      <p:ext uri="{BB962C8B-B14F-4D97-AF65-F5344CB8AC3E}">
+        <p14:creationId xmlns:p14="http://schemas.microsoft.com/office/powerpoint/2010/main" val="2407667138"/>
+      </p:ext>
+    </p:extLst>
+  </p:cSld>
+  <p:clrMapOvr>
+    <a:masterClrMapping/>
+  </p:clrMapOvr>
+</p:sld>
+</file>
+
+<file path=ppt/slides/slide32.xml><?xml version="1.0" encoding="utf-8"?>
+<p:sld xmlns:a="http://schemas.openxmlformats.org/drawingml/2006/main" xmlns:r="http://schemas.openxmlformats.org/officeDocument/2006/relationships" xmlns:p="http://schemas.openxmlformats.org/presentationml/2006/main">
+  <p:cSld>
+    <p:spTree>
+      <p:nvGrpSpPr>
+        <p:cNvPr id="1" name=""/>
+        <p:cNvGrpSpPr/>
+        <p:nvPr/>
+      </p:nvGrpSpPr>
+      <p:grpSpPr>
+        <a:xfrm>
+          <a:off x="0" y="0"/>
+          <a:ext cx="0" cy="0"/>
+          <a:chOff x="0" y="0"/>
+          <a:chExt cx="0" cy="0"/>
+        </a:xfrm>
+      </p:grpSpPr>
+      <p:sp>
+        <p:nvSpPr>
+          <p:cNvPr id="2" name="Titel 1">
+            <a:extLst>
+              <a:ext uri="{FF2B5EF4-FFF2-40B4-BE49-F238E27FC236}">
+                <a16:creationId xmlns:a16="http://schemas.microsoft.com/office/drawing/2014/main" id="{DB4CB577-98C3-447C-BFE2-3998CC91EDB0}"/>
+              </a:ext>
+            </a:extLst>
+          </p:cNvPr>
+          <p:cNvSpPr>
+            <a:spLocks noGrp="1"/>
+          </p:cNvSpPr>
+          <p:nvPr>
+            <p:ph type="title"/>
+          </p:nvPr>
+        </p:nvSpPr>
+        <p:spPr/>
+        <p:txBody>
+          <a:bodyPr/>
+          <a:lstStyle/>
+          <a:p>
+            <a:r>
+              <a:rPr lang="de-CH" dirty="0" err="1"/>
+              <a:t>Comparable</a:t>
+            </a:r>
+            <a:r>
+              <a:rPr lang="de-CH" dirty="0"/>
+              <a:t> </a:t>
+            </a:r>
+            <a:r>
+              <a:rPr lang="de-CH" dirty="0" err="1"/>
+              <a:t>results</a:t>
+            </a:r>
+            <a:r>
+              <a:rPr lang="de-CH" dirty="0"/>
+              <a:t> </a:t>
+            </a:r>
+            <a:r>
+              <a:rPr lang="de-CH" dirty="0" err="1"/>
+              <a:t>when</a:t>
+            </a:r>
+            <a:r>
+              <a:rPr lang="de-CH" dirty="0"/>
+              <a:t> </a:t>
+            </a:r>
+            <a:r>
+              <a:rPr lang="de-CH" dirty="0" err="1"/>
+              <a:t>using</a:t>
+            </a:r>
+            <a:r>
+              <a:rPr lang="de-CH" dirty="0"/>
+              <a:t> t/t </a:t>
+            </a:r>
+            <a:r>
+              <a:rPr lang="de-CH" dirty="0" err="1"/>
+              <a:t>split</a:t>
+            </a:r>
+            <a:endParaRPr lang="de-CH" dirty="0"/>
+          </a:p>
+        </p:txBody>
+      </p:sp>
+      <p:sp>
+        <p:nvSpPr>
+          <p:cNvPr id="8" name="Textfeld 7">
+            <a:extLst>
+              <a:ext uri="{FF2B5EF4-FFF2-40B4-BE49-F238E27FC236}">
+                <a16:creationId xmlns:a16="http://schemas.microsoft.com/office/drawing/2014/main" id="{E9696443-38CA-4182-9D8D-321917A990D9}"/>
+              </a:ext>
+            </a:extLst>
+          </p:cNvPr>
+          <p:cNvSpPr txBox="1"/>
+          <p:nvPr/>
+        </p:nvSpPr>
+        <p:spPr>
+          <a:xfrm>
+            <a:off x="161925" y="3889142"/>
+            <a:ext cx="5495925" cy="1200329"/>
+          </a:xfrm>
+          <a:prstGeom prst="rect">
+            <a:avLst/>
+          </a:prstGeom>
+          <a:noFill/>
+        </p:spPr>
+        <p:txBody>
+          <a:bodyPr wrap="square">
+            <a:spAutoFit/>
+          </a:bodyPr>
+          <a:lstStyle/>
+          <a:p>
+            <a:r>
+              <a:rPr lang="en-US" b="0" i="0" dirty="0">
+                <a:effectLst/>
+                <a:latin typeface="Consolas" panose="020B0609020204030204" pitchFamily="49" charset="0"/>
+              </a:rPr>
+              <a:t>1. Training</a:t>
+            </a:r>
+          </a:p>
+          <a:p>
+            <a:r>
+              <a:rPr lang="en-US" b="0" i="0" dirty="0">
+                <a:effectLst/>
+                <a:latin typeface="Consolas" panose="020B0609020204030204" pitchFamily="49" charset="0"/>
+              </a:rPr>
+              <a:t>Mean Accuracy training: 0.8482142857142857 </a:t>
+            </a:r>
+          </a:p>
+          <a:p>
+            <a:r>
+              <a:rPr lang="en-US" b="0" i="0" dirty="0">
+                <a:effectLst/>
+                <a:latin typeface="Consolas" panose="020B0609020204030204" pitchFamily="49" charset="0"/>
+              </a:rPr>
+              <a:t>Mean Accuracy testing: 0.9736842105263158 </a:t>
+            </a:r>
+          </a:p>
+          <a:p>
+            <a:r>
+              <a:rPr lang="en-US" b="0" i="0" dirty="0">
+                <a:effectLst/>
+                <a:latin typeface="Consolas" panose="020B0609020204030204" pitchFamily="49" charset="0"/>
+              </a:rPr>
+              <a:t>Mean Accuracy overall: 0.8866666666666667</a:t>
+            </a:r>
+            <a:endParaRPr lang="de-CH" dirty="0"/>
+          </a:p>
+        </p:txBody>
+      </p:sp>
+      <p:sp>
+        <p:nvSpPr>
+          <p:cNvPr id="12" name="Textfeld 11">
+            <a:extLst>
+              <a:ext uri="{FF2B5EF4-FFF2-40B4-BE49-F238E27FC236}">
+                <a16:creationId xmlns:a16="http://schemas.microsoft.com/office/drawing/2014/main" id="{04A8F3F6-79B5-49E6-A252-A0F071B2244A}"/>
+              </a:ext>
+            </a:extLst>
+          </p:cNvPr>
+          <p:cNvSpPr txBox="1"/>
+          <p:nvPr/>
+        </p:nvSpPr>
+        <p:spPr>
+          <a:xfrm>
+            <a:off x="5934075" y="3889142"/>
+            <a:ext cx="6096000" cy="1200329"/>
+          </a:xfrm>
+          <a:prstGeom prst="rect">
+            <a:avLst/>
+          </a:prstGeom>
+          <a:noFill/>
+        </p:spPr>
+        <p:txBody>
+          <a:bodyPr wrap="square">
+            <a:spAutoFit/>
+          </a:bodyPr>
+          <a:lstStyle/>
+          <a:p>
+            <a:r>
+              <a:rPr lang="en-US" b="0" i="0" dirty="0">
+                <a:effectLst/>
+                <a:latin typeface="Consolas" panose="020B0609020204030204" pitchFamily="49" charset="0"/>
+              </a:rPr>
+              <a:t>2. Training</a:t>
+            </a:r>
+          </a:p>
+          <a:p>
+            <a:r>
+              <a:rPr lang="en-US" b="0" i="0" dirty="0">
+                <a:effectLst/>
+                <a:latin typeface="Consolas" panose="020B0609020204030204" pitchFamily="49" charset="0"/>
+              </a:rPr>
+              <a:t>Mean Accuracy training: 0.9017857142857143 </a:t>
+            </a:r>
+          </a:p>
+          <a:p>
+            <a:r>
+              <a:rPr lang="en-US" b="0" i="0" dirty="0">
+                <a:effectLst/>
+                <a:latin typeface="Consolas" panose="020B0609020204030204" pitchFamily="49" charset="0"/>
+              </a:rPr>
+              <a:t>Mean Accuracy testing: 0.7631578947368421 </a:t>
+            </a:r>
+          </a:p>
+          <a:p>
+            <a:r>
+              <a:rPr lang="en-US" b="0" i="0" dirty="0">
+                <a:effectLst/>
+                <a:latin typeface="Consolas" panose="020B0609020204030204" pitchFamily="49" charset="0"/>
+              </a:rPr>
+              <a:t>Mean Accuracy overall: 0.8666666666666667</a:t>
+            </a:r>
+            <a:endParaRPr lang="de-CH" dirty="0"/>
+          </a:p>
+        </p:txBody>
+      </p:sp>
+    </p:spTree>
+    <p:extLst>
+      <p:ext uri="{BB962C8B-B14F-4D97-AF65-F5344CB8AC3E}">
+        <p14:creationId xmlns:p14="http://schemas.microsoft.com/office/powerpoint/2010/main" val="2115119451"/>
+      </p:ext>
+    </p:extLst>
+  </p:cSld>
+  <p:clrMapOvr>
+    <a:masterClrMapping/>
+  </p:clrMapOvr>
+</p:sld>
+</file>
+
+<file path=ppt/slides/slide33.xml><?xml version="1.0" encoding="utf-8"?>
+<p:sld xmlns:a="http://schemas.openxmlformats.org/drawingml/2006/main" xmlns:r="http://schemas.openxmlformats.org/officeDocument/2006/relationships" xmlns:p="http://schemas.openxmlformats.org/presentationml/2006/main">
+  <p:cSld>
+    <p:spTree>
+      <p:nvGrpSpPr>
+        <p:cNvPr id="1" name=""/>
+        <p:cNvGrpSpPr/>
+        <p:nvPr/>
+      </p:nvGrpSpPr>
+      <p:grpSpPr>
+        <a:xfrm>
+          <a:off x="0" y="0"/>
+          <a:ext cx="0" cy="0"/>
+          <a:chOff x="0" y="0"/>
+          <a:chExt cx="0" cy="0"/>
+        </a:xfrm>
+      </p:grpSpPr>
+      <p:sp>
+        <p:nvSpPr>
+          <p:cNvPr id="2" name="Titel 1">
+            <a:extLst>
+              <a:ext uri="{FF2B5EF4-FFF2-40B4-BE49-F238E27FC236}">
+                <a16:creationId xmlns:a16="http://schemas.microsoft.com/office/drawing/2014/main" id="{DB4CB577-98C3-447C-BFE2-3998CC91EDB0}"/>
+              </a:ext>
+            </a:extLst>
+          </p:cNvPr>
+          <p:cNvSpPr>
+            <a:spLocks noGrp="1"/>
+          </p:cNvSpPr>
+          <p:nvPr>
+            <p:ph type="title"/>
+          </p:nvPr>
+        </p:nvSpPr>
+        <p:spPr>
+          <a:xfrm>
+            <a:off x="1174004" y="764118"/>
+            <a:ext cx="8761413" cy="1064682"/>
+          </a:xfrm>
+        </p:spPr>
+        <p:txBody>
+          <a:bodyPr/>
+          <a:lstStyle/>
+          <a:p>
+            <a:r>
+              <a:rPr lang="de-CH" dirty="0" err="1"/>
+              <a:t>Results</a:t>
+            </a:r>
+            <a:r>
+              <a:rPr lang="de-CH" dirty="0"/>
+              <a:t> </a:t>
+            </a:r>
+            <a:r>
+              <a:rPr lang="de-CH" dirty="0" err="1"/>
+              <a:t>are</a:t>
+            </a:r>
+            <a:r>
+              <a:rPr lang="de-CH" dirty="0"/>
+              <a:t> </a:t>
+            </a:r>
+            <a:r>
+              <a:rPr lang="de-CH" dirty="0" err="1"/>
+              <a:t>often</a:t>
+            </a:r>
+            <a:r>
+              <a:rPr lang="de-CH" dirty="0"/>
+              <a:t> not </a:t>
+            </a:r>
+            <a:r>
+              <a:rPr lang="de-CH" dirty="0" err="1"/>
+              <a:t>directly</a:t>
+            </a:r>
+            <a:r>
+              <a:rPr lang="de-CH" dirty="0"/>
+              <a:t> </a:t>
+            </a:r>
+            <a:r>
+              <a:rPr lang="de-CH" dirty="0" err="1"/>
+              <a:t>reproducable</a:t>
+            </a:r>
+            <a:r>
+              <a:rPr lang="de-CH" dirty="0"/>
+              <a:t>!</a:t>
+            </a:r>
+          </a:p>
+        </p:txBody>
+      </p:sp>
+      <p:sp>
+        <p:nvSpPr>
+          <p:cNvPr id="8" name="Textfeld 7">
+            <a:extLst>
+              <a:ext uri="{FF2B5EF4-FFF2-40B4-BE49-F238E27FC236}">
+                <a16:creationId xmlns:a16="http://schemas.microsoft.com/office/drawing/2014/main" id="{E9696443-38CA-4182-9D8D-321917A990D9}"/>
+              </a:ext>
+            </a:extLst>
+          </p:cNvPr>
+          <p:cNvSpPr txBox="1"/>
+          <p:nvPr/>
+        </p:nvSpPr>
+        <p:spPr>
+          <a:xfrm>
+            <a:off x="6448425" y="3828872"/>
+            <a:ext cx="5495925" cy="1200329"/>
+          </a:xfrm>
+          <a:prstGeom prst="rect">
+            <a:avLst/>
+          </a:prstGeom>
+          <a:noFill/>
+        </p:spPr>
+        <p:txBody>
+          <a:bodyPr wrap="square">
+            <a:spAutoFit/>
+          </a:bodyPr>
+          <a:lstStyle/>
+          <a:p>
+            <a:r>
+              <a:rPr lang="en-US" b="0" i="0" dirty="0">
+                <a:effectLst/>
+                <a:latin typeface="Consolas" panose="020B0609020204030204" pitchFamily="49" charset="0"/>
+              </a:rPr>
+              <a:t>1. Training on a Sunday</a:t>
+            </a:r>
+          </a:p>
+          <a:p>
+            <a:r>
+              <a:rPr lang="en-US" b="0" i="0" dirty="0">
+                <a:effectLst/>
+                <a:latin typeface="Consolas" panose="020B0609020204030204" pitchFamily="49" charset="0"/>
+              </a:rPr>
+              <a:t>Mean Accuracy training: 0.8482142857142857 </a:t>
+            </a:r>
+          </a:p>
+          <a:p>
+            <a:r>
+              <a:rPr lang="en-US" b="0" i="0" dirty="0">
+                <a:effectLst/>
+                <a:latin typeface="Consolas" panose="020B0609020204030204" pitchFamily="49" charset="0"/>
+              </a:rPr>
+              <a:t>Mean Accuracy testing: 0.9736842105263158 </a:t>
+            </a:r>
+          </a:p>
+          <a:p>
+            <a:r>
+              <a:rPr lang="en-US" b="0" i="0" dirty="0">
+                <a:effectLst/>
+                <a:latin typeface="Consolas" panose="020B0609020204030204" pitchFamily="49" charset="0"/>
+              </a:rPr>
+              <a:t>Mean Accuracy overall: 0.8866666666666667</a:t>
+            </a:r>
+            <a:endParaRPr lang="de-CH" dirty="0"/>
+          </a:p>
+        </p:txBody>
+      </p:sp>
+      <p:sp>
+        <p:nvSpPr>
+          <p:cNvPr id="12" name="Textfeld 11">
+            <a:extLst>
+              <a:ext uri="{FF2B5EF4-FFF2-40B4-BE49-F238E27FC236}">
+                <a16:creationId xmlns:a16="http://schemas.microsoft.com/office/drawing/2014/main" id="{04A8F3F6-79B5-49E6-A252-A0F071B2244A}"/>
+              </a:ext>
+            </a:extLst>
+          </p:cNvPr>
+          <p:cNvSpPr txBox="1"/>
+          <p:nvPr/>
+        </p:nvSpPr>
+        <p:spPr>
+          <a:xfrm>
+            <a:off x="561975" y="3828872"/>
+            <a:ext cx="6096000" cy="1200329"/>
+          </a:xfrm>
+          <a:prstGeom prst="rect">
+            <a:avLst/>
+          </a:prstGeom>
+          <a:noFill/>
+        </p:spPr>
+        <p:txBody>
+          <a:bodyPr wrap="square">
+            <a:spAutoFit/>
+          </a:bodyPr>
+          <a:lstStyle/>
+          <a:p>
+            <a:r>
+              <a:rPr lang="en-US" b="0" i="0" dirty="0">
+                <a:effectLst/>
+                <a:latin typeface="Consolas" panose="020B0609020204030204" pitchFamily="49" charset="0"/>
+              </a:rPr>
+              <a:t>1. Training on a Monday</a:t>
+            </a:r>
+          </a:p>
+          <a:p>
+            <a:r>
+              <a:rPr lang="en-US" b="0" i="0" dirty="0">
+                <a:effectLst/>
+                <a:latin typeface="Consolas" panose="020B0609020204030204" pitchFamily="49" charset="0"/>
+              </a:rPr>
+              <a:t>Mean Accuracy training: 0.6696428571428571 </a:t>
+            </a:r>
+          </a:p>
+          <a:p>
+            <a:r>
+              <a:rPr lang="en-US" b="0" i="0" dirty="0">
+                <a:effectLst/>
+                <a:latin typeface="Consolas" panose="020B0609020204030204" pitchFamily="49" charset="0"/>
+              </a:rPr>
+              <a:t>Mean Accuracy testing: 0.6578947368421053 </a:t>
+            </a:r>
+          </a:p>
+          <a:p>
+            <a:r>
+              <a:rPr lang="en-US" b="0" i="0" dirty="0">
+                <a:effectLst/>
+                <a:latin typeface="Consolas" panose="020B0609020204030204" pitchFamily="49" charset="0"/>
+              </a:rPr>
+              <a:t>Mean Accuracy overall: 0.6666666666666666</a:t>
+            </a:r>
+            <a:endParaRPr lang="de-CH" dirty="0"/>
+          </a:p>
+        </p:txBody>
+      </p:sp>
+      <p:sp>
+        <p:nvSpPr>
+          <p:cNvPr id="5" name="Textfeld 4">
+            <a:extLst>
+              <a:ext uri="{FF2B5EF4-FFF2-40B4-BE49-F238E27FC236}">
+                <a16:creationId xmlns:a16="http://schemas.microsoft.com/office/drawing/2014/main" id="{D829CCBB-AF22-4501-8C14-80EA0C831DDF}"/>
+              </a:ext>
+            </a:extLst>
+          </p:cNvPr>
+          <p:cNvSpPr txBox="1"/>
+          <p:nvPr/>
+        </p:nvSpPr>
+        <p:spPr>
+          <a:xfrm>
+            <a:off x="1388269" y="2736740"/>
+            <a:ext cx="9415462" cy="584775"/>
+          </a:xfrm>
+          <a:prstGeom prst="rect">
+            <a:avLst/>
+          </a:prstGeom>
+          <a:noFill/>
+        </p:spPr>
+        <p:txBody>
+          <a:bodyPr wrap="square">
+            <a:spAutoFit/>
+          </a:bodyPr>
+          <a:lstStyle/>
+          <a:p>
+            <a:r>
+              <a:rPr lang="en-US" sz="3200" b="0" i="0" dirty="0">
+                <a:effectLst/>
+                <a:latin typeface="Consolas" panose="020B0609020204030204" pitchFamily="49" charset="0"/>
+              </a:rPr>
+              <a:t>Same train/test split, same random seed!</a:t>
+            </a:r>
+            <a:endParaRPr lang="de-CH" sz="3200" dirty="0"/>
+          </a:p>
+        </p:txBody>
+      </p:sp>
+    </p:spTree>
+    <p:extLst>
+      <p:ext uri="{BB962C8B-B14F-4D97-AF65-F5344CB8AC3E}">
+        <p14:creationId xmlns:p14="http://schemas.microsoft.com/office/powerpoint/2010/main" val="1470616833"/>
+      </p:ext>
+    </p:extLst>
+  </p:cSld>
+  <p:clrMapOvr>
+    <a:masterClrMapping/>
+  </p:clrMapOvr>
+</p:sld>
+</file>
+
+<file path=ppt/slides/slide34.xml><?xml version="1.0" encoding="utf-8"?>
+<p:sld xmlns:a="http://schemas.openxmlformats.org/drawingml/2006/main" xmlns:r="http://schemas.openxmlformats.org/officeDocument/2006/relationships" xmlns:p="http://schemas.openxmlformats.org/presentationml/2006/main">
+  <p:cSld>
+    <p:spTree>
+      <p:nvGrpSpPr>
+        <p:cNvPr id="1" name=""/>
+        <p:cNvGrpSpPr/>
+        <p:nvPr/>
+      </p:nvGrpSpPr>
+      <p:grpSpPr>
+        <a:xfrm>
+          <a:off x="0" y="0"/>
+          <a:ext cx="0" cy="0"/>
+          <a:chOff x="0" y="0"/>
+          <a:chExt cx="0" cy="0"/>
+        </a:xfrm>
+      </p:grpSpPr>
+      <p:sp>
+        <p:nvSpPr>
+          <p:cNvPr id="2" name="Titel 1">
+            <a:extLst>
+              <a:ext uri="{FF2B5EF4-FFF2-40B4-BE49-F238E27FC236}">
+                <a16:creationId xmlns:a16="http://schemas.microsoft.com/office/drawing/2014/main" id="{DB4CB577-98C3-447C-BFE2-3998CC91EDB0}"/>
+              </a:ext>
+            </a:extLst>
+          </p:cNvPr>
+          <p:cNvSpPr>
+            <a:spLocks noGrp="1"/>
+          </p:cNvSpPr>
+          <p:nvPr>
+            <p:ph type="title"/>
+          </p:nvPr>
+        </p:nvSpPr>
+        <p:spPr>
+          <a:xfrm>
+            <a:off x="1183529" y="504826"/>
+            <a:ext cx="8761413" cy="1600732"/>
+          </a:xfrm>
+        </p:spPr>
+        <p:txBody>
+          <a:bodyPr/>
+          <a:lstStyle/>
+          <a:p>
+            <a:r>
+              <a:rPr lang="de-CH" dirty="0" err="1"/>
+              <a:t>Comparison</a:t>
+            </a:r>
+            <a:r>
+              <a:rPr lang="de-CH" dirty="0"/>
+              <a:t> </a:t>
+            </a:r>
+            <a:r>
+              <a:rPr lang="de-CH" dirty="0" err="1"/>
+              <a:t>to</a:t>
+            </a:r>
+            <a:r>
+              <a:rPr lang="de-CH" dirty="0"/>
+              <a:t> </a:t>
+            </a:r>
+            <a:r>
+              <a:rPr lang="de-CH" dirty="0" err="1"/>
+              <a:t>other</a:t>
+            </a:r>
+            <a:r>
+              <a:rPr lang="de-CH" dirty="0"/>
+              <a:t> ML </a:t>
+            </a:r>
+            <a:r>
+              <a:rPr lang="de-CH" dirty="0" err="1"/>
+              <a:t>Algos</a:t>
+            </a:r>
+            <a:r>
+              <a:rPr lang="de-CH" dirty="0"/>
+              <a:t>,</a:t>
+            </a:r>
+            <a:br>
+              <a:rPr lang="de-CH" dirty="0"/>
+            </a:br>
+            <a:r>
+              <a:rPr lang="de-CH" dirty="0" err="1"/>
+              <a:t>Kaggle</a:t>
+            </a:r>
+            <a:r>
+              <a:rPr lang="de-CH" dirty="0"/>
+              <a:t> </a:t>
+            </a:r>
+            <a:r>
+              <a:rPr lang="de-CH" dirty="0" err="1"/>
+              <a:t>Hearth</a:t>
+            </a:r>
+            <a:r>
+              <a:rPr lang="de-CH" dirty="0"/>
+              <a:t> Disease </a:t>
+            </a:r>
+            <a:r>
+              <a:rPr lang="de-CH" dirty="0" err="1"/>
+              <a:t>dataset</a:t>
+            </a:r>
+            <a:r>
+              <a:rPr lang="de-CH" dirty="0"/>
+              <a:t>, 3/12 f</a:t>
+            </a:r>
+          </a:p>
+        </p:txBody>
+      </p:sp>
+      <p:sp>
+        <p:nvSpPr>
+          <p:cNvPr id="12" name="Textfeld 11">
+            <a:extLst>
+              <a:ext uri="{FF2B5EF4-FFF2-40B4-BE49-F238E27FC236}">
+                <a16:creationId xmlns:a16="http://schemas.microsoft.com/office/drawing/2014/main" id="{04A8F3F6-79B5-49E6-A252-A0F071B2244A}"/>
+              </a:ext>
+            </a:extLst>
+          </p:cNvPr>
+          <p:cNvSpPr txBox="1"/>
+          <p:nvPr/>
+        </p:nvSpPr>
+        <p:spPr>
+          <a:xfrm>
+            <a:off x="3048000" y="3459540"/>
+            <a:ext cx="6096000" cy="369332"/>
+          </a:xfrm>
+          <a:prstGeom prst="rect">
+            <a:avLst/>
+          </a:prstGeom>
+          <a:noFill/>
+        </p:spPr>
+        <p:txBody>
+          <a:bodyPr wrap="square">
+            <a:spAutoFit/>
+          </a:bodyPr>
+          <a:lstStyle/>
+          <a:p>
+            <a:r>
+              <a:rPr lang="en-US" b="0" i="0" dirty="0">
+                <a:effectLst/>
+                <a:latin typeface="Consolas" panose="020B0609020204030204" pitchFamily="49" charset="0"/>
+              </a:rPr>
+              <a:t>Accuracy of Gradient Boosting is : 91.67%</a:t>
+            </a:r>
+            <a:endParaRPr lang="de-CH" dirty="0"/>
+          </a:p>
+        </p:txBody>
+      </p:sp>
+      <p:sp>
+        <p:nvSpPr>
+          <p:cNvPr id="5" name="Textfeld 4">
+            <a:extLst>
+              <a:ext uri="{FF2B5EF4-FFF2-40B4-BE49-F238E27FC236}">
+                <a16:creationId xmlns:a16="http://schemas.microsoft.com/office/drawing/2014/main" id="{D829CCBB-AF22-4501-8C14-80EA0C831DDF}"/>
+              </a:ext>
+            </a:extLst>
+          </p:cNvPr>
+          <p:cNvSpPr txBox="1"/>
+          <p:nvPr/>
+        </p:nvSpPr>
+        <p:spPr>
+          <a:xfrm>
+            <a:off x="1854994" y="2381843"/>
+            <a:ext cx="9415462" cy="1077218"/>
+          </a:xfrm>
+          <a:prstGeom prst="rect">
+            <a:avLst/>
+          </a:prstGeom>
+          <a:noFill/>
+        </p:spPr>
+        <p:txBody>
+          <a:bodyPr wrap="square">
+            <a:spAutoFit/>
+          </a:bodyPr>
+          <a:lstStyle/>
+          <a:p>
+            <a:r>
+              <a:rPr lang="en-US" sz="3200" b="0" i="0" dirty="0" err="1">
+                <a:effectLst/>
+                <a:latin typeface="Consolas" panose="020B0609020204030204" pitchFamily="49" charset="0"/>
+              </a:rPr>
+              <a:t>CatBoost</a:t>
+            </a:r>
+            <a:r>
+              <a:rPr lang="en-US" sz="3200" b="0" i="0" dirty="0">
+                <a:effectLst/>
+                <a:latin typeface="Consolas" panose="020B0609020204030204" pitchFamily="49" charset="0"/>
+              </a:rPr>
+              <a:t> Classifier(</a:t>
+            </a:r>
+            <a:r>
+              <a:rPr lang="en-US" sz="3200" b="0" i="0" dirty="0">
+                <a:effectLst/>
+                <a:latin typeface="YS Text"/>
+              </a:rPr>
+              <a:t>gradient boosting on decision trees)</a:t>
+            </a:r>
+            <a:r>
+              <a:rPr lang="en-US" sz="3200" b="0" i="0" dirty="0">
+                <a:effectLst/>
+                <a:latin typeface="Consolas" panose="020B0609020204030204" pitchFamily="49" charset="0"/>
+              </a:rPr>
+              <a:t>, 1000 iterations, ~2s</a:t>
+            </a:r>
+            <a:endParaRPr lang="de-CH" sz="3200" dirty="0"/>
+          </a:p>
+        </p:txBody>
+      </p:sp>
+      <p:sp>
+        <p:nvSpPr>
+          <p:cNvPr id="7" name="Textfeld 6">
+            <a:extLst>
+              <a:ext uri="{FF2B5EF4-FFF2-40B4-BE49-F238E27FC236}">
+                <a16:creationId xmlns:a16="http://schemas.microsoft.com/office/drawing/2014/main" id="{84DF1EE0-6E44-405C-B113-12D238EBFF32}"/>
+              </a:ext>
+            </a:extLst>
+          </p:cNvPr>
+          <p:cNvSpPr txBox="1"/>
+          <p:nvPr/>
+        </p:nvSpPr>
+        <p:spPr>
+          <a:xfrm>
+            <a:off x="300037" y="4742038"/>
+            <a:ext cx="5495925" cy="1200329"/>
+          </a:xfrm>
+          <a:prstGeom prst="rect">
+            <a:avLst/>
+          </a:prstGeom>
+          <a:noFill/>
+        </p:spPr>
+        <p:txBody>
+          <a:bodyPr wrap="square">
+            <a:spAutoFit/>
+          </a:bodyPr>
+          <a:lstStyle/>
+          <a:p>
+            <a:r>
+              <a:rPr lang="en-US" b="0" i="0" dirty="0">
+                <a:effectLst/>
+                <a:latin typeface="Consolas" panose="020B0609020204030204" pitchFamily="49" charset="0"/>
+              </a:rPr>
+              <a:t>Non-normalized data</a:t>
+            </a:r>
+          </a:p>
+          <a:p>
+            <a:r>
+              <a:rPr lang="en-US" b="0" i="0" dirty="0">
+                <a:effectLst/>
+                <a:latin typeface="Consolas" panose="020B0609020204030204" pitchFamily="49" charset="0"/>
+              </a:rPr>
+              <a:t>Mean Accuracy training: 0.5983263598326359 </a:t>
+            </a:r>
+          </a:p>
+          <a:p>
+            <a:r>
+              <a:rPr lang="en-US" b="0" i="0" dirty="0">
+                <a:effectLst/>
+                <a:latin typeface="Consolas" panose="020B0609020204030204" pitchFamily="49" charset="0"/>
+              </a:rPr>
+              <a:t>Mean Accuracy testing: 0.6 </a:t>
+            </a:r>
+          </a:p>
+          <a:p>
+            <a:r>
+              <a:rPr lang="en-US" b="0" i="0" dirty="0">
+                <a:effectLst/>
+                <a:latin typeface="Consolas" panose="020B0609020204030204" pitchFamily="49" charset="0"/>
+              </a:rPr>
+              <a:t>Mean Accuracy overall: 0.5852842809364549</a:t>
+            </a:r>
+            <a:endParaRPr lang="de-CH" dirty="0"/>
+          </a:p>
+        </p:txBody>
+      </p:sp>
+      <p:sp>
+        <p:nvSpPr>
+          <p:cNvPr id="9" name="Textfeld 8">
+            <a:extLst>
+              <a:ext uri="{FF2B5EF4-FFF2-40B4-BE49-F238E27FC236}">
+                <a16:creationId xmlns:a16="http://schemas.microsoft.com/office/drawing/2014/main" id="{0744C4A2-EF6B-4AF2-B5B6-54D1F9A238F4}"/>
+              </a:ext>
+            </a:extLst>
+          </p:cNvPr>
+          <p:cNvSpPr txBox="1"/>
+          <p:nvPr/>
+        </p:nvSpPr>
+        <p:spPr>
+          <a:xfrm>
+            <a:off x="4075509" y="4156032"/>
+            <a:ext cx="3440906" cy="584775"/>
+          </a:xfrm>
+          <a:prstGeom prst="rect">
+            <a:avLst/>
+          </a:prstGeom>
+          <a:noFill/>
+        </p:spPr>
+        <p:txBody>
+          <a:bodyPr wrap="square">
+            <a:spAutoFit/>
+          </a:bodyPr>
+          <a:lstStyle/>
+          <a:p>
+            <a:r>
+              <a:rPr lang="en-US" sz="3200" b="0" i="0" dirty="0">
+                <a:effectLst/>
+                <a:latin typeface="Consolas" panose="020B0609020204030204" pitchFamily="49" charset="0"/>
+              </a:rPr>
+              <a:t>Quantum Neuron</a:t>
+            </a:r>
+            <a:endParaRPr lang="de-CH" sz="3200" dirty="0"/>
+          </a:p>
+        </p:txBody>
+      </p:sp>
+      <p:sp>
+        <p:nvSpPr>
+          <p:cNvPr id="10" name="Textfeld 9">
+            <a:extLst>
+              <a:ext uri="{FF2B5EF4-FFF2-40B4-BE49-F238E27FC236}">
+                <a16:creationId xmlns:a16="http://schemas.microsoft.com/office/drawing/2014/main" id="{315BB19D-5FAC-4D20-96F7-43EECE8F8BE4}"/>
+              </a:ext>
+            </a:extLst>
+          </p:cNvPr>
+          <p:cNvSpPr txBox="1"/>
+          <p:nvPr/>
+        </p:nvSpPr>
+        <p:spPr>
+          <a:xfrm>
+            <a:off x="6562725" y="4744045"/>
+            <a:ext cx="6096000" cy="1200329"/>
+          </a:xfrm>
+          <a:prstGeom prst="rect">
+            <a:avLst/>
+          </a:prstGeom>
+          <a:noFill/>
+        </p:spPr>
+        <p:txBody>
+          <a:bodyPr wrap="square">
+            <a:spAutoFit/>
+          </a:bodyPr>
+          <a:lstStyle/>
+          <a:p>
+            <a:r>
+              <a:rPr lang="en-US" b="0" i="0" dirty="0">
+                <a:effectLst/>
+                <a:latin typeface="Consolas" panose="020B0609020204030204" pitchFamily="49" charset="0"/>
+              </a:rPr>
+              <a:t>Normalized data</a:t>
+            </a:r>
+          </a:p>
+          <a:p>
+            <a:r>
+              <a:rPr lang="en-US" b="0" i="0" dirty="0">
+                <a:effectLst/>
+                <a:latin typeface="Consolas" panose="020B0609020204030204" pitchFamily="49" charset="0"/>
+              </a:rPr>
+              <a:t>Mean Accuracy training: 0.6778242677824268 </a:t>
+            </a:r>
+          </a:p>
+          <a:p>
+            <a:r>
+              <a:rPr lang="en-US" b="0" i="0" dirty="0">
+                <a:effectLst/>
+                <a:latin typeface="Consolas" panose="020B0609020204030204" pitchFamily="49" charset="0"/>
+              </a:rPr>
+              <a:t>Mean Accuracy testing: 0.7 </a:t>
+            </a:r>
+          </a:p>
+          <a:p>
+            <a:r>
+              <a:rPr lang="en-US" b="0" i="0" dirty="0">
+                <a:effectLst/>
+                <a:latin typeface="Consolas" panose="020B0609020204030204" pitchFamily="49" charset="0"/>
+              </a:rPr>
+              <a:t>Mean Accuracy overall: 0.68561872909699</a:t>
+            </a:r>
+            <a:endParaRPr lang="de-CH" dirty="0"/>
+          </a:p>
+        </p:txBody>
+      </p:sp>
+      <p:sp>
+        <p:nvSpPr>
+          <p:cNvPr id="11" name="Textfeld 10">
+            <a:extLst>
+              <a:ext uri="{FF2B5EF4-FFF2-40B4-BE49-F238E27FC236}">
+                <a16:creationId xmlns:a16="http://schemas.microsoft.com/office/drawing/2014/main" id="{24AFBDB1-EC0A-4092-BDA9-39488F357955}"/>
+              </a:ext>
+            </a:extLst>
+          </p:cNvPr>
+          <p:cNvSpPr txBox="1"/>
+          <p:nvPr/>
+        </p:nvSpPr>
+        <p:spPr>
+          <a:xfrm>
+            <a:off x="452438" y="4156033"/>
+            <a:ext cx="3440906" cy="584775"/>
+          </a:xfrm>
+          <a:prstGeom prst="rect">
+            <a:avLst/>
+          </a:prstGeom>
+          <a:noFill/>
+        </p:spPr>
+        <p:txBody>
+          <a:bodyPr wrap="square">
+            <a:spAutoFit/>
+          </a:bodyPr>
+          <a:lstStyle/>
+          <a:p>
+            <a:r>
+              <a:rPr lang="en-US" sz="3200" b="0" i="0" dirty="0">
+                <a:effectLst/>
+                <a:latin typeface="Consolas" panose="020B0609020204030204" pitchFamily="49" charset="0"/>
+              </a:rPr>
+              <a:t>77 iterations</a:t>
+            </a:r>
+            <a:endParaRPr lang="de-CH" sz="3200" dirty="0"/>
+          </a:p>
+        </p:txBody>
+      </p:sp>
+      <p:sp>
+        <p:nvSpPr>
+          <p:cNvPr id="13" name="Textfeld 12">
+            <a:extLst>
+              <a:ext uri="{FF2B5EF4-FFF2-40B4-BE49-F238E27FC236}">
+                <a16:creationId xmlns:a16="http://schemas.microsoft.com/office/drawing/2014/main" id="{55C34B44-45EC-48F0-AA71-CA99713173B3}"/>
+              </a:ext>
+            </a:extLst>
+          </p:cNvPr>
+          <p:cNvSpPr txBox="1"/>
+          <p:nvPr/>
+        </p:nvSpPr>
+        <p:spPr>
+          <a:xfrm>
+            <a:off x="7890272" y="4157263"/>
+            <a:ext cx="3440906" cy="584775"/>
+          </a:xfrm>
+          <a:prstGeom prst="rect">
+            <a:avLst/>
+          </a:prstGeom>
+          <a:noFill/>
+        </p:spPr>
+        <p:txBody>
+          <a:bodyPr wrap="square">
+            <a:spAutoFit/>
+          </a:bodyPr>
+          <a:lstStyle/>
+          <a:p>
+            <a:r>
+              <a:rPr lang="en-US" sz="3200" dirty="0">
+                <a:latin typeface="Consolas" panose="020B0609020204030204" pitchFamily="49" charset="0"/>
+              </a:rPr>
+              <a:t>45</a:t>
+            </a:r>
+            <a:r>
+              <a:rPr lang="en-US" sz="3200" b="0" i="0" dirty="0">
+                <a:effectLst/>
+                <a:latin typeface="Consolas" panose="020B0609020204030204" pitchFamily="49" charset="0"/>
+              </a:rPr>
+              <a:t> iterations</a:t>
+            </a:r>
+            <a:endParaRPr lang="de-CH" sz="3200" dirty="0"/>
+          </a:p>
+        </p:txBody>
+      </p:sp>
+      <p:sp>
+        <p:nvSpPr>
+          <p:cNvPr id="15" name="Textfeld 14">
+            <a:extLst>
+              <a:ext uri="{FF2B5EF4-FFF2-40B4-BE49-F238E27FC236}">
+                <a16:creationId xmlns:a16="http://schemas.microsoft.com/office/drawing/2014/main" id="{CB95FC84-FA01-4189-A4DB-9B5BDD45BB5B}"/>
+              </a:ext>
+            </a:extLst>
+          </p:cNvPr>
+          <p:cNvSpPr txBox="1"/>
+          <p:nvPr/>
+        </p:nvSpPr>
+        <p:spPr>
+          <a:xfrm>
+            <a:off x="2110978" y="6060786"/>
+            <a:ext cx="7710043" cy="584775"/>
+          </a:xfrm>
+          <a:prstGeom prst="rect">
+            <a:avLst/>
+          </a:prstGeom>
+          <a:noFill/>
+        </p:spPr>
+        <p:txBody>
+          <a:bodyPr wrap="square">
+            <a:spAutoFit/>
+          </a:bodyPr>
+          <a:lstStyle/>
+          <a:p>
+            <a:r>
+              <a:rPr lang="en-US" sz="3200" b="0" i="0" dirty="0">
+                <a:effectLst/>
+                <a:latin typeface="Consolas" panose="020B0609020204030204" pitchFamily="49" charset="0"/>
+              </a:rPr>
+              <a:t>Maybe better with all features?</a:t>
+            </a:r>
+            <a:endParaRPr lang="de-CH" sz="3200" dirty="0"/>
+          </a:p>
+        </p:txBody>
+      </p:sp>
+    </p:spTree>
+    <p:extLst>
+      <p:ext uri="{BB962C8B-B14F-4D97-AF65-F5344CB8AC3E}">
+        <p14:creationId xmlns:p14="http://schemas.microsoft.com/office/powerpoint/2010/main" val="1097772038"/>
       </p:ext>
     </p:extLst>
   </p:cSld>
